--- a/W9/W9S2/W9S2.pptx
+++ b/W9/W9S2/W9S2.pptx
@@ -56,7 +56,7 @@
     <p:sldId id="467" r:id="rId47"/>
     <p:sldId id="468" r:id="rId48"/>
     <p:sldId id="469" r:id="rId49"/>
-    <p:sldId id="470" r:id="rId50"/>
+    <p:sldId id="478" r:id="rId50"/>
     <p:sldId id="471" r:id="rId51"/>
     <p:sldId id="472" r:id="rId52"/>
     <p:sldId id="464" r:id="rId53"/>
@@ -261,7 +261,7 @@
             <p14:sldId id="467"/>
             <p14:sldId id="468"/>
             <p14:sldId id="469"/>
-            <p14:sldId id="470"/>
+            <p14:sldId id="478"/>
             <p14:sldId id="471"/>
             <p14:sldId id="472"/>
           </p14:sldIdLst>
@@ -299,7 +299,7 @@
 <file path=ppt/revisionInfo.xml><?xml version="1.0" encoding="utf-8"?>
 <p1510:revInfo xmlns:a="http://schemas.openxmlformats.org/drawingml/2006/main" xmlns:r="http://schemas.openxmlformats.org/officeDocument/2006/relationships" xmlns:p1510="http://schemas.microsoft.com/office/powerpoint/2015/10/main">
   <p1510:revLst>
-    <p1510:client id="{A7A059E7-93C7-4781-9870-5EC88FF7F596}" v="217" dt="2023-03-18T08:30:58.055"/>
+    <p1510:client id="{A7A059E7-93C7-4781-9870-5EC88FF7F596}" v="254" dt="2023-03-20T06:43:34.215"/>
   </p1510:revLst>
 </p1510:revInfo>
 </file>
@@ -6596,7 +6596,7 @@
   <pc:docChgLst>
     <pc:chgData name="Matthieu De Mari" userId="dfb708c9-d8dc-439f-9a3b-c772bf4a311c" providerId="ADAL" clId="{A7A059E7-93C7-4781-9870-5EC88FF7F596}"/>
     <pc:docChg chg="undo redo custSel addSld delSld modSld sldOrd addSection delSection modSection">
-      <pc:chgData name="Matthieu De Mari" userId="dfb708c9-d8dc-439f-9a3b-c772bf4a311c" providerId="ADAL" clId="{A7A059E7-93C7-4781-9870-5EC88FF7F596}" dt="2023-03-18T08:31:45.590" v="11571" actId="1076"/>
+      <pc:chgData name="Matthieu De Mari" userId="dfb708c9-d8dc-439f-9a3b-c772bf4a311c" providerId="ADAL" clId="{A7A059E7-93C7-4781-9870-5EC88FF7F596}" dt="2023-03-20T06:47:40.062" v="11844" actId="207"/>
       <pc:docMkLst>
         <pc:docMk/>
       </pc:docMkLst>
@@ -7394,7 +7394,7 @@
         </pc:spChg>
       </pc:sldChg>
       <pc:sldChg chg="addSp modSp new mod modClrScheme chgLayout">
-        <pc:chgData name="Matthieu De Mari" userId="dfb708c9-d8dc-439f-9a3b-c772bf4a311c" providerId="ADAL" clId="{A7A059E7-93C7-4781-9870-5EC88FF7F596}" dt="2023-03-18T07:20:02.887" v="9927" actId="20577"/>
+        <pc:chgData name="Matthieu De Mari" userId="dfb708c9-d8dc-439f-9a3b-c772bf4a311c" providerId="ADAL" clId="{A7A059E7-93C7-4781-9870-5EC88FF7F596}" dt="2023-03-20T06:43:41.613" v="11735" actId="113"/>
         <pc:sldMkLst>
           <pc:docMk/>
           <pc:sldMk cId="3649959589" sldId="384"/>
@@ -7408,7 +7408,7 @@
           </ac:spMkLst>
         </pc:spChg>
         <pc:spChg chg="mod ord">
-          <ac:chgData name="Matthieu De Mari" userId="dfb708c9-d8dc-439f-9a3b-c772bf4a311c" providerId="ADAL" clId="{A7A059E7-93C7-4781-9870-5EC88FF7F596}" dt="2023-03-18T07:20:02.887" v="9927" actId="20577"/>
+          <ac:chgData name="Matthieu De Mari" userId="dfb708c9-d8dc-439f-9a3b-c772bf4a311c" providerId="ADAL" clId="{A7A059E7-93C7-4781-9870-5EC88FF7F596}" dt="2023-03-20T06:42:57.423" v="11700" actId="27636"/>
           <ac:spMkLst>
             <pc:docMk/>
             <pc:sldMk cId="3649959589" sldId="384"/>
@@ -7416,7 +7416,7 @@
           </ac:spMkLst>
         </pc:spChg>
         <pc:spChg chg="add mod ord">
-          <ac:chgData name="Matthieu De Mari" userId="dfb708c9-d8dc-439f-9a3b-c772bf4a311c" providerId="ADAL" clId="{A7A059E7-93C7-4781-9870-5EC88FF7F596}" dt="2023-03-18T07:19:37.058" v="9889"/>
+          <ac:chgData name="Matthieu De Mari" userId="dfb708c9-d8dc-439f-9a3b-c772bf4a311c" providerId="ADAL" clId="{A7A059E7-93C7-4781-9870-5EC88FF7F596}" dt="2023-03-20T06:43:41.613" v="11735" actId="113"/>
           <ac:spMkLst>
             <pc:docMk/>
             <pc:sldMk cId="3649959589" sldId="384"/>
@@ -7917,7 +7917,7 @@
         </pc:cxnChg>
       </pc:sldChg>
       <pc:sldChg chg="addSp delSp modSp new mod modClrScheme chgLayout">
-        <pc:chgData name="Matthieu De Mari" userId="dfb708c9-d8dc-439f-9a3b-c772bf4a311c" providerId="ADAL" clId="{A7A059E7-93C7-4781-9870-5EC88FF7F596}" dt="2023-03-18T06:43:39.965" v="8158" actId="20577"/>
+        <pc:chgData name="Matthieu De Mari" userId="dfb708c9-d8dc-439f-9a3b-c772bf4a311c" providerId="ADAL" clId="{A7A059E7-93C7-4781-9870-5EC88FF7F596}" dt="2023-03-20T06:40:31.505" v="11612"/>
         <pc:sldMkLst>
           <pc:docMk/>
           <pc:sldMk cId="2376719029" sldId="430"/>
@@ -7930,6 +7930,14 @@
             <ac:spMk id="2" creationId="{9C3146C9-78B1-3A6D-0AC7-D2B4EB90B0A6}"/>
           </ac:spMkLst>
         </pc:spChg>
+        <pc:spChg chg="add mod">
+          <ac:chgData name="Matthieu De Mari" userId="dfb708c9-d8dc-439f-9a3b-c772bf4a311c" providerId="ADAL" clId="{A7A059E7-93C7-4781-9870-5EC88FF7F596}" dt="2023-03-20T06:40:31.505" v="11612"/>
+          <ac:spMkLst>
+            <pc:docMk/>
+            <pc:sldMk cId="2376719029" sldId="430"/>
+            <ac:spMk id="3" creationId="{B4B4995C-6649-7077-D678-518EF48B858E}"/>
+          </ac:spMkLst>
+        </pc:spChg>
         <pc:spChg chg="del mod ord">
           <ac:chgData name="Matthieu De Mari" userId="dfb708c9-d8dc-439f-9a3b-c772bf4a311c" providerId="ADAL" clId="{A7A059E7-93C7-4781-9870-5EC88FF7F596}" dt="2023-03-16T06:16:42.481" v="2387" actId="700"/>
           <ac:spMkLst>
@@ -7944,6 +7952,14 @@
             <pc:docMk/>
             <pc:sldMk cId="2376719029" sldId="430"/>
             <ac:spMk id="4" creationId="{6BD4828C-2087-AD37-6F4E-5D94C0454845}"/>
+          </ac:spMkLst>
+        </pc:spChg>
+        <pc:spChg chg="add mod">
+          <ac:chgData name="Matthieu De Mari" userId="dfb708c9-d8dc-439f-9a3b-c772bf4a311c" providerId="ADAL" clId="{A7A059E7-93C7-4781-9870-5EC88FF7F596}" dt="2023-03-20T06:40:31.505" v="11612"/>
+          <ac:spMkLst>
+            <pc:docMk/>
+            <pc:sldMk cId="2376719029" sldId="430"/>
+            <ac:spMk id="5" creationId="{AC2A2C88-2F14-2B94-3183-1274420361E3}"/>
           </ac:spMkLst>
         </pc:spChg>
         <pc:spChg chg="add del mod ord">
@@ -8227,18 +8243,42 @@
           </ac:cxnSpMkLst>
         </pc:cxnChg>
       </pc:sldChg>
-      <pc:sldChg chg="modSp add mod">
-        <pc:chgData name="Matthieu De Mari" userId="dfb708c9-d8dc-439f-9a3b-c772bf4a311c" providerId="ADAL" clId="{A7A059E7-93C7-4781-9870-5EC88FF7F596}" dt="2023-03-18T06:43:45.434" v="8162" actId="20577"/>
+      <pc:sldChg chg="addSp delSp modSp add mod">
+        <pc:chgData name="Matthieu De Mari" userId="dfb708c9-d8dc-439f-9a3b-c772bf4a311c" providerId="ADAL" clId="{A7A059E7-93C7-4781-9870-5EC88FF7F596}" dt="2023-03-20T06:40:29.283" v="11611" actId="1076"/>
         <pc:sldMkLst>
           <pc:docMk/>
           <pc:sldMk cId="133940590" sldId="431"/>
         </pc:sldMkLst>
+        <pc:spChg chg="add mod">
+          <ac:chgData name="Matthieu De Mari" userId="dfb708c9-d8dc-439f-9a3b-c772bf4a311c" providerId="ADAL" clId="{A7A059E7-93C7-4781-9870-5EC88FF7F596}" dt="2023-03-20T06:40:19.679" v="11607" actId="1076"/>
+          <ac:spMkLst>
+            <pc:docMk/>
+            <pc:sldMk cId="133940590" sldId="431"/>
+            <ac:spMk id="3" creationId="{A350E7EA-347F-DA21-31AB-356C96424346}"/>
+          </ac:spMkLst>
+        </pc:spChg>
         <pc:spChg chg="mod">
-          <ac:chgData name="Matthieu De Mari" userId="dfb708c9-d8dc-439f-9a3b-c772bf4a311c" providerId="ADAL" clId="{A7A059E7-93C7-4781-9870-5EC88FF7F596}" dt="2023-03-18T06:43:45.434" v="8162" actId="20577"/>
+          <ac:chgData name="Matthieu De Mari" userId="dfb708c9-d8dc-439f-9a3b-c772bf4a311c" providerId="ADAL" clId="{A7A059E7-93C7-4781-9870-5EC88FF7F596}" dt="2023-03-20T06:39:53.142" v="11602" actId="20577"/>
           <ac:spMkLst>
             <pc:docMk/>
             <pc:sldMk cId="133940590" sldId="431"/>
             <ac:spMk id="4" creationId="{6BD4828C-2087-AD37-6F4E-5D94C0454845}"/>
+          </ac:spMkLst>
+        </pc:spChg>
+        <pc:spChg chg="add del mod">
+          <ac:chgData name="Matthieu De Mari" userId="dfb708c9-d8dc-439f-9a3b-c772bf4a311c" providerId="ADAL" clId="{A7A059E7-93C7-4781-9870-5EC88FF7F596}" dt="2023-03-20T06:40:23.509" v="11609"/>
+          <ac:spMkLst>
+            <pc:docMk/>
+            <pc:sldMk cId="133940590" sldId="431"/>
+            <ac:spMk id="5" creationId="{055E5F41-4104-6130-A5EC-5D767C5E75A1}"/>
+          </ac:spMkLst>
+        </pc:spChg>
+        <pc:spChg chg="add mod">
+          <ac:chgData name="Matthieu De Mari" userId="dfb708c9-d8dc-439f-9a3b-c772bf4a311c" providerId="ADAL" clId="{A7A059E7-93C7-4781-9870-5EC88FF7F596}" dt="2023-03-20T06:40:29.283" v="11611" actId="1076"/>
+          <ac:spMkLst>
+            <pc:docMk/>
+            <pc:sldMk cId="133940590" sldId="431"/>
+            <ac:spMk id="10" creationId="{5DDE698E-68B2-5F73-DD11-FAE5871423C0}"/>
           </ac:spMkLst>
         </pc:spChg>
         <pc:spChg chg="mod">
@@ -9341,7 +9381,7 @@
         </pc:spChg>
       </pc:sldChg>
       <pc:sldChg chg="modSp add mod">
-        <pc:chgData name="Matthieu De Mari" userId="dfb708c9-d8dc-439f-9a3b-c772bf4a311c" providerId="ADAL" clId="{A7A059E7-93C7-4781-9870-5EC88FF7F596}" dt="2023-03-18T06:43:24.735" v="8149" actId="20577"/>
+        <pc:chgData name="Matthieu De Mari" userId="dfb708c9-d8dc-439f-9a3b-c772bf4a311c" providerId="ADAL" clId="{A7A059E7-93C7-4781-9870-5EC88FF7F596}" dt="2023-03-20T06:39:37.437" v="11598" actId="20577"/>
         <pc:sldMkLst>
           <pc:docMk/>
           <pc:sldMk cId="216138188" sldId="452"/>
@@ -9355,7 +9395,7 @@
           </ac:spMkLst>
         </pc:spChg>
         <pc:spChg chg="mod">
-          <ac:chgData name="Matthieu De Mari" userId="dfb708c9-d8dc-439f-9a3b-c772bf4a311c" providerId="ADAL" clId="{A7A059E7-93C7-4781-9870-5EC88FF7F596}" dt="2023-03-18T06:43:24.735" v="8149" actId="20577"/>
+          <ac:chgData name="Matthieu De Mari" userId="dfb708c9-d8dc-439f-9a3b-c772bf4a311c" providerId="ADAL" clId="{A7A059E7-93C7-4781-9870-5EC88FF7F596}" dt="2023-03-20T06:39:37.437" v="11598" actId="20577"/>
           <ac:spMkLst>
             <pc:docMk/>
             <pc:sldMk cId="216138188" sldId="452"/>
@@ -9905,13 +9945,13 @@
         </pc:sldMkLst>
       </pc:sldChg>
       <pc:sldChg chg="modSp add mod">
-        <pc:chgData name="Matthieu De Mari" userId="dfb708c9-d8dc-439f-9a3b-c772bf4a311c" providerId="ADAL" clId="{A7A059E7-93C7-4781-9870-5EC88FF7F596}" dt="2023-03-18T07:01:47.306" v="8928" actId="5793"/>
+        <pc:chgData name="Matthieu De Mari" userId="dfb708c9-d8dc-439f-9a3b-c772bf4a311c" providerId="ADAL" clId="{A7A059E7-93C7-4781-9870-5EC88FF7F596}" dt="2023-03-20T06:41:39.027" v="11626" actId="20577"/>
         <pc:sldMkLst>
           <pc:docMk/>
           <pc:sldMk cId="2415983017" sldId="455"/>
         </pc:sldMkLst>
         <pc:spChg chg="mod">
-          <ac:chgData name="Matthieu De Mari" userId="dfb708c9-d8dc-439f-9a3b-c772bf4a311c" providerId="ADAL" clId="{A7A059E7-93C7-4781-9870-5EC88FF7F596}" dt="2023-03-18T07:01:47.306" v="8928" actId="5793"/>
+          <ac:chgData name="Matthieu De Mari" userId="dfb708c9-d8dc-439f-9a3b-c772bf4a311c" providerId="ADAL" clId="{A7A059E7-93C7-4781-9870-5EC88FF7F596}" dt="2023-03-20T06:41:39.027" v="11626" actId="20577"/>
           <ac:spMkLst>
             <pc:docMk/>
             <pc:sldMk cId="2415983017" sldId="455"/>
@@ -9920,13 +9960,13 @@
         </pc:spChg>
       </pc:sldChg>
       <pc:sldChg chg="modSp add mod">
-        <pc:chgData name="Matthieu De Mari" userId="dfb708c9-d8dc-439f-9a3b-c772bf4a311c" providerId="ADAL" clId="{A7A059E7-93C7-4781-9870-5EC88FF7F596}" dt="2023-03-18T07:02:42.101" v="8972" actId="20577"/>
+        <pc:chgData name="Matthieu De Mari" userId="dfb708c9-d8dc-439f-9a3b-c772bf4a311c" providerId="ADAL" clId="{A7A059E7-93C7-4781-9870-5EC88FF7F596}" dt="2023-03-20T06:42:04.813" v="11643" actId="20577"/>
         <pc:sldMkLst>
           <pc:docMk/>
           <pc:sldMk cId="227383218" sldId="456"/>
         </pc:sldMkLst>
         <pc:spChg chg="mod">
-          <ac:chgData name="Matthieu De Mari" userId="dfb708c9-d8dc-439f-9a3b-c772bf4a311c" providerId="ADAL" clId="{A7A059E7-93C7-4781-9870-5EC88FF7F596}" dt="2023-03-18T07:02:42.101" v="8972" actId="20577"/>
+          <ac:chgData name="Matthieu De Mari" userId="dfb708c9-d8dc-439f-9a3b-c772bf4a311c" providerId="ADAL" clId="{A7A059E7-93C7-4781-9870-5EC88FF7F596}" dt="2023-03-20T06:42:04.813" v="11643" actId="20577"/>
           <ac:spMkLst>
             <pc:docMk/>
             <pc:sldMk cId="227383218" sldId="456"/>
@@ -9995,7 +10035,7 @@
         </pc:spChg>
       </pc:sldChg>
       <pc:sldChg chg="addSp delSp modSp new mod modClrScheme chgLayout">
-        <pc:chgData name="Matthieu De Mari" userId="dfb708c9-d8dc-439f-9a3b-c772bf4a311c" providerId="ADAL" clId="{A7A059E7-93C7-4781-9870-5EC88FF7F596}" dt="2023-03-18T07:24:38.107" v="10213" actId="20577"/>
+        <pc:chgData name="Matthieu De Mari" userId="dfb708c9-d8dc-439f-9a3b-c772bf4a311c" providerId="ADAL" clId="{A7A059E7-93C7-4781-9870-5EC88FF7F596}" dt="2023-03-20T06:44:02.848" v="11736" actId="20577"/>
         <pc:sldMkLst>
           <pc:docMk/>
           <pc:sldMk cId="146061813" sldId="459"/>
@@ -10025,7 +10065,7 @@
           </ac:spMkLst>
         </pc:spChg>
         <pc:spChg chg="add mod ord">
-          <ac:chgData name="Matthieu De Mari" userId="dfb708c9-d8dc-439f-9a3b-c772bf4a311c" providerId="ADAL" clId="{A7A059E7-93C7-4781-9870-5EC88FF7F596}" dt="2023-03-18T07:24:38.107" v="10213" actId="20577"/>
+          <ac:chgData name="Matthieu De Mari" userId="dfb708c9-d8dc-439f-9a3b-c772bf4a311c" providerId="ADAL" clId="{A7A059E7-93C7-4781-9870-5EC88FF7F596}" dt="2023-03-20T06:44:02.848" v="11736" actId="20577"/>
           <ac:spMkLst>
             <pc:docMk/>
             <pc:sldMk cId="146061813" sldId="459"/>
@@ -10048,7 +10088,7 @@
         </pc:sldMkLst>
       </pc:sldChg>
       <pc:sldChg chg="addSp delSp modSp new mod modClrScheme chgLayout">
-        <pc:chgData name="Matthieu De Mari" userId="dfb708c9-d8dc-439f-9a3b-c772bf4a311c" providerId="ADAL" clId="{A7A059E7-93C7-4781-9870-5EC88FF7F596}" dt="2023-03-18T07:44:49.422" v="10817" actId="113"/>
+        <pc:chgData name="Matthieu De Mari" userId="dfb708c9-d8dc-439f-9a3b-c772bf4a311c" providerId="ADAL" clId="{A7A059E7-93C7-4781-9870-5EC88FF7F596}" dt="2023-03-20T06:44:55.055" v="11771" actId="207"/>
         <pc:sldMkLst>
           <pc:docMk/>
           <pc:sldMk cId="2491784038" sldId="460"/>
@@ -10086,7 +10126,7 @@
           </ac:spMkLst>
         </pc:spChg>
         <pc:spChg chg="add mod ord">
-          <ac:chgData name="Matthieu De Mari" userId="dfb708c9-d8dc-439f-9a3b-c772bf4a311c" providerId="ADAL" clId="{A7A059E7-93C7-4781-9870-5EC88FF7F596}" dt="2023-03-18T07:44:49.422" v="10817" actId="113"/>
+          <ac:chgData name="Matthieu De Mari" userId="dfb708c9-d8dc-439f-9a3b-c772bf4a311c" providerId="ADAL" clId="{A7A059E7-93C7-4781-9870-5EC88FF7F596}" dt="2023-03-20T06:44:55.055" v="11771" actId="207"/>
           <ac:spMkLst>
             <pc:docMk/>
             <pc:sldMk cId="2491784038" sldId="460"/>
@@ -10102,7 +10142,7 @@
         </pc:sldMkLst>
       </pc:sldChg>
       <pc:sldChg chg="addSp delSp modSp new mod">
-        <pc:chgData name="Matthieu De Mari" userId="dfb708c9-d8dc-439f-9a3b-c772bf4a311c" providerId="ADAL" clId="{A7A059E7-93C7-4781-9870-5EC88FF7F596}" dt="2023-03-18T07:28:24.725" v="10371" actId="20577"/>
+        <pc:chgData name="Matthieu De Mari" userId="dfb708c9-d8dc-439f-9a3b-c772bf4a311c" providerId="ADAL" clId="{A7A059E7-93C7-4781-9870-5EC88FF7F596}" dt="2023-03-20T06:44:21.138" v="11742" actId="207"/>
         <pc:sldMkLst>
           <pc:docMk/>
           <pc:sldMk cId="2636270797" sldId="461"/>
@@ -10116,7 +10156,7 @@
           </ac:spMkLst>
         </pc:spChg>
         <pc:spChg chg="mod">
-          <ac:chgData name="Matthieu De Mari" userId="dfb708c9-d8dc-439f-9a3b-c772bf4a311c" providerId="ADAL" clId="{A7A059E7-93C7-4781-9870-5EC88FF7F596}" dt="2023-03-18T07:28:24.725" v="10371" actId="20577"/>
+          <ac:chgData name="Matthieu De Mari" userId="dfb708c9-d8dc-439f-9a3b-c772bf4a311c" providerId="ADAL" clId="{A7A059E7-93C7-4781-9870-5EC88FF7F596}" dt="2023-03-20T06:44:21.138" v="11742" actId="207"/>
           <ac:spMkLst>
             <pc:docMk/>
             <pc:sldMk cId="2636270797" sldId="461"/>
@@ -10133,13 +10173,13 @@
         </pc:spChg>
       </pc:sldChg>
       <pc:sldChg chg="modSp add mod">
-        <pc:chgData name="Matthieu De Mari" userId="dfb708c9-d8dc-439f-9a3b-c772bf4a311c" providerId="ADAL" clId="{A7A059E7-93C7-4781-9870-5EC88FF7F596}" dt="2023-03-18T07:27:53.024" v="10355"/>
+        <pc:chgData name="Matthieu De Mari" userId="dfb708c9-d8dc-439f-9a3b-c772bf4a311c" providerId="ADAL" clId="{A7A059E7-93C7-4781-9870-5EC88FF7F596}" dt="2023-03-20T06:44:31.733" v="11746" actId="207"/>
         <pc:sldMkLst>
           <pc:docMk/>
           <pc:sldMk cId="1308959780" sldId="462"/>
         </pc:sldMkLst>
         <pc:spChg chg="mod">
-          <ac:chgData name="Matthieu De Mari" userId="dfb708c9-d8dc-439f-9a3b-c772bf4a311c" providerId="ADAL" clId="{A7A059E7-93C7-4781-9870-5EC88FF7F596}" dt="2023-03-18T07:27:53.024" v="10355"/>
+          <ac:chgData name="Matthieu De Mari" userId="dfb708c9-d8dc-439f-9a3b-c772bf4a311c" providerId="ADAL" clId="{A7A059E7-93C7-4781-9870-5EC88FF7F596}" dt="2023-03-20T06:44:31.733" v="11746" actId="207"/>
           <ac:spMkLst>
             <pc:docMk/>
             <pc:sldMk cId="1308959780" sldId="462"/>
@@ -10155,7 +10195,7 @@
         </pc:sldMkLst>
       </pc:sldChg>
       <pc:sldChg chg="addSp delSp modSp new mod modClrScheme chgLayout">
-        <pc:chgData name="Matthieu De Mari" userId="dfb708c9-d8dc-439f-9a3b-c772bf4a311c" providerId="ADAL" clId="{A7A059E7-93C7-4781-9870-5EC88FF7F596}" dt="2023-03-18T07:46:32.288" v="10909" actId="20577"/>
+        <pc:chgData name="Matthieu De Mari" userId="dfb708c9-d8dc-439f-9a3b-c772bf4a311c" providerId="ADAL" clId="{A7A059E7-93C7-4781-9870-5EC88FF7F596}" dt="2023-03-20T06:44:37.611" v="11750" actId="207"/>
         <pc:sldMkLst>
           <pc:docMk/>
           <pc:sldMk cId="3130766884" sldId="463"/>
@@ -10193,7 +10233,7 @@
           </ac:spMkLst>
         </pc:spChg>
         <pc:spChg chg="add mod ord">
-          <ac:chgData name="Matthieu De Mari" userId="dfb708c9-d8dc-439f-9a3b-c772bf4a311c" providerId="ADAL" clId="{A7A059E7-93C7-4781-9870-5EC88FF7F596}" dt="2023-03-18T07:46:23.400" v="10908" actId="20577"/>
+          <ac:chgData name="Matthieu De Mari" userId="dfb708c9-d8dc-439f-9a3b-c772bf4a311c" providerId="ADAL" clId="{A7A059E7-93C7-4781-9870-5EC88FF7F596}" dt="2023-03-20T06:44:37.611" v="11750" actId="207"/>
           <ac:spMkLst>
             <pc:docMk/>
             <pc:sldMk cId="3130766884" sldId="463"/>
@@ -10210,7 +10250,7 @@
         </pc:spChg>
       </pc:sldChg>
       <pc:sldChg chg="addSp modSp new mod modClrScheme chgLayout">
-        <pc:chgData name="Matthieu De Mari" userId="dfb708c9-d8dc-439f-9a3b-c772bf4a311c" providerId="ADAL" clId="{A7A059E7-93C7-4781-9870-5EC88FF7F596}" dt="2023-03-18T08:15:48.918" v="11034" actId="20577"/>
+        <pc:chgData name="Matthieu De Mari" userId="dfb708c9-d8dc-439f-9a3b-c772bf4a311c" providerId="ADAL" clId="{A7A059E7-93C7-4781-9870-5EC88FF7F596}" dt="2023-03-20T06:47:17.355" v="11837" actId="207"/>
         <pc:sldMkLst>
           <pc:docMk/>
           <pc:sldMk cId="2960715248" sldId="464"/>
@@ -10224,7 +10264,7 @@
           </ac:spMkLst>
         </pc:spChg>
         <pc:spChg chg="mod ord">
-          <ac:chgData name="Matthieu De Mari" userId="dfb708c9-d8dc-439f-9a3b-c772bf4a311c" providerId="ADAL" clId="{A7A059E7-93C7-4781-9870-5EC88FF7F596}" dt="2023-03-18T08:15:37.999" v="11030" actId="27636"/>
+          <ac:chgData name="Matthieu De Mari" userId="dfb708c9-d8dc-439f-9a3b-c772bf4a311c" providerId="ADAL" clId="{A7A059E7-93C7-4781-9870-5EC88FF7F596}" dt="2023-03-20T06:47:17.355" v="11837" actId="207"/>
           <ac:spMkLst>
             <pc:docMk/>
             <pc:sldMk cId="2960715248" sldId="464"/>
@@ -10241,7 +10281,7 @@
         </pc:spChg>
       </pc:sldChg>
       <pc:sldChg chg="modSp new mod">
-        <pc:chgData name="Matthieu De Mari" userId="dfb708c9-d8dc-439f-9a3b-c772bf4a311c" providerId="ADAL" clId="{A7A059E7-93C7-4781-9870-5EC88FF7F596}" dt="2023-03-18T07:36:40.031" v="10704" actId="313"/>
+        <pc:chgData name="Matthieu De Mari" userId="dfb708c9-d8dc-439f-9a3b-c772bf4a311c" providerId="ADAL" clId="{A7A059E7-93C7-4781-9870-5EC88FF7F596}" dt="2023-03-20T06:45:10.443" v="11788" actId="20577"/>
         <pc:sldMkLst>
           <pc:docMk/>
           <pc:sldMk cId="3142642375" sldId="465"/>
@@ -10255,7 +10295,7 @@
           </ac:spMkLst>
         </pc:spChg>
         <pc:spChg chg="mod">
-          <ac:chgData name="Matthieu De Mari" userId="dfb708c9-d8dc-439f-9a3b-c772bf4a311c" providerId="ADAL" clId="{A7A059E7-93C7-4781-9870-5EC88FF7F596}" dt="2023-03-18T07:36:40.031" v="10704" actId="313"/>
+          <ac:chgData name="Matthieu De Mari" userId="dfb708c9-d8dc-439f-9a3b-c772bf4a311c" providerId="ADAL" clId="{A7A059E7-93C7-4781-9870-5EC88FF7F596}" dt="2023-03-20T06:45:10.443" v="11788" actId="20577"/>
           <ac:spMkLst>
             <pc:docMk/>
             <pc:sldMk cId="3142642375" sldId="465"/>
@@ -10264,13 +10304,13 @@
         </pc:spChg>
       </pc:sldChg>
       <pc:sldChg chg="modSp add mod">
-        <pc:chgData name="Matthieu De Mari" userId="dfb708c9-d8dc-439f-9a3b-c772bf4a311c" providerId="ADAL" clId="{A7A059E7-93C7-4781-9870-5EC88FF7F596}" dt="2023-03-18T07:36:58.609" v="10710" actId="27636"/>
+        <pc:chgData name="Matthieu De Mari" userId="dfb708c9-d8dc-439f-9a3b-c772bf4a311c" providerId="ADAL" clId="{A7A059E7-93C7-4781-9870-5EC88FF7F596}" dt="2023-03-20T06:45:14.929" v="11789"/>
         <pc:sldMkLst>
           <pc:docMk/>
           <pc:sldMk cId="2429451842" sldId="466"/>
         </pc:sldMkLst>
         <pc:spChg chg="mod">
-          <ac:chgData name="Matthieu De Mari" userId="dfb708c9-d8dc-439f-9a3b-c772bf4a311c" providerId="ADAL" clId="{A7A059E7-93C7-4781-9870-5EC88FF7F596}" dt="2023-03-18T07:36:58.609" v="10710" actId="27636"/>
+          <ac:chgData name="Matthieu De Mari" userId="dfb708c9-d8dc-439f-9a3b-c772bf4a311c" providerId="ADAL" clId="{A7A059E7-93C7-4781-9870-5EC88FF7F596}" dt="2023-03-20T06:45:14.929" v="11789"/>
           <ac:spMkLst>
             <pc:docMk/>
             <pc:sldMk cId="2429451842" sldId="466"/>
@@ -10279,13 +10319,13 @@
         </pc:spChg>
       </pc:sldChg>
       <pc:sldChg chg="modSp add mod">
-        <pc:chgData name="Matthieu De Mari" userId="dfb708c9-d8dc-439f-9a3b-c772bf4a311c" providerId="ADAL" clId="{A7A059E7-93C7-4781-9870-5EC88FF7F596}" dt="2023-03-18T07:37:33.075" v="10733" actId="20577"/>
+        <pc:chgData name="Matthieu De Mari" userId="dfb708c9-d8dc-439f-9a3b-c772bf4a311c" providerId="ADAL" clId="{A7A059E7-93C7-4781-9870-5EC88FF7F596}" dt="2023-03-20T06:46:03.748" v="11824" actId="313"/>
         <pc:sldMkLst>
           <pc:docMk/>
           <pc:sldMk cId="3997970781" sldId="467"/>
         </pc:sldMkLst>
         <pc:spChg chg="mod">
-          <ac:chgData name="Matthieu De Mari" userId="dfb708c9-d8dc-439f-9a3b-c772bf4a311c" providerId="ADAL" clId="{A7A059E7-93C7-4781-9870-5EC88FF7F596}" dt="2023-03-18T07:37:33.075" v="10733" actId="20577"/>
+          <ac:chgData name="Matthieu De Mari" userId="dfb708c9-d8dc-439f-9a3b-c772bf4a311c" providerId="ADAL" clId="{A7A059E7-93C7-4781-9870-5EC88FF7F596}" dt="2023-03-20T06:46:03.748" v="11824" actId="313"/>
           <ac:spMkLst>
             <pc:docMk/>
             <pc:sldMk cId="3997970781" sldId="467"/>
@@ -10294,13 +10334,13 @@
         </pc:spChg>
       </pc:sldChg>
       <pc:sldChg chg="modSp add mod">
-        <pc:chgData name="Matthieu De Mari" userId="dfb708c9-d8dc-439f-9a3b-c772bf4a311c" providerId="ADAL" clId="{A7A059E7-93C7-4781-9870-5EC88FF7F596}" dt="2023-03-18T07:37:51.860" v="10736" actId="207"/>
+        <pc:chgData name="Matthieu De Mari" userId="dfb708c9-d8dc-439f-9a3b-c772bf4a311c" providerId="ADAL" clId="{A7A059E7-93C7-4781-9870-5EC88FF7F596}" dt="2023-03-20T06:45:57.491" v="11816" actId="313"/>
         <pc:sldMkLst>
           <pc:docMk/>
           <pc:sldMk cId="11496944" sldId="468"/>
         </pc:sldMkLst>
         <pc:spChg chg="mod">
-          <ac:chgData name="Matthieu De Mari" userId="dfb708c9-d8dc-439f-9a3b-c772bf4a311c" providerId="ADAL" clId="{A7A059E7-93C7-4781-9870-5EC88FF7F596}" dt="2023-03-18T07:37:51.860" v="10736" actId="207"/>
+          <ac:chgData name="Matthieu De Mari" userId="dfb708c9-d8dc-439f-9a3b-c772bf4a311c" providerId="ADAL" clId="{A7A059E7-93C7-4781-9870-5EC88FF7F596}" dt="2023-03-20T06:45:57.491" v="11816" actId="313"/>
           <ac:spMkLst>
             <pc:docMk/>
             <pc:sldMk cId="11496944" sldId="468"/>
@@ -10309,13 +10349,13 @@
         </pc:spChg>
       </pc:sldChg>
       <pc:sldChg chg="addSp delSp modSp add mod">
-        <pc:chgData name="Matthieu De Mari" userId="dfb708c9-d8dc-439f-9a3b-c772bf4a311c" providerId="ADAL" clId="{A7A059E7-93C7-4781-9870-5EC88FF7F596}" dt="2023-03-18T07:38:50.335" v="10761" actId="22"/>
+        <pc:chgData name="Matthieu De Mari" userId="dfb708c9-d8dc-439f-9a3b-c772bf4a311c" providerId="ADAL" clId="{A7A059E7-93C7-4781-9870-5EC88FF7F596}" dt="2023-03-20T06:45:49.639" v="11808" actId="313"/>
         <pc:sldMkLst>
           <pc:docMk/>
           <pc:sldMk cId="1643155833" sldId="469"/>
         </pc:sldMkLst>
         <pc:spChg chg="mod">
-          <ac:chgData name="Matthieu De Mari" userId="dfb708c9-d8dc-439f-9a3b-c772bf4a311c" providerId="ADAL" clId="{A7A059E7-93C7-4781-9870-5EC88FF7F596}" dt="2023-03-18T07:38:42.823" v="10759" actId="20577"/>
+          <ac:chgData name="Matthieu De Mari" userId="dfb708c9-d8dc-439f-9a3b-c772bf4a311c" providerId="ADAL" clId="{A7A059E7-93C7-4781-9870-5EC88FF7F596}" dt="2023-03-20T06:45:49.639" v="11808" actId="313"/>
           <ac:spMkLst>
             <pc:docMk/>
             <pc:sldMk cId="1643155833" sldId="469"/>
@@ -10331,8 +10371,8 @@
           </ac:spMkLst>
         </pc:spChg>
       </pc:sldChg>
-      <pc:sldChg chg="modSp add mod">
-        <pc:chgData name="Matthieu De Mari" userId="dfb708c9-d8dc-439f-9a3b-c772bf4a311c" providerId="ADAL" clId="{A7A059E7-93C7-4781-9870-5EC88FF7F596}" dt="2023-03-18T07:38:57.239" v="10764" actId="113"/>
+      <pc:sldChg chg="modSp add del mod">
+        <pc:chgData name="Matthieu De Mari" userId="dfb708c9-d8dc-439f-9a3b-c772bf4a311c" providerId="ADAL" clId="{A7A059E7-93C7-4781-9870-5EC88FF7F596}" dt="2023-03-20T06:46:15.884" v="11826" actId="47"/>
         <pc:sldMkLst>
           <pc:docMk/>
           <pc:sldMk cId="1928676816" sldId="470"/>
@@ -10391,7 +10431,7 @@
         </pc:sldMkLst>
       </pc:sldChg>
       <pc:sldChg chg="addSp delSp modSp new mod modClrScheme chgLayout">
-        <pc:chgData name="Matthieu De Mari" userId="dfb708c9-d8dc-439f-9a3b-c772bf4a311c" providerId="ADAL" clId="{A7A059E7-93C7-4781-9870-5EC88FF7F596}" dt="2023-03-18T08:19:48.089" v="11232" actId="20577"/>
+        <pc:chgData name="Matthieu De Mari" userId="dfb708c9-d8dc-439f-9a3b-c772bf4a311c" providerId="ADAL" clId="{A7A059E7-93C7-4781-9870-5EC88FF7F596}" dt="2023-03-20T06:47:24.422" v="11838" actId="207"/>
         <pc:sldMkLst>
           <pc:docMk/>
           <pc:sldMk cId="2726241820" sldId="473"/>
@@ -10421,7 +10461,7 @@
           </ac:spMkLst>
         </pc:spChg>
         <pc:spChg chg="add mod ord">
-          <ac:chgData name="Matthieu De Mari" userId="dfb708c9-d8dc-439f-9a3b-c772bf4a311c" providerId="ADAL" clId="{A7A059E7-93C7-4781-9870-5EC88FF7F596}" dt="2023-03-18T08:19:48.089" v="11232" actId="20577"/>
+          <ac:chgData name="Matthieu De Mari" userId="dfb708c9-d8dc-439f-9a3b-c772bf4a311c" providerId="ADAL" clId="{A7A059E7-93C7-4781-9870-5EC88FF7F596}" dt="2023-03-20T06:47:24.422" v="11838" actId="207"/>
           <ac:spMkLst>
             <pc:docMk/>
             <pc:sldMk cId="2726241820" sldId="473"/>
@@ -10444,7 +10484,7 @@
         </pc:sldMkLst>
       </pc:sldChg>
       <pc:sldChg chg="modSp new mod">
-        <pc:chgData name="Matthieu De Mari" userId="dfb708c9-d8dc-439f-9a3b-c772bf4a311c" providerId="ADAL" clId="{A7A059E7-93C7-4781-9870-5EC88FF7F596}" dt="2023-03-18T08:22:49.023" v="11311" actId="113"/>
+        <pc:chgData name="Matthieu De Mari" userId="dfb708c9-d8dc-439f-9a3b-c772bf4a311c" providerId="ADAL" clId="{A7A059E7-93C7-4781-9870-5EC88FF7F596}" dt="2023-03-20T06:47:36.683" v="11843" actId="207"/>
         <pc:sldMkLst>
           <pc:docMk/>
           <pc:sldMk cId="2726235655" sldId="474"/>
@@ -10458,7 +10498,7 @@
           </ac:spMkLst>
         </pc:spChg>
         <pc:spChg chg="mod">
-          <ac:chgData name="Matthieu De Mari" userId="dfb708c9-d8dc-439f-9a3b-c772bf4a311c" providerId="ADAL" clId="{A7A059E7-93C7-4781-9870-5EC88FF7F596}" dt="2023-03-18T08:22:49.023" v="11311" actId="113"/>
+          <ac:chgData name="Matthieu De Mari" userId="dfb708c9-d8dc-439f-9a3b-c772bf4a311c" providerId="ADAL" clId="{A7A059E7-93C7-4781-9870-5EC88FF7F596}" dt="2023-03-20T06:47:36.683" v="11843" actId="207"/>
           <ac:spMkLst>
             <pc:docMk/>
             <pc:sldMk cId="2726235655" sldId="474"/>
@@ -10474,7 +10514,7 @@
         </pc:sldMkLst>
       </pc:sldChg>
       <pc:sldChg chg="modSp new mod">
-        <pc:chgData name="Matthieu De Mari" userId="dfb708c9-d8dc-439f-9a3b-c772bf4a311c" providerId="ADAL" clId="{A7A059E7-93C7-4781-9870-5EC88FF7F596}" dt="2023-03-18T08:22:52.700" v="11312" actId="113"/>
+        <pc:chgData name="Matthieu De Mari" userId="dfb708c9-d8dc-439f-9a3b-c772bf4a311c" providerId="ADAL" clId="{A7A059E7-93C7-4781-9870-5EC88FF7F596}" dt="2023-03-20T06:47:40.062" v="11844" actId="207"/>
         <pc:sldMkLst>
           <pc:docMk/>
           <pc:sldMk cId="3838605298" sldId="475"/>
@@ -10488,7 +10528,7 @@
           </ac:spMkLst>
         </pc:spChg>
         <pc:spChg chg="mod">
-          <ac:chgData name="Matthieu De Mari" userId="dfb708c9-d8dc-439f-9a3b-c772bf4a311c" providerId="ADAL" clId="{A7A059E7-93C7-4781-9870-5EC88FF7F596}" dt="2023-03-18T08:22:52.700" v="11312" actId="113"/>
+          <ac:chgData name="Matthieu De Mari" userId="dfb708c9-d8dc-439f-9a3b-c772bf4a311c" providerId="ADAL" clId="{A7A059E7-93C7-4781-9870-5EC88FF7F596}" dt="2023-03-20T06:47:40.062" v="11844" actId="207"/>
           <ac:spMkLst>
             <pc:docMk/>
             <pc:sldMk cId="3838605298" sldId="475"/>
@@ -10563,6 +10603,28 @@
           <pc:docMk/>
           <pc:sldMk cId="932509960" sldId="478"/>
         </pc:sldMkLst>
+      </pc:sldChg>
+      <pc:sldChg chg="add del">
+        <pc:chgData name="Matthieu De Mari" userId="dfb708c9-d8dc-439f-9a3b-c772bf4a311c" providerId="ADAL" clId="{A7A059E7-93C7-4781-9870-5EC88FF7F596}" dt="2023-03-20T06:42:41.866" v="11645" actId="47"/>
+        <pc:sldMkLst>
+          <pc:docMk/>
+          <pc:sldMk cId="2649008631" sldId="478"/>
+        </pc:sldMkLst>
+      </pc:sldChg>
+      <pc:sldChg chg="modSp add mod">
+        <pc:chgData name="Matthieu De Mari" userId="dfb708c9-d8dc-439f-9a3b-c772bf4a311c" providerId="ADAL" clId="{A7A059E7-93C7-4781-9870-5EC88FF7F596}" dt="2023-03-20T06:46:19.462" v="11828" actId="207"/>
+        <pc:sldMkLst>
+          <pc:docMk/>
+          <pc:sldMk cId="3784750566" sldId="478"/>
+        </pc:sldMkLst>
+        <pc:spChg chg="mod">
+          <ac:chgData name="Matthieu De Mari" userId="dfb708c9-d8dc-439f-9a3b-c772bf4a311c" providerId="ADAL" clId="{A7A059E7-93C7-4781-9870-5EC88FF7F596}" dt="2023-03-20T06:46:19.462" v="11828" actId="207"/>
+          <ac:spMkLst>
+            <pc:docMk/>
+            <pc:sldMk cId="3784750566" sldId="478"/>
+            <ac:spMk id="3" creationId="{C88E7E02-41CA-5502-EC81-CC1584EA1981}"/>
+          </ac:spMkLst>
+        </pc:spChg>
       </pc:sldChg>
       <pc:sldChg chg="del">
         <pc:chgData name="Matthieu De Mari" userId="dfb708c9-d8dc-439f-9a3b-c772bf4a311c" providerId="ADAL" clId="{A7A059E7-93C7-4781-9870-5EC88FF7F596}" dt="2023-03-15T08:57:15.514" v="58" actId="47"/>
@@ -12581,7 +12643,7 @@
           <a:p>
             <a:fld id="{98CFC6A4-B085-437B-8084-693BEB2A32DE}" type="datetimeFigureOut">
               <a:rPr lang="en-SG" smtClean="0"/>
-              <a:t>18/3/2023</a:t>
+              <a:t>20/3/2023</a:t>
             </a:fld>
             <a:endParaRPr lang="en-SG"/>
           </a:p>
@@ -12998,7 +13060,7 @@
           <a:p>
             <a:fld id="{AB35F6B0-D468-4997-9CE3-CF2A1AE5E3F9}" type="datetimeFigureOut">
               <a:rPr lang="en-SG" smtClean="0"/>
-              <a:t>18/3/2023</a:t>
+              <a:t>20/3/2023</a:t>
             </a:fld>
             <a:endParaRPr lang="en-SG"/>
           </a:p>
@@ -13198,7 +13260,7 @@
           <a:p>
             <a:fld id="{AB35F6B0-D468-4997-9CE3-CF2A1AE5E3F9}" type="datetimeFigureOut">
               <a:rPr lang="en-SG" smtClean="0"/>
-              <a:t>18/3/2023</a:t>
+              <a:t>20/3/2023</a:t>
             </a:fld>
             <a:endParaRPr lang="en-SG"/>
           </a:p>
@@ -13408,7 +13470,7 @@
           <a:p>
             <a:fld id="{AB35F6B0-D468-4997-9CE3-CF2A1AE5E3F9}" type="datetimeFigureOut">
               <a:rPr lang="en-SG" smtClean="0"/>
-              <a:t>18/3/2023</a:t>
+              <a:t>20/3/2023</a:t>
             </a:fld>
             <a:endParaRPr lang="en-SG"/>
           </a:p>
@@ -13608,7 +13670,7 @@
           <a:p>
             <a:fld id="{AB35F6B0-D468-4997-9CE3-CF2A1AE5E3F9}" type="datetimeFigureOut">
               <a:rPr lang="en-SG" smtClean="0"/>
-              <a:t>18/3/2023</a:t>
+              <a:t>20/3/2023</a:t>
             </a:fld>
             <a:endParaRPr lang="en-SG"/>
           </a:p>
@@ -13884,7 +13946,7 @@
           <a:p>
             <a:fld id="{AB35F6B0-D468-4997-9CE3-CF2A1AE5E3F9}" type="datetimeFigureOut">
               <a:rPr lang="en-SG" smtClean="0"/>
-              <a:t>18/3/2023</a:t>
+              <a:t>20/3/2023</a:t>
             </a:fld>
             <a:endParaRPr lang="en-SG"/>
           </a:p>
@@ -14152,7 +14214,7 @@
           <a:p>
             <a:fld id="{AB35F6B0-D468-4997-9CE3-CF2A1AE5E3F9}" type="datetimeFigureOut">
               <a:rPr lang="en-SG" smtClean="0"/>
-              <a:t>18/3/2023</a:t>
+              <a:t>20/3/2023</a:t>
             </a:fld>
             <a:endParaRPr lang="en-SG"/>
           </a:p>
@@ -14567,7 +14629,7 @@
           <a:p>
             <a:fld id="{AB35F6B0-D468-4997-9CE3-CF2A1AE5E3F9}" type="datetimeFigureOut">
               <a:rPr lang="en-SG" smtClean="0"/>
-              <a:t>18/3/2023</a:t>
+              <a:t>20/3/2023</a:t>
             </a:fld>
             <a:endParaRPr lang="en-SG"/>
           </a:p>
@@ -14709,7 +14771,7 @@
           <a:p>
             <a:fld id="{AB35F6B0-D468-4997-9CE3-CF2A1AE5E3F9}" type="datetimeFigureOut">
               <a:rPr lang="en-SG" smtClean="0"/>
-              <a:t>18/3/2023</a:t>
+              <a:t>20/3/2023</a:t>
             </a:fld>
             <a:endParaRPr lang="en-SG"/>
           </a:p>
@@ -14822,7 +14884,7 @@
           <a:p>
             <a:fld id="{AB35F6B0-D468-4997-9CE3-CF2A1AE5E3F9}" type="datetimeFigureOut">
               <a:rPr lang="en-SG" smtClean="0"/>
-              <a:t>18/3/2023</a:t>
+              <a:t>20/3/2023</a:t>
             </a:fld>
             <a:endParaRPr lang="en-SG"/>
           </a:p>
@@ -15135,7 +15197,7 @@
           <a:p>
             <a:fld id="{AB35F6B0-D468-4997-9CE3-CF2A1AE5E3F9}" type="datetimeFigureOut">
               <a:rPr lang="en-SG" smtClean="0"/>
-              <a:t>18/3/2023</a:t>
+              <a:t>20/3/2023</a:t>
             </a:fld>
             <a:endParaRPr lang="en-SG"/>
           </a:p>
@@ -15424,7 +15486,7 @@
           <a:p>
             <a:fld id="{AB35F6B0-D468-4997-9CE3-CF2A1AE5E3F9}" type="datetimeFigureOut">
               <a:rPr lang="en-SG" smtClean="0"/>
-              <a:t>18/3/2023</a:t>
+              <a:t>20/3/2023</a:t>
             </a:fld>
             <a:endParaRPr lang="en-SG"/>
           </a:p>
@@ -15667,7 +15729,7 @@
           <a:p>
             <a:fld id="{AB35F6B0-D468-4997-9CE3-CF2A1AE5E3F9}" type="datetimeFigureOut">
               <a:rPr lang="en-SG" smtClean="0"/>
-              <a:t>18/3/2023</a:t>
+              <a:t>20/3/2023</a:t>
             </a:fld>
             <a:endParaRPr lang="en-SG"/>
           </a:p>
@@ -16685,7 +16747,15 @@
             </a:pPr>
             <a:r>
               <a:rPr lang="en-GB" dirty="0"/>
-              <a:t>A given NDFSM will then consider a string x to be acceptable if and only if there exists a path in the FSM that satisfies certain conditions of stopping states or valid outputs. </a:t>
+              <a:t>A given NDFSM will then consider a string </a:t>
+            </a:r>
+            <a:r>
+              <a:rPr lang="en-GB" i="1" dirty="0"/>
+              <a:t>x</a:t>
+            </a:r>
+            <a:r>
+              <a:rPr lang="en-GB" dirty="0"/>
+              <a:t> to be acceptable if and only if there exists a path in the FSM that satisfies certain conditions in terms of stopping states or valid outputs being produced. </a:t>
             </a:r>
           </a:p>
         </p:txBody>
@@ -18381,6 +18451,248 @@
           </a:p>
         </p:txBody>
       </p:sp>
+      <p:sp>
+        <p:nvSpPr>
+          <p:cNvPr id="3" name="Freeform: Shape 2">
+            <a:extLst>
+              <a:ext uri="{FF2B5EF4-FFF2-40B4-BE49-F238E27FC236}">
+                <a16:creationId xmlns:a16="http://schemas.microsoft.com/office/drawing/2014/main" id="{B4B4995C-6649-7077-D678-518EF48B858E}"/>
+              </a:ext>
+            </a:extLst>
+          </p:cNvPr>
+          <p:cNvSpPr/>
+          <p:nvPr/>
+        </p:nvSpPr>
+        <p:spPr>
+          <a:xfrm rot="5400000">
+            <a:off x="8025476" y="1530477"/>
+            <a:ext cx="926617" cy="1866588"/>
+          </a:xfrm>
+          <a:custGeom>
+            <a:avLst/>
+            <a:gdLst>
+              <a:gd name="connsiteX0" fmla="*/ 895355 w 926617"/>
+              <a:gd name="connsiteY0" fmla="*/ 318774 h 1866588"/>
+              <a:gd name="connsiteX1" fmla="*/ 488955 w 926617"/>
+              <a:gd name="connsiteY1" fmla="*/ 6158 h 1866588"/>
+              <a:gd name="connsiteX2" fmla="*/ 43478 w 926617"/>
+              <a:gd name="connsiteY2" fmla="*/ 568866 h 1866588"/>
+              <a:gd name="connsiteX3" fmla="*/ 90371 w 926617"/>
+              <a:gd name="connsiteY3" fmla="*/ 1389481 h 1866588"/>
+              <a:gd name="connsiteX4" fmla="*/ 692155 w 926617"/>
+              <a:gd name="connsiteY4" fmla="*/ 1866220 h 1866588"/>
+              <a:gd name="connsiteX5" fmla="*/ 926617 w 926617"/>
+              <a:gd name="connsiteY5" fmla="*/ 1452004 h 1866588"/>
+            </a:gdLst>
+            <a:ahLst/>
+            <a:cxnLst>
+              <a:cxn ang="0">
+                <a:pos x="connsiteX0" y="connsiteY0"/>
+              </a:cxn>
+              <a:cxn ang="0">
+                <a:pos x="connsiteX1" y="connsiteY1"/>
+              </a:cxn>
+              <a:cxn ang="0">
+                <a:pos x="connsiteX2" y="connsiteY2"/>
+              </a:cxn>
+              <a:cxn ang="0">
+                <a:pos x="connsiteX3" y="connsiteY3"/>
+              </a:cxn>
+              <a:cxn ang="0">
+                <a:pos x="connsiteX4" y="connsiteY4"/>
+              </a:cxn>
+              <a:cxn ang="0">
+                <a:pos x="connsiteX5" y="connsiteY5"/>
+              </a:cxn>
+            </a:cxnLst>
+            <a:rect l="l" t="t" r="r" b="b"/>
+            <a:pathLst>
+              <a:path w="926617" h="1866588">
+                <a:moveTo>
+                  <a:pt x="895355" y="318774"/>
+                </a:moveTo>
+                <a:cubicBezTo>
+                  <a:pt x="763144" y="141625"/>
+                  <a:pt x="630934" y="-35524"/>
+                  <a:pt x="488955" y="6158"/>
+                </a:cubicBezTo>
+                <a:cubicBezTo>
+                  <a:pt x="346975" y="47840"/>
+                  <a:pt x="109909" y="338312"/>
+                  <a:pt x="43478" y="568866"/>
+                </a:cubicBezTo>
+                <a:cubicBezTo>
+                  <a:pt x="-22953" y="799420"/>
+                  <a:pt x="-17742" y="1173255"/>
+                  <a:pt x="90371" y="1389481"/>
+                </a:cubicBezTo>
+                <a:cubicBezTo>
+                  <a:pt x="198484" y="1605707"/>
+                  <a:pt x="552781" y="1855799"/>
+                  <a:pt x="692155" y="1866220"/>
+                </a:cubicBezTo>
+                <a:cubicBezTo>
+                  <a:pt x="831529" y="1876641"/>
+                  <a:pt x="879073" y="1664322"/>
+                  <a:pt x="926617" y="1452004"/>
+                </a:cubicBezTo>
+              </a:path>
+            </a:pathLst>
+          </a:custGeom>
+          <a:noFill/>
+          <a:ln w="38100">
+            <a:solidFill>
+              <a:schemeClr val="tx1"/>
+            </a:solidFill>
+            <a:headEnd type="none" w="med" len="med"/>
+            <a:tailEnd type="arrow" w="med" len="med"/>
+          </a:ln>
+        </p:spPr>
+        <p:style>
+          <a:lnRef idx="2">
+            <a:schemeClr val="accent1">
+              <a:shade val="50000"/>
+            </a:schemeClr>
+          </a:lnRef>
+          <a:fillRef idx="1">
+            <a:schemeClr val="accent1"/>
+          </a:fillRef>
+          <a:effectRef idx="0">
+            <a:schemeClr val="accent1"/>
+          </a:effectRef>
+          <a:fontRef idx="minor">
+            <a:schemeClr val="lt1"/>
+          </a:fontRef>
+        </p:style>
+        <p:txBody>
+          <a:bodyPr rtlCol="0" anchor="ctr"/>
+          <a:lstStyle/>
+          <a:p>
+            <a:pPr algn="ctr"/>
+            <a:endParaRPr lang="en-SG"/>
+          </a:p>
+        </p:txBody>
+      </p:sp>
+      <mc:AlternateContent xmlns:mc="http://schemas.openxmlformats.org/markup-compatibility/2006">
+        <mc:Choice xmlns:a14="http://schemas.microsoft.com/office/drawing/2010/main" Requires="a14">
+          <p:sp>
+            <p:nvSpPr>
+              <p:cNvPr id="5" name="TextBox 4">
+                <a:extLst>
+                  <a:ext uri="{FF2B5EF4-FFF2-40B4-BE49-F238E27FC236}">
+                    <a16:creationId xmlns:a16="http://schemas.microsoft.com/office/drawing/2014/main" id="{AC2A2C88-2F14-2B94-3183-1274420361E3}"/>
+                  </a:ext>
+                </a:extLst>
+              </p:cNvPr>
+              <p:cNvSpPr txBox="1"/>
+              <p:nvPr/>
+            </p:nvSpPr>
+            <p:spPr>
+              <a:xfrm>
+                <a:off x="8147775" y="1523231"/>
+                <a:ext cx="562095" cy="369332"/>
+              </a:xfrm>
+              <a:prstGeom prst="rect">
+                <a:avLst/>
+              </a:prstGeom>
+              <a:noFill/>
+            </p:spPr>
+            <p:txBody>
+              <a:bodyPr wrap="square" rtlCol="0">
+                <a:spAutoFit/>
+              </a:bodyPr>
+              <a:lstStyle/>
+              <a:p>
+                <a:pPr/>
+                <a14:m>
+                  <m:oMathPara xmlns:m="http://schemas.openxmlformats.org/officeDocument/2006/math">
+                    <m:oMathParaPr>
+                      <m:jc m:val="centerGroup"/>
+                    </m:oMathParaPr>
+                    <m:oMath xmlns:m="http://schemas.openxmlformats.org/officeDocument/2006/math">
+                      <m:r>
+                        <a:rPr lang="en-GB" b="1" i="1" smtClean="0">
+                          <a:latin typeface="Cambria Math" panose="02040503050406030204" pitchFamily="18" charset="0"/>
+                        </a:rPr>
+                        <m:t>𝟎</m:t>
+                      </m:r>
+                      <m:r>
+                        <a:rPr lang="en-GB" b="1" i="1" smtClean="0">
+                          <a:latin typeface="Cambria Math" panose="02040503050406030204" pitchFamily="18" charset="0"/>
+                        </a:rPr>
+                        <m:t> </m:t>
+                      </m:r>
+                      <m:r>
+                        <a:rPr lang="en-GB" b="1" i="1" smtClean="0">
+                          <a:latin typeface="Cambria Math" panose="02040503050406030204" pitchFamily="18" charset="0"/>
+                        </a:rPr>
+                        <m:t>𝒐𝒓</m:t>
+                      </m:r>
+                      <m:r>
+                        <a:rPr lang="en-GB" b="1" i="1" smtClean="0">
+                          <a:latin typeface="Cambria Math" panose="02040503050406030204" pitchFamily="18" charset="0"/>
+                        </a:rPr>
+                        <m:t> </m:t>
+                      </m:r>
+                      <m:r>
+                        <a:rPr lang="en-GB" b="1" i="1" smtClean="0">
+                          <a:latin typeface="Cambria Math" panose="02040503050406030204" pitchFamily="18" charset="0"/>
+                        </a:rPr>
+                        <m:t>𝟏</m:t>
+                      </m:r>
+                    </m:oMath>
+                  </m:oMathPara>
+                </a14:m>
+                <a:endParaRPr lang="en-SG" b="1" dirty="0"/>
+              </a:p>
+            </p:txBody>
+          </p:sp>
+        </mc:Choice>
+        <mc:Fallback>
+          <p:sp>
+            <p:nvSpPr>
+              <p:cNvPr id="5" name="TextBox 4">
+                <a:extLst>
+                  <a:ext uri="{FF2B5EF4-FFF2-40B4-BE49-F238E27FC236}">
+                    <a16:creationId xmlns:a16="http://schemas.microsoft.com/office/drawing/2014/main" id="{AC2A2C88-2F14-2B94-3183-1274420361E3}"/>
+                  </a:ext>
+                </a:extLst>
+              </p:cNvPr>
+              <p:cNvSpPr txBox="1">
+                <a:spLocks noRot="1" noChangeAspect="1" noMove="1" noResize="1" noEditPoints="1" noAdjustHandles="1" noChangeArrowheads="1" noChangeShapeType="1" noTextEdit="1"/>
+              </p:cNvSpPr>
+              <p:nvPr/>
+            </p:nvSpPr>
+            <p:spPr>
+              <a:xfrm>
+                <a:off x="8147775" y="1523231"/>
+                <a:ext cx="562095" cy="369332"/>
+              </a:xfrm>
+              <a:prstGeom prst="rect">
+                <a:avLst/>
+              </a:prstGeom>
+              <a:blipFill>
+                <a:blip r:embed="rId9"/>
+                <a:stretch>
+                  <a:fillRect r="-43478"/>
+                </a:stretch>
+              </a:blipFill>
+            </p:spPr>
+            <p:txBody>
+              <a:bodyPr/>
+              <a:lstStyle/>
+              <a:p>
+                <a:r>
+                  <a:rPr lang="en-SG">
+                    <a:noFill/>
+                  </a:rPr>
+                  <a:t> </a:t>
+                </a:r>
+              </a:p>
+            </p:txBody>
+          </p:sp>
+        </mc:Fallback>
+      </mc:AlternateContent>
     </p:spTree>
     <p:extLst>
       <p:ext uri="{BB962C8B-B14F-4D97-AF65-F5344CB8AC3E}">
@@ -18513,7 +18825,7 @@
             </a:br>
             <a:r>
               <a:rPr lang="en-GB" dirty="0"/>
-              <a:t>ones (at least one), and</a:t>
+              <a:t>ones (but at least one), and</a:t>
             </a:r>
             <a:br>
               <a:rPr lang="en-GB" dirty="0"/>
@@ -20111,6 +20423,248 @@
           </a:p>
         </p:txBody>
       </p:sp>
+      <p:sp>
+        <p:nvSpPr>
+          <p:cNvPr id="3" name="Freeform: Shape 2">
+            <a:extLst>
+              <a:ext uri="{FF2B5EF4-FFF2-40B4-BE49-F238E27FC236}">
+                <a16:creationId xmlns:a16="http://schemas.microsoft.com/office/drawing/2014/main" id="{A350E7EA-347F-DA21-31AB-356C96424346}"/>
+              </a:ext>
+            </a:extLst>
+          </p:cNvPr>
+          <p:cNvSpPr/>
+          <p:nvPr/>
+        </p:nvSpPr>
+        <p:spPr>
+          <a:xfrm rot="5400000">
+            <a:off x="8025476" y="1530477"/>
+            <a:ext cx="926617" cy="1866588"/>
+          </a:xfrm>
+          <a:custGeom>
+            <a:avLst/>
+            <a:gdLst>
+              <a:gd name="connsiteX0" fmla="*/ 895355 w 926617"/>
+              <a:gd name="connsiteY0" fmla="*/ 318774 h 1866588"/>
+              <a:gd name="connsiteX1" fmla="*/ 488955 w 926617"/>
+              <a:gd name="connsiteY1" fmla="*/ 6158 h 1866588"/>
+              <a:gd name="connsiteX2" fmla="*/ 43478 w 926617"/>
+              <a:gd name="connsiteY2" fmla="*/ 568866 h 1866588"/>
+              <a:gd name="connsiteX3" fmla="*/ 90371 w 926617"/>
+              <a:gd name="connsiteY3" fmla="*/ 1389481 h 1866588"/>
+              <a:gd name="connsiteX4" fmla="*/ 692155 w 926617"/>
+              <a:gd name="connsiteY4" fmla="*/ 1866220 h 1866588"/>
+              <a:gd name="connsiteX5" fmla="*/ 926617 w 926617"/>
+              <a:gd name="connsiteY5" fmla="*/ 1452004 h 1866588"/>
+            </a:gdLst>
+            <a:ahLst/>
+            <a:cxnLst>
+              <a:cxn ang="0">
+                <a:pos x="connsiteX0" y="connsiteY0"/>
+              </a:cxn>
+              <a:cxn ang="0">
+                <a:pos x="connsiteX1" y="connsiteY1"/>
+              </a:cxn>
+              <a:cxn ang="0">
+                <a:pos x="connsiteX2" y="connsiteY2"/>
+              </a:cxn>
+              <a:cxn ang="0">
+                <a:pos x="connsiteX3" y="connsiteY3"/>
+              </a:cxn>
+              <a:cxn ang="0">
+                <a:pos x="connsiteX4" y="connsiteY4"/>
+              </a:cxn>
+              <a:cxn ang="0">
+                <a:pos x="connsiteX5" y="connsiteY5"/>
+              </a:cxn>
+            </a:cxnLst>
+            <a:rect l="l" t="t" r="r" b="b"/>
+            <a:pathLst>
+              <a:path w="926617" h="1866588">
+                <a:moveTo>
+                  <a:pt x="895355" y="318774"/>
+                </a:moveTo>
+                <a:cubicBezTo>
+                  <a:pt x="763144" y="141625"/>
+                  <a:pt x="630934" y="-35524"/>
+                  <a:pt x="488955" y="6158"/>
+                </a:cubicBezTo>
+                <a:cubicBezTo>
+                  <a:pt x="346975" y="47840"/>
+                  <a:pt x="109909" y="338312"/>
+                  <a:pt x="43478" y="568866"/>
+                </a:cubicBezTo>
+                <a:cubicBezTo>
+                  <a:pt x="-22953" y="799420"/>
+                  <a:pt x="-17742" y="1173255"/>
+                  <a:pt x="90371" y="1389481"/>
+                </a:cubicBezTo>
+                <a:cubicBezTo>
+                  <a:pt x="198484" y="1605707"/>
+                  <a:pt x="552781" y="1855799"/>
+                  <a:pt x="692155" y="1866220"/>
+                </a:cubicBezTo>
+                <a:cubicBezTo>
+                  <a:pt x="831529" y="1876641"/>
+                  <a:pt x="879073" y="1664322"/>
+                  <a:pt x="926617" y="1452004"/>
+                </a:cubicBezTo>
+              </a:path>
+            </a:pathLst>
+          </a:custGeom>
+          <a:noFill/>
+          <a:ln w="38100">
+            <a:solidFill>
+              <a:schemeClr val="tx1"/>
+            </a:solidFill>
+            <a:headEnd type="none" w="med" len="med"/>
+            <a:tailEnd type="arrow" w="med" len="med"/>
+          </a:ln>
+        </p:spPr>
+        <p:style>
+          <a:lnRef idx="2">
+            <a:schemeClr val="accent1">
+              <a:shade val="50000"/>
+            </a:schemeClr>
+          </a:lnRef>
+          <a:fillRef idx="1">
+            <a:schemeClr val="accent1"/>
+          </a:fillRef>
+          <a:effectRef idx="0">
+            <a:schemeClr val="accent1"/>
+          </a:effectRef>
+          <a:fontRef idx="minor">
+            <a:schemeClr val="lt1"/>
+          </a:fontRef>
+        </p:style>
+        <p:txBody>
+          <a:bodyPr rtlCol="0" anchor="ctr"/>
+          <a:lstStyle/>
+          <a:p>
+            <a:pPr algn="ctr"/>
+            <a:endParaRPr lang="en-SG"/>
+          </a:p>
+        </p:txBody>
+      </p:sp>
+      <mc:AlternateContent xmlns:mc="http://schemas.openxmlformats.org/markup-compatibility/2006">
+        <mc:Choice xmlns:a14="http://schemas.microsoft.com/office/drawing/2010/main" Requires="a14">
+          <p:sp>
+            <p:nvSpPr>
+              <p:cNvPr id="10" name="TextBox 9">
+                <a:extLst>
+                  <a:ext uri="{FF2B5EF4-FFF2-40B4-BE49-F238E27FC236}">
+                    <a16:creationId xmlns:a16="http://schemas.microsoft.com/office/drawing/2014/main" id="{5DDE698E-68B2-5F73-DD11-FAE5871423C0}"/>
+                  </a:ext>
+                </a:extLst>
+              </p:cNvPr>
+              <p:cNvSpPr txBox="1"/>
+              <p:nvPr/>
+            </p:nvSpPr>
+            <p:spPr>
+              <a:xfrm>
+                <a:off x="8147775" y="1523231"/>
+                <a:ext cx="562095" cy="369332"/>
+              </a:xfrm>
+              <a:prstGeom prst="rect">
+                <a:avLst/>
+              </a:prstGeom>
+              <a:noFill/>
+            </p:spPr>
+            <p:txBody>
+              <a:bodyPr wrap="square" rtlCol="0">
+                <a:spAutoFit/>
+              </a:bodyPr>
+              <a:lstStyle/>
+              <a:p>
+                <a:pPr/>
+                <a14:m>
+                  <m:oMathPara xmlns:m="http://schemas.openxmlformats.org/officeDocument/2006/math">
+                    <m:oMathParaPr>
+                      <m:jc m:val="centerGroup"/>
+                    </m:oMathParaPr>
+                    <m:oMath xmlns:m="http://schemas.openxmlformats.org/officeDocument/2006/math">
+                      <m:r>
+                        <a:rPr lang="en-GB" b="1" i="1" smtClean="0">
+                          <a:latin typeface="Cambria Math" panose="02040503050406030204" pitchFamily="18" charset="0"/>
+                        </a:rPr>
+                        <m:t>𝟎</m:t>
+                      </m:r>
+                      <m:r>
+                        <a:rPr lang="en-GB" b="1" i="1" smtClean="0">
+                          <a:latin typeface="Cambria Math" panose="02040503050406030204" pitchFamily="18" charset="0"/>
+                        </a:rPr>
+                        <m:t> </m:t>
+                      </m:r>
+                      <m:r>
+                        <a:rPr lang="en-GB" b="1" i="1" smtClean="0">
+                          <a:latin typeface="Cambria Math" panose="02040503050406030204" pitchFamily="18" charset="0"/>
+                        </a:rPr>
+                        <m:t>𝒐𝒓</m:t>
+                      </m:r>
+                      <m:r>
+                        <a:rPr lang="en-GB" b="1" i="1" smtClean="0">
+                          <a:latin typeface="Cambria Math" panose="02040503050406030204" pitchFamily="18" charset="0"/>
+                        </a:rPr>
+                        <m:t> </m:t>
+                      </m:r>
+                      <m:r>
+                        <a:rPr lang="en-GB" b="1" i="1" smtClean="0">
+                          <a:latin typeface="Cambria Math" panose="02040503050406030204" pitchFamily="18" charset="0"/>
+                        </a:rPr>
+                        <m:t>𝟏</m:t>
+                      </m:r>
+                    </m:oMath>
+                  </m:oMathPara>
+                </a14:m>
+                <a:endParaRPr lang="en-SG" b="1" dirty="0"/>
+              </a:p>
+            </p:txBody>
+          </p:sp>
+        </mc:Choice>
+        <mc:Fallback>
+          <p:sp>
+            <p:nvSpPr>
+              <p:cNvPr id="10" name="TextBox 9">
+                <a:extLst>
+                  <a:ext uri="{FF2B5EF4-FFF2-40B4-BE49-F238E27FC236}">
+                    <a16:creationId xmlns:a16="http://schemas.microsoft.com/office/drawing/2014/main" id="{5DDE698E-68B2-5F73-DD11-FAE5871423C0}"/>
+                  </a:ext>
+                </a:extLst>
+              </p:cNvPr>
+              <p:cNvSpPr txBox="1">
+                <a:spLocks noRot="1" noChangeAspect="1" noMove="1" noResize="1" noEditPoints="1" noAdjustHandles="1" noChangeArrowheads="1" noChangeShapeType="1" noTextEdit="1"/>
+              </p:cNvSpPr>
+              <p:nvPr/>
+            </p:nvSpPr>
+            <p:spPr>
+              <a:xfrm>
+                <a:off x="8147775" y="1523231"/>
+                <a:ext cx="562095" cy="369332"/>
+              </a:xfrm>
+              <a:prstGeom prst="rect">
+                <a:avLst/>
+              </a:prstGeom>
+              <a:blipFill>
+                <a:blip r:embed="rId9"/>
+                <a:stretch>
+                  <a:fillRect r="-43478"/>
+                </a:stretch>
+              </a:blipFill>
+            </p:spPr>
+            <p:txBody>
+              <a:bodyPr/>
+              <a:lstStyle/>
+              <a:p>
+                <a:r>
+                  <a:rPr lang="en-SG">
+                    <a:noFill/>
+                  </a:rPr>
+                  <a:t> </a:t>
+                </a:r>
+              </a:p>
+            </p:txBody>
+          </p:sp>
+        </mc:Fallback>
+      </mc:AlternateContent>
     </p:spTree>
     <p:extLst>
       <p:ext uri="{BB962C8B-B14F-4D97-AF65-F5344CB8AC3E}">
@@ -22971,8 +23525,8 @@
           </a:p>
         </p:txBody>
       </p:sp>
-      <mc:AlternateContent xmlns:mc="http://schemas.openxmlformats.org/markup-compatibility/2006">
-        <mc:Choice xmlns:a14="http://schemas.microsoft.com/office/drawing/2010/main" Requires="a14">
+      <mc:AlternateContent xmlns:mc="http://schemas.openxmlformats.org/markup-compatibility/2006" xmlns:a14="http://schemas.microsoft.com/office/drawing/2010/main">
+        <mc:Choice Requires="a14">
           <p:sp>
             <p:nvSpPr>
               <p:cNvPr id="44" name="TextBox 43">
@@ -23001,6 +23555,7 @@
               </a:bodyPr>
               <a:lstStyle/>
               <a:p>
+                <a:pPr/>
                 <a14:m>
                   <m:oMathPara xmlns:m="http://schemas.openxmlformats.org/officeDocument/2006/math">
                     <m:oMathParaPr>
@@ -23028,7 +23583,7 @@
             </p:txBody>
           </p:sp>
         </mc:Choice>
-        <mc:Fallback>
+        <mc:Fallback xmlns="">
           <p:sp>
             <p:nvSpPr>
               <p:cNvPr id="44" name="TextBox 43">
@@ -23175,19 +23730,23 @@
             </a:pPr>
             <a:r>
               <a:rPr lang="en-SG" b="1" dirty="0"/>
-              <a:t>Quick note: It is true that we could technically</a:t>
-            </a:r>
-          </a:p>
-          <a:p>
-            <a:r>
-              <a:rPr lang="en-SG" b="1" dirty="0"/>
-              <a:t>merge both states 1 and 2 together, </a:t>
-            </a:r>
-          </a:p>
-          <a:p>
-            <a:r>
-              <a:rPr lang="en-SG" b="1" dirty="0"/>
-              <a:t>and get rid of the Epsilon transition here,</a:t>
+              <a:t>Quick note: </a:t>
+            </a:r>
+            <a:r>
+              <a:rPr lang="en-SG" dirty="0"/>
+              <a:t>It is true that we could have technically</a:t>
+            </a:r>
+          </a:p>
+          <a:p>
+            <a:r>
+              <a:rPr lang="en-SG" dirty="0"/>
+              <a:t>merged both states 1 and 2 together, </a:t>
+            </a:r>
+          </a:p>
+          <a:p>
+            <a:r>
+              <a:rPr lang="en-SG" dirty="0"/>
+              <a:t>and gotten rid of the Epsilon transition here,</a:t>
             </a:r>
           </a:p>
           <a:p>
@@ -23195,7 +23754,7 @@
               <a:buNone/>
             </a:pPr>
             <a:r>
-              <a:rPr lang="en-SG" b="1" dirty="0"/>
+              <a:rPr lang="en-SG" dirty="0"/>
               <a:t>but that might not always be the case.</a:t>
             </a:r>
           </a:p>
@@ -24226,8 +24785,8 @@
           </a:p>
         </p:txBody>
       </p:sp>
-      <mc:AlternateContent xmlns:mc="http://schemas.openxmlformats.org/markup-compatibility/2006">
-        <mc:Choice xmlns:a14="http://schemas.microsoft.com/office/drawing/2010/main" Requires="a14">
+      <mc:AlternateContent xmlns:mc="http://schemas.openxmlformats.org/markup-compatibility/2006" xmlns:a14="http://schemas.microsoft.com/office/drawing/2010/main">
+        <mc:Choice Requires="a14">
           <p:sp>
             <p:nvSpPr>
               <p:cNvPr id="44" name="TextBox 43">
@@ -24256,6 +24815,7 @@
               </a:bodyPr>
               <a:lstStyle/>
               <a:p>
+                <a:pPr/>
                 <a14:m>
                   <m:oMathPara xmlns:m="http://schemas.openxmlformats.org/officeDocument/2006/math">
                     <m:oMathParaPr>
@@ -24283,7 +24843,7 @@
             </p:txBody>
           </p:sp>
         </mc:Choice>
-        <mc:Fallback>
+        <mc:Fallback xmlns="">
           <p:sp>
             <p:nvSpPr>
               <p:cNvPr id="44" name="TextBox 43">
@@ -27244,8 +27804,8 @@
           </a:fontRef>
         </p:style>
       </p:cxnSp>
-      <mc:AlternateContent xmlns:mc="http://schemas.openxmlformats.org/markup-compatibility/2006">
-        <mc:Choice xmlns:a14="http://schemas.microsoft.com/office/drawing/2010/main" Requires="a14">
+      <mc:AlternateContent xmlns:mc="http://schemas.openxmlformats.org/markup-compatibility/2006" xmlns:a14="http://schemas.microsoft.com/office/drawing/2010/main">
+        <mc:Choice Requires="a14">
           <p:sp>
             <p:nvSpPr>
               <p:cNvPr id="33" name="TextBox 32">
@@ -27274,6 +27834,7 @@
               </a:bodyPr>
               <a:lstStyle/>
               <a:p>
+                <a:pPr/>
                 <a14:m>
                   <m:oMathPara xmlns:m="http://schemas.openxmlformats.org/officeDocument/2006/math">
                     <m:oMathParaPr>
@@ -27301,7 +27862,7 @@
             </p:txBody>
           </p:sp>
         </mc:Choice>
-        <mc:Fallback>
+        <mc:Fallback xmlns="">
           <p:sp>
             <p:nvSpPr>
               <p:cNvPr id="33" name="TextBox 32">
@@ -27346,8 +27907,8 @@
           </p:sp>
         </mc:Fallback>
       </mc:AlternateContent>
-      <mc:AlternateContent xmlns:mc="http://schemas.openxmlformats.org/markup-compatibility/2006">
-        <mc:Choice xmlns:a14="http://schemas.microsoft.com/office/drawing/2010/main" Requires="a14">
+      <mc:AlternateContent xmlns:mc="http://schemas.openxmlformats.org/markup-compatibility/2006" xmlns:a14="http://schemas.microsoft.com/office/drawing/2010/main">
+        <mc:Choice Requires="a14">
           <p:sp>
             <p:nvSpPr>
               <p:cNvPr id="34" name="TextBox 33">
@@ -27376,6 +27937,7 @@
               </a:bodyPr>
               <a:lstStyle/>
               <a:p>
+                <a:pPr/>
                 <a14:m>
                   <m:oMathPara xmlns:m="http://schemas.openxmlformats.org/officeDocument/2006/math">
                     <m:oMathParaPr>
@@ -27403,7 +27965,7 @@
             </p:txBody>
           </p:sp>
         </mc:Choice>
-        <mc:Fallback>
+        <mc:Fallback xmlns="">
           <p:sp>
             <p:nvSpPr>
               <p:cNvPr id="34" name="TextBox 33">
@@ -27613,19 +28175,23 @@
             </a:pPr>
             <a:r>
               <a:rPr lang="en-SG" b="1" dirty="0"/>
-              <a:t>Quick note: Again, it is true that we could technically</a:t>
-            </a:r>
-          </a:p>
-          <a:p>
-            <a:r>
-              <a:rPr lang="en-SG" b="1" dirty="0"/>
-              <a:t>merge both states 1, 2 and 3 together, </a:t>
-            </a:r>
-          </a:p>
-          <a:p>
-            <a:r>
-              <a:rPr lang="en-SG" b="1" dirty="0"/>
-              <a:t>and get rid of the Epsilon transition here,</a:t>
+              <a:t>Quick note: </a:t>
+            </a:r>
+            <a:r>
+              <a:rPr lang="en-SG" dirty="0"/>
+              <a:t>Again, it is true that we could technically have</a:t>
+            </a:r>
+          </a:p>
+          <a:p>
+            <a:r>
+              <a:rPr lang="en-SG" dirty="0"/>
+              <a:t>merged both states 1, 2 and 3 together, </a:t>
+            </a:r>
+          </a:p>
+          <a:p>
+            <a:r>
+              <a:rPr lang="en-SG" dirty="0"/>
+              <a:t>and gotten rid of the Epsilon transition here,</a:t>
             </a:r>
           </a:p>
           <a:p>
@@ -27633,7 +28199,7 @@
               <a:buNone/>
             </a:pPr>
             <a:r>
-              <a:rPr lang="en-SG" b="1" dirty="0"/>
+              <a:rPr lang="en-SG" dirty="0"/>
               <a:t>but that might not always be the case.</a:t>
             </a:r>
           </a:p>
@@ -28377,8 +28943,8 @@
           </a:fontRef>
         </p:style>
       </p:cxnSp>
-      <mc:AlternateContent xmlns:mc="http://schemas.openxmlformats.org/markup-compatibility/2006">
-        <mc:Choice xmlns:a14="http://schemas.microsoft.com/office/drawing/2010/main" Requires="a14">
+      <mc:AlternateContent xmlns:mc="http://schemas.openxmlformats.org/markup-compatibility/2006" xmlns:a14="http://schemas.microsoft.com/office/drawing/2010/main">
+        <mc:Choice Requires="a14">
           <p:sp>
             <p:nvSpPr>
               <p:cNvPr id="33" name="TextBox 32">
@@ -28435,7 +29001,7 @@
             </p:txBody>
           </p:sp>
         </mc:Choice>
-        <mc:Fallback>
+        <mc:Fallback xmlns="">
           <p:sp>
             <p:nvSpPr>
               <p:cNvPr id="33" name="TextBox 32">
@@ -28480,8 +29046,8 @@
           </p:sp>
         </mc:Fallback>
       </mc:AlternateContent>
-      <mc:AlternateContent xmlns:mc="http://schemas.openxmlformats.org/markup-compatibility/2006">
-        <mc:Choice xmlns:a14="http://schemas.microsoft.com/office/drawing/2010/main" Requires="a14">
+      <mc:AlternateContent xmlns:mc="http://schemas.openxmlformats.org/markup-compatibility/2006" xmlns:a14="http://schemas.microsoft.com/office/drawing/2010/main">
+        <mc:Choice Requires="a14">
           <p:sp>
             <p:nvSpPr>
               <p:cNvPr id="34" name="TextBox 33">
@@ -28538,7 +29104,7 @@
             </p:txBody>
           </p:sp>
         </mc:Choice>
-        <mc:Fallback>
+        <mc:Fallback xmlns="">
           <p:sp>
             <p:nvSpPr>
               <p:cNvPr id="34" name="TextBox 33">
@@ -29821,8 +30387,8 @@
           </a:fontRef>
         </p:style>
       </p:cxnSp>
-      <mc:AlternateContent xmlns:mc="http://schemas.openxmlformats.org/markup-compatibility/2006">
-        <mc:Choice xmlns:a14="http://schemas.microsoft.com/office/drawing/2010/main" Requires="a14">
+      <mc:AlternateContent xmlns:mc="http://schemas.openxmlformats.org/markup-compatibility/2006" xmlns:a14="http://schemas.microsoft.com/office/drawing/2010/main">
+        <mc:Choice Requires="a14">
           <p:sp>
             <p:nvSpPr>
               <p:cNvPr id="7" name="TextBox 6">
@@ -29876,7 +30442,7 @@
             </p:txBody>
           </p:sp>
         </mc:Choice>
-        <mc:Fallback>
+        <mc:Fallback xmlns="">
           <p:sp>
             <p:nvSpPr>
               <p:cNvPr id="7" name="TextBox 6">
@@ -32332,8 +32898,218 @@
             </p:nvSpPr>
             <p:spPr/>
             <p:txBody>
-              <a:bodyPr/>
+              <a:bodyPr>
+                <a:normAutofit/>
+              </a:bodyPr>
               <a:lstStyle/>
+              <a:p>
+                <a:pPr marL="0" indent="0">
+                  <a:buNone/>
+                </a:pPr>
+                <a:r>
+                  <a:rPr lang="en-GB" b="1" dirty="0"/>
+                  <a:t>Operator precedence </a:t>
+                </a:r>
+                <a:r>
+                  <a:rPr lang="en-GB" dirty="0"/>
+                  <a:t>is </a:t>
+                </a:r>
+                <a:r>
+                  <a:rPr lang="en-GB" dirty="0" err="1"/>
+                  <a:t>RegEx</a:t>
+                </a:r>
+                <a:r>
+                  <a:rPr lang="en-GB" dirty="0"/>
+                  <a:t> is then defined as:</a:t>
+                </a:r>
+              </a:p>
+              <a:p>
+                <a:pPr marL="0" indent="0">
+                  <a:buNone/>
+                </a:pPr>
+                <a14:m>
+                  <m:oMathPara xmlns:m="http://schemas.openxmlformats.org/officeDocument/2006/math">
+                    <m:oMathParaPr>
+                      <m:jc m:val="centerGroup"/>
+                    </m:oMathParaPr>
+                    <m:oMath xmlns:m="http://schemas.openxmlformats.org/officeDocument/2006/math">
+                      <m:d>
+                        <m:dPr>
+                          <m:ctrlPr>
+                            <a:rPr lang="en-GB" b="0" i="1" smtClean="0">
+                              <a:latin typeface="Cambria Math" panose="02040503050406030204" pitchFamily="18" charset="0"/>
+                            </a:rPr>
+                          </m:ctrlPr>
+                        </m:dPr>
+                        <m:e>
+                          <m:r>
+                            <a:rPr lang="en-GB" b="0" i="1" smtClean="0">
+                              <a:latin typeface="Cambria Math" panose="02040503050406030204" pitchFamily="18" charset="0"/>
+                            </a:rPr>
+                            <m:t>𝑅</m:t>
+                          </m:r>
+                        </m:e>
+                      </m:d>
+                      <m:r>
+                        <a:rPr lang="en-GB" b="0" i="1" smtClean="0">
+                          <a:latin typeface="Cambria Math" panose="02040503050406030204" pitchFamily="18" charset="0"/>
+                        </a:rPr>
+                        <m:t>&gt;</m:t>
+                      </m:r>
+                      <m:sSup>
+                        <m:sSupPr>
+                          <m:ctrlPr>
+                            <a:rPr lang="en-GB" b="0" i="1" smtClean="0">
+                              <a:latin typeface="Cambria Math" panose="02040503050406030204" pitchFamily="18" charset="0"/>
+                            </a:rPr>
+                          </m:ctrlPr>
+                        </m:sSupPr>
+                        <m:e>
+                          <m:r>
+                            <a:rPr lang="en-GB" b="0" i="1" smtClean="0">
+                              <a:latin typeface="Cambria Math" panose="02040503050406030204" pitchFamily="18" charset="0"/>
+                            </a:rPr>
+                            <m:t>𝑅</m:t>
+                          </m:r>
+                        </m:e>
+                        <m:sup>
+                          <m:r>
+                            <a:rPr lang="en-GB" b="0" i="1" smtClean="0">
+                              <a:latin typeface="Cambria Math" panose="02040503050406030204" pitchFamily="18" charset="0"/>
+                            </a:rPr>
+                            <m:t>∗</m:t>
+                          </m:r>
+                        </m:sup>
+                      </m:sSup>
+                      <m:r>
+                        <a:rPr lang="en-GB" b="0" i="1" smtClean="0">
+                          <a:latin typeface="Cambria Math" panose="02040503050406030204" pitchFamily="18" charset="0"/>
+                        </a:rPr>
+                        <m:t>&gt;</m:t>
+                      </m:r>
+                      <m:sSub>
+                        <m:sSubPr>
+                          <m:ctrlPr>
+                            <a:rPr lang="en-GB" b="0" i="1" smtClean="0">
+                              <a:latin typeface="Cambria Math" panose="02040503050406030204" pitchFamily="18" charset="0"/>
+                            </a:rPr>
+                          </m:ctrlPr>
+                        </m:sSubPr>
+                        <m:e>
+                          <m:r>
+                            <a:rPr lang="en-GB" b="0" i="1" smtClean="0">
+                              <a:latin typeface="Cambria Math" panose="02040503050406030204" pitchFamily="18" charset="0"/>
+                            </a:rPr>
+                            <m:t>𝑅</m:t>
+                          </m:r>
+                        </m:e>
+                        <m:sub>
+                          <m:r>
+                            <a:rPr lang="en-GB" b="0" i="1" smtClean="0">
+                              <a:latin typeface="Cambria Math" panose="02040503050406030204" pitchFamily="18" charset="0"/>
+                            </a:rPr>
+                            <m:t>1</m:t>
+                          </m:r>
+                        </m:sub>
+                      </m:sSub>
+                      <m:sSub>
+                        <m:sSubPr>
+                          <m:ctrlPr>
+                            <a:rPr lang="en-GB" b="0" i="1" smtClean="0">
+                              <a:latin typeface="Cambria Math" panose="02040503050406030204" pitchFamily="18" charset="0"/>
+                            </a:rPr>
+                          </m:ctrlPr>
+                        </m:sSubPr>
+                        <m:e>
+                          <m:r>
+                            <a:rPr lang="en-GB" b="0" i="1" smtClean="0">
+                              <a:latin typeface="Cambria Math" panose="02040503050406030204" pitchFamily="18" charset="0"/>
+                            </a:rPr>
+                            <m:t>𝑅</m:t>
+                          </m:r>
+                        </m:e>
+                        <m:sub>
+                          <m:r>
+                            <a:rPr lang="en-GB" b="0" i="1" smtClean="0">
+                              <a:latin typeface="Cambria Math" panose="02040503050406030204" pitchFamily="18" charset="0"/>
+                            </a:rPr>
+                            <m:t>2</m:t>
+                          </m:r>
+                        </m:sub>
+                      </m:sSub>
+                      <m:r>
+                        <a:rPr lang="en-GB" b="0" i="1" smtClean="0">
+                          <a:latin typeface="Cambria Math" panose="02040503050406030204" pitchFamily="18" charset="0"/>
+                        </a:rPr>
+                        <m:t>&gt;</m:t>
+                      </m:r>
+                      <m:sSub>
+                        <m:sSubPr>
+                          <m:ctrlPr>
+                            <a:rPr lang="en-GB" b="0" i="1" smtClean="0">
+                              <a:latin typeface="Cambria Math" panose="02040503050406030204" pitchFamily="18" charset="0"/>
+                            </a:rPr>
+                          </m:ctrlPr>
+                        </m:sSubPr>
+                        <m:e>
+                          <m:r>
+                            <a:rPr lang="en-GB" b="0" i="1" smtClean="0">
+                              <a:latin typeface="Cambria Math" panose="02040503050406030204" pitchFamily="18" charset="0"/>
+                            </a:rPr>
+                            <m:t>𝑅</m:t>
+                          </m:r>
+                        </m:e>
+                        <m:sub>
+                          <m:r>
+                            <a:rPr lang="en-GB" b="0" i="1" smtClean="0">
+                              <a:latin typeface="Cambria Math" panose="02040503050406030204" pitchFamily="18" charset="0"/>
+                            </a:rPr>
+                            <m:t>1</m:t>
+                          </m:r>
+                        </m:sub>
+                      </m:sSub>
+                      <m:r>
+                        <a:rPr lang="en-GB" b="0" i="1" smtClean="0">
+                          <a:latin typeface="Cambria Math" panose="02040503050406030204" pitchFamily="18" charset="0"/>
+                        </a:rPr>
+                        <m:t>|</m:t>
+                      </m:r>
+                      <m:sSub>
+                        <m:sSubPr>
+                          <m:ctrlPr>
+                            <a:rPr lang="en-GB" b="0" i="1" smtClean="0">
+                              <a:latin typeface="Cambria Math" panose="02040503050406030204" pitchFamily="18" charset="0"/>
+                            </a:rPr>
+                          </m:ctrlPr>
+                        </m:sSubPr>
+                        <m:e>
+                          <m:r>
+                            <a:rPr lang="en-GB" b="0" i="1" smtClean="0">
+                              <a:latin typeface="Cambria Math" panose="02040503050406030204" pitchFamily="18" charset="0"/>
+                            </a:rPr>
+                            <m:t>𝑅</m:t>
+                          </m:r>
+                        </m:e>
+                        <m:sub>
+                          <m:r>
+                            <a:rPr lang="en-GB" b="0" i="1" smtClean="0">
+                              <a:latin typeface="Cambria Math" panose="02040503050406030204" pitchFamily="18" charset="0"/>
+                            </a:rPr>
+                            <m:t>2</m:t>
+                          </m:r>
+                        </m:sub>
+                      </m:sSub>
+                    </m:oMath>
+                  </m:oMathPara>
+                </a14:m>
+                <a:endParaRPr lang="en-GB" dirty="0"/>
+              </a:p>
+              <a:p>
+                <a:pPr marL="0" indent="0">
+                  <a:buNone/>
+                </a:pPr>
+                <a:endParaRPr lang="en-GB" dirty="0"/>
+              </a:p>
               <a:p>
                 <a:pPr marL="0" indent="0">
                   <a:buNone/>
@@ -32543,7 +33319,7 @@
             </a:r>
             <a:r>
               <a:rPr lang="en-GB" dirty="0"/>
-              <a:t>, the square brackets [ ] denote a character class, which is a set of characters that can match a single character in our string </a:t>
+              <a:t>, the square brackets [] denote a character class, which is a set of characters that can match a single character in our string </a:t>
             </a:r>
             <a:r>
               <a:rPr lang="en-GB" i="1" dirty="0"/>
@@ -32856,8 +33632,16 @@
           </a:p>
           <a:p>
             <a:r>
-              <a:rPr lang="en-GB" dirty="0"/>
-              <a:t>. : The dot (.) is a metacharacter that matches any single character except for a newline character. For example, the regular expression "</a:t>
+              <a:rPr lang="en-GB" b="1" dirty="0">
+                <a:solidFill>
+                  <a:srgbClr val="00B050"/>
+                </a:solidFill>
+              </a:rPr>
+              <a:t>. </a:t>
+            </a:r>
+            <a:r>
+              <a:rPr lang="en-GB" dirty="0"/>
+              <a:t>: The dot (.) is a metacharacter that matches any single character except for a newline character. For example, the regular expression "</a:t>
             </a:r>
             <a:r>
               <a:rPr lang="en-GB" dirty="0" err="1"/>
@@ -32886,14 +33670,30 @@
           </a:p>
           <a:p>
             <a:r>
-              <a:rPr lang="en-GB" dirty="0"/>
-              <a:t>\d: This character class matches any digit character (i.e., 0-9).</a:t>
-            </a:r>
-          </a:p>
-          <a:p>
-            <a:r>
-              <a:rPr lang="en-GB" dirty="0"/>
-              <a:t>\w: This character class matches any "word" character, which includes uppercase and lowercase letters, digits, and underscore symbol.</a:t>
+              <a:rPr lang="en-GB" b="1" dirty="0">
+                <a:solidFill>
+                  <a:srgbClr val="00B050"/>
+                </a:solidFill>
+              </a:rPr>
+              <a:t>\d</a:t>
+            </a:r>
+            <a:r>
+              <a:rPr lang="en-GB" dirty="0"/>
+              <a:t>: This character class matches any digit character (i.e., 0-9).</a:t>
+            </a:r>
+          </a:p>
+          <a:p>
+            <a:r>
+              <a:rPr lang="en-GB" b="1" dirty="0">
+                <a:solidFill>
+                  <a:srgbClr val="00B050"/>
+                </a:solidFill>
+              </a:rPr>
+              <a:t>\w</a:t>
+            </a:r>
+            <a:r>
+              <a:rPr lang="en-GB" dirty="0"/>
+              <a:t>: This character class matches any "word" character, which includes uppercase and lowercase letters, digits, and underscore symbol.</a:t>
             </a:r>
             <a:br>
               <a:rPr lang="en-GB" dirty="0"/>
@@ -33008,14 +33808,30 @@
           </a:p>
           <a:p>
             <a:r>
-              <a:rPr lang="en-GB" dirty="0"/>
-              <a:t>\s: This character class matches any whitespace character, including spaces, tabs, and newline characters.</a:t>
-            </a:r>
-          </a:p>
-          <a:p>
-            <a:r>
-              <a:rPr lang="en-GB" dirty="0"/>
-              <a:t>[\t\n\r\f\v]: This character class matches any whitespace character, including tabs (\t), newline characters (\n), carriage returns (\r), form feeds (\f), and vertical tabs (\v). It's equivalent to \s, but it doesn't include spaces.</a:t>
+              <a:rPr lang="en-GB" b="1" dirty="0">
+                <a:solidFill>
+                  <a:srgbClr val="00B050"/>
+                </a:solidFill>
+              </a:rPr>
+              <a:t>\s</a:t>
+            </a:r>
+            <a:r>
+              <a:rPr lang="en-GB" dirty="0"/>
+              <a:t>: This character class matches any whitespace character, including spaces, tabs, and newline characters.</a:t>
+            </a:r>
+          </a:p>
+          <a:p>
+            <a:r>
+              <a:rPr lang="en-GB" b="1" dirty="0">
+                <a:solidFill>
+                  <a:srgbClr val="00B050"/>
+                </a:solidFill>
+              </a:rPr>
+              <a:t>[\t\n\r\f\v]</a:t>
+            </a:r>
+            <a:r>
+              <a:rPr lang="en-GB" dirty="0"/>
+              <a:t>: This character class matches any whitespace character, including tabs (\t), newline characters (\n), carriage returns (\r), form feeds (\f), and vertical tabs (\v). It's equivalent to \s, but it doesn't include spaces.</a:t>
             </a:r>
           </a:p>
         </p:txBody>
@@ -33145,8 +33961,16 @@
               <a:buChar char="•"/>
             </a:pPr>
             <a:r>
-              <a:rPr lang="en-GB" dirty="0"/>
-              <a:t>^: The caret (^) matches the beginning of a string.</a:t>
+              <a:rPr lang="en-GB" b="1" dirty="0">
+                <a:solidFill>
+                  <a:srgbClr val="00B050"/>
+                </a:solidFill>
+              </a:rPr>
+              <a:t>^</a:t>
+            </a:r>
+            <a:r>
+              <a:rPr lang="en-GB" dirty="0"/>
+              <a:t>: The caret (^) matches the beginning of a string.</a:t>
             </a:r>
           </a:p>
           <a:p>
@@ -33155,8 +33979,16 @@
               <a:buChar char="•"/>
             </a:pPr>
             <a:r>
-              <a:rPr lang="en-GB" dirty="0"/>
-              <a:t>$: The dollar sign ($) matches the end of a string.</a:t>
+              <a:rPr lang="en-GB" b="1" dirty="0">
+                <a:solidFill>
+                  <a:srgbClr val="00B050"/>
+                </a:solidFill>
+              </a:rPr>
+              <a:t>$</a:t>
+            </a:r>
+            <a:r>
+              <a:rPr lang="en-GB" dirty="0"/>
+              <a:t>: The dollar sign ($) matches the end of a string.</a:t>
             </a:r>
           </a:p>
           <a:p>
@@ -33445,7 +34277,27 @@
             </a:pPr>
             <a:r>
               <a:rPr lang="en-GB" dirty="0"/>
-              <a:t>When used inside a character class (i.e., between square brackets), it </a:t>
+              <a:t>When used inside a character class (i.e., between square brackets), the caret </a:t>
+            </a:r>
+            <a:r>
+              <a:rPr lang="en-GB" dirty="0" err="1"/>
+              <a:t>symol</a:t>
+            </a:r>
+            <a:r>
+              <a:rPr lang="en-GB" dirty="0"/>
+              <a:t> </a:t>
+            </a:r>
+            <a:r>
+              <a:rPr lang="en-GB" b="1" dirty="0">
+                <a:solidFill>
+                  <a:srgbClr val="00B050"/>
+                </a:solidFill>
+              </a:rPr>
+              <a:t>^</a:t>
+            </a:r>
+            <a:r>
+              <a:rPr lang="en-GB" dirty="0"/>
+              <a:t> </a:t>
             </a:r>
             <a:r>
               <a:rPr lang="en-GB" b="1" dirty="0"/>
@@ -33574,7 +34426,15 @@
             </a:pPr>
             <a:r>
               <a:rPr lang="en-GB" dirty="0"/>
-              <a:t>Consider the regular expression [A-Z]+, which strings below are considered regular language? </a:t>
+              <a:t>Consider the regular expression [A-Z]+, which strings below are considered regular language for this </a:t>
+            </a:r>
+            <a:r>
+              <a:rPr lang="en-GB" dirty="0" err="1"/>
+              <a:t>RegEx</a:t>
+            </a:r>
+            <a:r>
+              <a:rPr lang="en-GB" dirty="0"/>
+              <a:t>? </a:t>
             </a:r>
           </a:p>
           <a:p>
@@ -33749,7 +34609,15 @@
             </a:pPr>
             <a:r>
               <a:rPr lang="en-GB" dirty="0"/>
-              <a:t>Consider the regular expression [A-Z]+, which strings below are considered regular language? </a:t>
+              <a:t>Consider the regular expression [A-Z]+, which strings below are considered regular language for this </a:t>
+            </a:r>
+            <a:r>
+              <a:rPr lang="en-GB" dirty="0" err="1"/>
+              <a:t>RegEx</a:t>
+            </a:r>
+            <a:r>
+              <a:rPr lang="en-GB" dirty="0"/>
+              <a:t>? </a:t>
             </a:r>
           </a:p>
           <a:p>
@@ -33966,7 +34834,7 @@
             </a:pPr>
             <a:r>
               <a:rPr lang="en-GB" dirty="0"/>
-              <a:t>Any string that contains one or more "word" characters</a:t>
+              <a:t>Any string that contains one or more “word” characters</a:t>
             </a:r>
           </a:p>
           <a:p>
@@ -33976,7 +34844,7 @@
             </a:pPr>
             <a:r>
               <a:rPr lang="en-GB" dirty="0"/>
-              <a:t>Any string that contains exactly one "word" character</a:t>
+              <a:t>Any string that contains exactly one “word” character</a:t>
             </a:r>
           </a:p>
         </p:txBody>
@@ -34107,7 +34975,7 @@
                   <a:srgbClr val="00B050"/>
                 </a:solidFill>
               </a:rPr>
-              <a:t>Any string that contains one or more "word" characters</a:t>
+              <a:t>Any string that contains one or more “word” characters</a:t>
             </a:r>
           </a:p>
           <a:p>
@@ -34117,7 +34985,7 @@
             </a:pPr>
             <a:r>
               <a:rPr lang="en-GB" dirty="0"/>
-              <a:t>Any string that contains exactly one "word" character</a:t>
+              <a:t>Any string that contains exactly one “word” character</a:t>
             </a:r>
           </a:p>
         </p:txBody>
@@ -34232,7 +35100,7 @@
             </a:pPr>
             <a:r>
               <a:rPr lang="en-GB" dirty="0"/>
-              <a:t>Any string that contains the substring "cat“</a:t>
+              <a:t>Any string that contains the substring “cat“</a:t>
             </a:r>
           </a:p>
           <a:p>
@@ -34242,7 +35110,7 @@
             </a:pPr>
             <a:r>
               <a:rPr lang="en-GB" dirty="0"/>
-              <a:t>Any string that starts with the letter "c" and ends with the letter "t" </a:t>
+              <a:t>Any string that starts with the letter “c” and ends with the letter “t” </a:t>
             </a:r>
           </a:p>
           <a:p>
@@ -34252,7 +35120,7 @@
             </a:pPr>
             <a:r>
               <a:rPr lang="en-GB" dirty="0"/>
-              <a:t>Any string that contains the substring "cat" surrounded by whitespace characters</a:t>
+              <a:t>Any string that contains the substring “cat” surrounded by whitespace characters</a:t>
             </a:r>
           </a:p>
           <a:p>
@@ -34262,7 +35130,7 @@
             </a:pPr>
             <a:r>
               <a:rPr lang="en-GB" dirty="0"/>
-              <a:t>Any string that contains the substring "cat" surrounded by any characters</a:t>
+              <a:t>Any string that contains the substring “cat” surrounded by any characters</a:t>
             </a:r>
           </a:p>
         </p:txBody>
@@ -34377,7 +35245,7 @@
             </a:pPr>
             <a:r>
               <a:rPr lang="en-GB" dirty="0"/>
-              <a:t>Any string that contains the substring "cat“</a:t>
+              <a:t>Any string that contains the substring “cat“</a:t>
             </a:r>
           </a:p>
           <a:p>
@@ -34387,7 +35255,7 @@
             </a:pPr>
             <a:r>
               <a:rPr lang="en-GB" dirty="0"/>
-              <a:t>Any string that starts with the letter "c" and ends with the letter "t" </a:t>
+              <a:t>Any string that starts with the letter “c” and ends with the letter “t” </a:t>
             </a:r>
           </a:p>
           <a:p>
@@ -34401,7 +35269,7 @@
                   <a:srgbClr val="00B050"/>
                 </a:solidFill>
               </a:rPr>
-              <a:t>Any string that contains the substring "cat" surrounded by whitespace characters</a:t>
+              <a:t>Any string that contains the substring “cat” surrounded by whitespace characters</a:t>
             </a:r>
           </a:p>
           <a:p>
@@ -34411,7 +35279,7 @@
             </a:pPr>
             <a:r>
               <a:rPr lang="en-GB" dirty="0"/>
-              <a:t>Any string that contains the substring "cat" surrounded by any characters</a:t>
+              <a:t>Any string that contains the substring “cat” surrounded by any characters</a:t>
             </a:r>
           </a:p>
         </p:txBody>
@@ -34419,7 +35287,7 @@
     </p:spTree>
     <p:extLst>
       <p:ext uri="{BB962C8B-B14F-4D97-AF65-F5344CB8AC3E}">
-        <p14:creationId xmlns:p14="http://schemas.microsoft.com/office/powerpoint/2010/main" val="1928676816"/>
+        <p14:creationId xmlns:p14="http://schemas.microsoft.com/office/powerpoint/2010/main" val="3784750566"/>
       </p:ext>
     </p:extLst>
   </p:cSld>
@@ -34956,33 +35824,97 @@
             </a:r>
             <a:r>
               <a:rPr lang="en-GB" dirty="0"/>
-              <a:t>, the curly braces ({}) are used to specify how many times a preceding element should be matched.</a:t>
-            </a:r>
-          </a:p>
-          <a:p>
-            <a:r>
-              <a:rPr lang="en-GB" dirty="0"/>
-              <a:t>{n} matches the preceding element exactly n times,</a:t>
-            </a:r>
-          </a:p>
-          <a:p>
-            <a:r>
-              <a:rPr lang="en-GB" dirty="0"/>
+              <a:t>, the </a:t>
+            </a:r>
+            <a:r>
+              <a:rPr lang="en-GB" b="1" dirty="0"/>
+              <a:t>curly braces (</a:t>
+            </a:r>
+            <a:r>
+              <a:rPr lang="en-GB" b="1" dirty="0">
+                <a:solidFill>
+                  <a:srgbClr val="00B050"/>
+                </a:solidFill>
+              </a:rPr>
+              <a:t>{}</a:t>
+            </a:r>
+            <a:r>
+              <a:rPr lang="en-GB" b="1" dirty="0"/>
+              <a:t>) </a:t>
+            </a:r>
+            <a:r>
+              <a:rPr lang="en-GB" dirty="0"/>
+              <a:t>are used to </a:t>
+            </a:r>
+            <a:r>
+              <a:rPr lang="en-GB" b="1" dirty="0"/>
+              <a:t>specify how many times a preceding element should be matched</a:t>
+            </a:r>
+            <a:r>
+              <a:rPr lang="en-GB" dirty="0"/>
+              <a:t>.</a:t>
+            </a:r>
+          </a:p>
+          <a:p>
+            <a:r>
+              <a:rPr lang="en-GB" b="1" dirty="0">
+                <a:solidFill>
+                  <a:srgbClr val="00B050"/>
+                </a:solidFill>
+              </a:rPr>
+              <a:t>{n} </a:t>
+            </a:r>
+            <a:r>
+              <a:rPr lang="en-GB" dirty="0"/>
+              <a:t>matches the preceding element exactly n times,</a:t>
+            </a:r>
+          </a:p>
+          <a:p>
+            <a:r>
+              <a:rPr lang="en-GB" b="1" dirty="0">
+                <a:solidFill>
+                  <a:srgbClr val="00B050"/>
+                </a:solidFill>
+              </a:rPr>
               <a:t>{</a:t>
             </a:r>
             <a:r>
-              <a:rPr lang="en-GB" dirty="0" err="1"/>
+              <a:rPr lang="en-GB" b="1" dirty="0" err="1">
+                <a:solidFill>
+                  <a:srgbClr val="00B050"/>
+                </a:solidFill>
+              </a:rPr>
               <a:t>n,m</a:t>
             </a:r>
             <a:r>
-              <a:rPr lang="en-GB" dirty="0"/>
-              <a:t>} matches the preceding element between n and m times (inclusive), </a:t>
-            </a:r>
-          </a:p>
-          <a:p>
-            <a:r>
-              <a:rPr lang="en-GB" dirty="0"/>
-              <a:t>and {n,} matches the preceding element at least n times.</a:t>
+              <a:rPr lang="en-GB" b="1" dirty="0">
+                <a:solidFill>
+                  <a:srgbClr val="00B050"/>
+                </a:solidFill>
+              </a:rPr>
+              <a:t>} </a:t>
+            </a:r>
+            <a:r>
+              <a:rPr lang="en-GB" dirty="0"/>
+              <a:t>matches the preceding element between n and m times (inclusive), </a:t>
+            </a:r>
+          </a:p>
+          <a:p>
+            <a:r>
+              <a:rPr lang="en-GB" dirty="0"/>
+              <a:t>and </a:t>
+            </a:r>
+            <a:r>
+              <a:rPr lang="en-GB" b="1" dirty="0">
+                <a:solidFill>
+                  <a:srgbClr val="00B050"/>
+                </a:solidFill>
+              </a:rPr>
+              <a:t>{n,} </a:t>
+            </a:r>
+            <a:r>
+              <a:rPr lang="en-GB" dirty="0"/>
+              <a:t>matches the preceding element at least n times.</a:t>
             </a:r>
           </a:p>
         </p:txBody>
@@ -35199,7 +36131,19 @@
             </a:pPr>
             <a:r>
               <a:rPr lang="en-GB" b="1" dirty="0"/>
-              <a:t>The metacharacter \b matches a word boundary.</a:t>
+              <a:t>The metacharacter </a:t>
+            </a:r>
+            <a:r>
+              <a:rPr lang="en-GB" b="1" dirty="0">
+                <a:solidFill>
+                  <a:srgbClr val="00B050"/>
+                </a:solidFill>
+              </a:rPr>
+              <a:t>\b </a:t>
+            </a:r>
+            <a:r>
+              <a:rPr lang="en-GB" b="1" dirty="0"/>
+              <a:t>matches a word boundary.</a:t>
             </a:r>
           </a:p>
           <a:p>
@@ -35391,7 +36335,19 @@
             </a:pPr>
             <a:r>
               <a:rPr lang="en-GB" dirty="0"/>
-              <a:t>The metacharacter \A matches the start of a string.</a:t>
+              <a:t>The metacharacter </a:t>
+            </a:r>
+            <a:r>
+              <a:rPr lang="en-GB" b="1" dirty="0">
+                <a:solidFill>
+                  <a:srgbClr val="00B050"/>
+                </a:solidFill>
+              </a:rPr>
+              <a:t>\A </a:t>
+            </a:r>
+            <a:r>
+              <a:rPr lang="en-GB" dirty="0"/>
+              <a:t>matches the start of a string.</a:t>
             </a:r>
           </a:p>
           <a:p>
@@ -35413,7 +36369,19 @@
             </a:r>
             <a:r>
               <a:rPr lang="en-GB" b="1" dirty="0"/>
-              <a:t>unlike the caret, which would match the beginning of a line in in a string with multiple lines, \A matches only at the very beginning of the string.</a:t>
+              <a:t>unlike the caret, which would match the beginning of a line in in a string with multiple lines, </a:t>
+            </a:r>
+            <a:r>
+              <a:rPr lang="en-GB" b="1" dirty="0">
+                <a:solidFill>
+                  <a:srgbClr val="00B050"/>
+                </a:solidFill>
+              </a:rPr>
+              <a:t>\A </a:t>
+            </a:r>
+            <a:r>
+              <a:rPr lang="en-GB" b="1" dirty="0"/>
+              <a:t>matches only at the very beginning of the string.</a:t>
             </a:r>
           </a:p>
           <a:p>
@@ -35537,7 +36505,19 @@
             </a:pPr>
             <a:r>
               <a:rPr lang="en-GB" dirty="0"/>
-              <a:t>The metacharacter \Z matches the end of a string.</a:t>
+              <a:t>The metacharacter </a:t>
+            </a:r>
+            <a:r>
+              <a:rPr lang="en-GB" b="1" dirty="0">
+                <a:solidFill>
+                  <a:srgbClr val="00B050"/>
+                </a:solidFill>
+              </a:rPr>
+              <a:t>\Z </a:t>
+            </a:r>
+            <a:r>
+              <a:rPr lang="en-GB" dirty="0"/>
+              <a:t>matches the end of a string.</a:t>
             </a:r>
           </a:p>
           <a:p>
@@ -35559,7 +36539,19 @@
             </a:r>
             <a:r>
               <a:rPr lang="en-GB" b="1" dirty="0"/>
-              <a:t>unlike the dollar sign, which matches the end of a line in in a string with multiple lines, \Z matches only at the very end of the string.</a:t>
+              <a:t>unlike the dollar sign, which matches the end of a line in in a string with multiple lines, </a:t>
+            </a:r>
+            <a:r>
+              <a:rPr lang="en-GB" b="1" dirty="0">
+                <a:solidFill>
+                  <a:srgbClr val="00B050"/>
+                </a:solidFill>
+              </a:rPr>
+              <a:t>\Z </a:t>
+            </a:r>
+            <a:r>
+              <a:rPr lang="en-GB" b="1" dirty="0"/>
+              <a:t>matches only at the very end of the string.</a:t>
             </a:r>
           </a:p>
           <a:p>

--- a/W9/W9S2/W9S2.pptx
+++ b/W9/W9S2/W9S2.pptx
@@ -37,15 +37,15 @@
     <p:sldId id="442" r:id="rId28"/>
     <p:sldId id="457" r:id="rId29"/>
     <p:sldId id="458" r:id="rId30"/>
-    <p:sldId id="441" r:id="rId31"/>
-    <p:sldId id="443" r:id="rId32"/>
-    <p:sldId id="444" r:id="rId33"/>
-    <p:sldId id="445" r:id="rId34"/>
-    <p:sldId id="449" r:id="rId35"/>
-    <p:sldId id="448" r:id="rId36"/>
-    <p:sldId id="450" r:id="rId37"/>
-    <p:sldId id="451" r:id="rId38"/>
-    <p:sldId id="384" r:id="rId39"/>
+    <p:sldId id="384" r:id="rId31"/>
+    <p:sldId id="441" r:id="rId32"/>
+    <p:sldId id="443" r:id="rId33"/>
+    <p:sldId id="444" r:id="rId34"/>
+    <p:sldId id="445" r:id="rId35"/>
+    <p:sldId id="449" r:id="rId36"/>
+    <p:sldId id="448" r:id="rId37"/>
+    <p:sldId id="450" r:id="rId38"/>
+    <p:sldId id="451" r:id="rId39"/>
     <p:sldId id="459" r:id="rId40"/>
     <p:sldId id="461" r:id="rId41"/>
     <p:sldId id="462" r:id="rId42"/>
@@ -224,6 +224,11 @@
             <p14:sldId id="458"/>
           </p14:sldIdLst>
         </p14:section>
+        <p14:section name="Additional operations in RegEx" id="{389A6549-4601-43F0-8869-FA461D085F25}">
+          <p14:sldIdLst>
+            <p14:sldId id="384"/>
+          </p14:sldIdLst>
+        </p14:section>
         <p14:section name="First quiz break" id="{FD6A8573-0BB1-4179-BAF8-A4CDF6D15875}">
           <p14:sldIdLst>
             <p14:sldId id="441"/>
@@ -234,11 +239,6 @@
             <p14:sldId id="448"/>
             <p14:sldId id="450"/>
             <p14:sldId id="451"/>
-          </p14:sldIdLst>
-        </p14:section>
-        <p14:section name="Additional operations in RegEx" id="{389A6549-4601-43F0-8869-FA461D085F25}">
-          <p14:sldIdLst>
-            <p14:sldId id="384"/>
           </p14:sldIdLst>
         </p14:section>
         <p14:section name="Grouping characters" id="{E010C06C-8EB6-4AF5-A118-89CD07F7336D}">
@@ -6596,7 +6596,7 @@
   <pc:docChgLst>
     <pc:chgData name="Matthieu De Mari" userId="dfb708c9-d8dc-439f-9a3b-c772bf4a311c" providerId="ADAL" clId="{A7A059E7-93C7-4781-9870-5EC88FF7F596}"/>
     <pc:docChg chg="undo redo custSel addSld delSld modSld sldOrd addSection delSection modSection">
-      <pc:chgData name="Matthieu De Mari" userId="dfb708c9-d8dc-439f-9a3b-c772bf4a311c" providerId="ADAL" clId="{A7A059E7-93C7-4781-9870-5EC88FF7F596}" dt="2023-03-20T06:47:40.062" v="11844" actId="207"/>
+      <pc:chgData name="Matthieu De Mari" userId="dfb708c9-d8dc-439f-9a3b-c772bf4a311c" providerId="ADAL" clId="{A7A059E7-93C7-4781-9870-5EC88FF7F596}" dt="2023-03-22T05:41:14.664" v="12055" actId="27636"/>
       <pc:docMkLst>
         <pc:docMk/>
       </pc:docMkLst>
@@ -7393,8 +7393,8 @@
           </ac:spMkLst>
         </pc:spChg>
       </pc:sldChg>
-      <pc:sldChg chg="addSp modSp new mod modClrScheme chgLayout">
-        <pc:chgData name="Matthieu De Mari" userId="dfb708c9-d8dc-439f-9a3b-c772bf4a311c" providerId="ADAL" clId="{A7A059E7-93C7-4781-9870-5EC88FF7F596}" dt="2023-03-20T06:43:41.613" v="11735" actId="113"/>
+      <pc:sldChg chg="addSp modSp new mod ord modClrScheme chgLayout">
+        <pc:chgData name="Matthieu De Mari" userId="dfb708c9-d8dc-439f-9a3b-c772bf4a311c" providerId="ADAL" clId="{A7A059E7-93C7-4781-9870-5EC88FF7F596}" dt="2023-03-22T05:37:33.748" v="11960"/>
         <pc:sldMkLst>
           <pc:docMk/>
           <pc:sldMk cId="3649959589" sldId="384"/>
@@ -9112,13 +9112,13 @@
         </pc:cxnChg>
       </pc:sldChg>
       <pc:sldChg chg="modSp add mod">
-        <pc:chgData name="Matthieu De Mari" userId="dfb708c9-d8dc-439f-9a3b-c772bf4a311c" providerId="ADAL" clId="{A7A059E7-93C7-4781-9870-5EC88FF7F596}" dt="2023-03-18T07:16:53.210" v="9788" actId="20577"/>
+        <pc:chgData name="Matthieu De Mari" userId="dfb708c9-d8dc-439f-9a3b-c772bf4a311c" providerId="ADAL" clId="{A7A059E7-93C7-4781-9870-5EC88FF7F596}" dt="2023-03-22T05:37:01.323" v="11957" actId="20577"/>
         <pc:sldMkLst>
           <pc:docMk/>
           <pc:sldMk cId="110232736" sldId="443"/>
         </pc:sldMkLst>
         <pc:spChg chg="mod">
-          <ac:chgData name="Matthieu De Mari" userId="dfb708c9-d8dc-439f-9a3b-c772bf4a311c" providerId="ADAL" clId="{A7A059E7-93C7-4781-9870-5EC88FF7F596}" dt="2023-03-18T07:16:53.210" v="9788" actId="20577"/>
+          <ac:chgData name="Matthieu De Mari" userId="dfb708c9-d8dc-439f-9a3b-c772bf4a311c" providerId="ADAL" clId="{A7A059E7-93C7-4781-9870-5EC88FF7F596}" dt="2023-03-22T05:37:01.323" v="11957" actId="20577"/>
           <ac:spMkLst>
             <pc:docMk/>
             <pc:sldMk cId="110232736" sldId="443"/>
@@ -9366,13 +9366,13 @@
         </pc:spChg>
       </pc:sldChg>
       <pc:sldChg chg="modSp add mod">
-        <pc:chgData name="Matthieu De Mari" userId="dfb708c9-d8dc-439f-9a3b-c772bf4a311c" providerId="ADAL" clId="{A7A059E7-93C7-4781-9870-5EC88FF7F596}" dt="2023-03-16T07:42:09.377" v="6775" actId="207"/>
+        <pc:chgData name="Matthieu De Mari" userId="dfb708c9-d8dc-439f-9a3b-c772bf4a311c" providerId="ADAL" clId="{A7A059E7-93C7-4781-9870-5EC88FF7F596}" dt="2023-03-22T05:37:22.758" v="11958" actId="20577"/>
         <pc:sldMkLst>
           <pc:docMk/>
           <pc:sldMk cId="3522887232" sldId="451"/>
         </pc:sldMkLst>
         <pc:spChg chg="mod">
-          <ac:chgData name="Matthieu De Mari" userId="dfb708c9-d8dc-439f-9a3b-c772bf4a311c" providerId="ADAL" clId="{A7A059E7-93C7-4781-9870-5EC88FF7F596}" dt="2023-03-16T07:42:09.377" v="6775" actId="207"/>
+          <ac:chgData name="Matthieu De Mari" userId="dfb708c9-d8dc-439f-9a3b-c772bf4a311c" providerId="ADAL" clId="{A7A059E7-93C7-4781-9870-5EC88FF7F596}" dt="2023-03-22T05:37:22.758" v="11958" actId="20577"/>
           <ac:spMkLst>
             <pc:docMk/>
             <pc:sldMk cId="3522887232" sldId="451"/>
@@ -10195,7 +10195,7 @@
         </pc:sldMkLst>
       </pc:sldChg>
       <pc:sldChg chg="addSp delSp modSp new mod modClrScheme chgLayout">
-        <pc:chgData name="Matthieu De Mari" userId="dfb708c9-d8dc-439f-9a3b-c772bf4a311c" providerId="ADAL" clId="{A7A059E7-93C7-4781-9870-5EC88FF7F596}" dt="2023-03-20T06:44:37.611" v="11750" actId="207"/>
+        <pc:chgData name="Matthieu De Mari" userId="dfb708c9-d8dc-439f-9a3b-c772bf4a311c" providerId="ADAL" clId="{A7A059E7-93C7-4781-9870-5EC88FF7F596}" dt="2023-03-22T05:41:14.664" v="12055" actId="27636"/>
         <pc:sldMkLst>
           <pc:docMk/>
           <pc:sldMk cId="3130766884" sldId="463"/>
@@ -10233,7 +10233,7 @@
           </ac:spMkLst>
         </pc:spChg>
         <pc:spChg chg="add mod ord">
-          <ac:chgData name="Matthieu De Mari" userId="dfb708c9-d8dc-439f-9a3b-c772bf4a311c" providerId="ADAL" clId="{A7A059E7-93C7-4781-9870-5EC88FF7F596}" dt="2023-03-20T06:44:37.611" v="11750" actId="207"/>
+          <ac:chgData name="Matthieu De Mari" userId="dfb708c9-d8dc-439f-9a3b-c772bf4a311c" providerId="ADAL" clId="{A7A059E7-93C7-4781-9870-5EC88FF7F596}" dt="2023-03-22T05:41:14.657" v="12054" actId="27636"/>
           <ac:spMkLst>
             <pc:docMk/>
             <pc:sldMk cId="3130766884" sldId="463"/>
@@ -10241,7 +10241,7 @@
           </ac:spMkLst>
         </pc:spChg>
         <pc:spChg chg="add mod ord">
-          <ac:chgData name="Matthieu De Mari" userId="dfb708c9-d8dc-439f-9a3b-c772bf4a311c" providerId="ADAL" clId="{A7A059E7-93C7-4781-9870-5EC88FF7F596}" dt="2023-03-18T07:46:32.288" v="10909" actId="20577"/>
+          <ac:chgData name="Matthieu De Mari" userId="dfb708c9-d8dc-439f-9a3b-c772bf4a311c" providerId="ADAL" clId="{A7A059E7-93C7-4781-9870-5EC88FF7F596}" dt="2023-03-22T05:41:14.664" v="12055" actId="27636"/>
           <ac:spMkLst>
             <pc:docMk/>
             <pc:sldMk cId="3130766884" sldId="463"/>
@@ -10304,13 +10304,13 @@
         </pc:spChg>
       </pc:sldChg>
       <pc:sldChg chg="modSp add mod">
-        <pc:chgData name="Matthieu De Mari" userId="dfb708c9-d8dc-439f-9a3b-c772bf4a311c" providerId="ADAL" clId="{A7A059E7-93C7-4781-9870-5EC88FF7F596}" dt="2023-03-20T06:45:14.929" v="11789"/>
+        <pc:chgData name="Matthieu De Mari" userId="dfb708c9-d8dc-439f-9a3b-c772bf4a311c" providerId="ADAL" clId="{A7A059E7-93C7-4781-9870-5EC88FF7F596}" dt="2023-03-22T05:08:14.149" v="11846" actId="113"/>
         <pc:sldMkLst>
           <pc:docMk/>
           <pc:sldMk cId="2429451842" sldId="466"/>
         </pc:sldMkLst>
         <pc:spChg chg="mod">
-          <ac:chgData name="Matthieu De Mari" userId="dfb708c9-d8dc-439f-9a3b-c772bf4a311c" providerId="ADAL" clId="{A7A059E7-93C7-4781-9870-5EC88FF7F596}" dt="2023-03-20T06:45:14.929" v="11789"/>
+          <ac:chgData name="Matthieu De Mari" userId="dfb708c9-d8dc-439f-9a3b-c772bf4a311c" providerId="ADAL" clId="{A7A059E7-93C7-4781-9870-5EC88FF7F596}" dt="2023-03-22T05:08:14.149" v="11846" actId="113"/>
           <ac:spMkLst>
             <pc:docMk/>
             <pc:sldMk cId="2429451842" sldId="466"/>
@@ -12643,7 +12643,7 @@
           <a:p>
             <a:fld id="{98CFC6A4-B085-437B-8084-693BEB2A32DE}" type="datetimeFigureOut">
               <a:rPr lang="en-SG" smtClean="0"/>
-              <a:t>20/3/2023</a:t>
+              <a:t>22/3/2023</a:t>
             </a:fld>
             <a:endParaRPr lang="en-SG"/>
           </a:p>
@@ -13060,7 +13060,7 @@
           <a:p>
             <a:fld id="{AB35F6B0-D468-4997-9CE3-CF2A1AE5E3F9}" type="datetimeFigureOut">
               <a:rPr lang="en-SG" smtClean="0"/>
-              <a:t>20/3/2023</a:t>
+              <a:t>22/3/2023</a:t>
             </a:fld>
             <a:endParaRPr lang="en-SG"/>
           </a:p>
@@ -13260,7 +13260,7 @@
           <a:p>
             <a:fld id="{AB35F6B0-D468-4997-9CE3-CF2A1AE5E3F9}" type="datetimeFigureOut">
               <a:rPr lang="en-SG" smtClean="0"/>
-              <a:t>20/3/2023</a:t>
+              <a:t>22/3/2023</a:t>
             </a:fld>
             <a:endParaRPr lang="en-SG"/>
           </a:p>
@@ -13470,7 +13470,7 @@
           <a:p>
             <a:fld id="{AB35F6B0-D468-4997-9CE3-CF2A1AE5E3F9}" type="datetimeFigureOut">
               <a:rPr lang="en-SG" smtClean="0"/>
-              <a:t>20/3/2023</a:t>
+              <a:t>22/3/2023</a:t>
             </a:fld>
             <a:endParaRPr lang="en-SG"/>
           </a:p>
@@ -13670,7 +13670,7 @@
           <a:p>
             <a:fld id="{AB35F6B0-D468-4997-9CE3-CF2A1AE5E3F9}" type="datetimeFigureOut">
               <a:rPr lang="en-SG" smtClean="0"/>
-              <a:t>20/3/2023</a:t>
+              <a:t>22/3/2023</a:t>
             </a:fld>
             <a:endParaRPr lang="en-SG"/>
           </a:p>
@@ -13946,7 +13946,7 @@
           <a:p>
             <a:fld id="{AB35F6B0-D468-4997-9CE3-CF2A1AE5E3F9}" type="datetimeFigureOut">
               <a:rPr lang="en-SG" smtClean="0"/>
-              <a:t>20/3/2023</a:t>
+              <a:t>22/3/2023</a:t>
             </a:fld>
             <a:endParaRPr lang="en-SG"/>
           </a:p>
@@ -14214,7 +14214,7 @@
           <a:p>
             <a:fld id="{AB35F6B0-D468-4997-9CE3-CF2A1AE5E3F9}" type="datetimeFigureOut">
               <a:rPr lang="en-SG" smtClean="0"/>
-              <a:t>20/3/2023</a:t>
+              <a:t>22/3/2023</a:t>
             </a:fld>
             <a:endParaRPr lang="en-SG"/>
           </a:p>
@@ -14629,7 +14629,7 @@
           <a:p>
             <a:fld id="{AB35F6B0-D468-4997-9CE3-CF2A1AE5E3F9}" type="datetimeFigureOut">
               <a:rPr lang="en-SG" smtClean="0"/>
-              <a:t>20/3/2023</a:t>
+              <a:t>22/3/2023</a:t>
             </a:fld>
             <a:endParaRPr lang="en-SG"/>
           </a:p>
@@ -14771,7 +14771,7 @@
           <a:p>
             <a:fld id="{AB35F6B0-D468-4997-9CE3-CF2A1AE5E3F9}" type="datetimeFigureOut">
               <a:rPr lang="en-SG" smtClean="0"/>
-              <a:t>20/3/2023</a:t>
+              <a:t>22/3/2023</a:t>
             </a:fld>
             <a:endParaRPr lang="en-SG"/>
           </a:p>
@@ -14884,7 +14884,7 @@
           <a:p>
             <a:fld id="{AB35F6B0-D468-4997-9CE3-CF2A1AE5E3F9}" type="datetimeFigureOut">
               <a:rPr lang="en-SG" smtClean="0"/>
-              <a:t>20/3/2023</a:t>
+              <a:t>22/3/2023</a:t>
             </a:fld>
             <a:endParaRPr lang="en-SG"/>
           </a:p>
@@ -15197,7 +15197,7 @@
           <a:p>
             <a:fld id="{AB35F6B0-D468-4997-9CE3-CF2A1AE5E3F9}" type="datetimeFigureOut">
               <a:rPr lang="en-SG" smtClean="0"/>
-              <a:t>20/3/2023</a:t>
+              <a:t>22/3/2023</a:t>
             </a:fld>
             <a:endParaRPr lang="en-SG"/>
           </a:p>
@@ -15486,7 +15486,7 @@
           <a:p>
             <a:fld id="{AB35F6B0-D468-4997-9CE3-CF2A1AE5E3F9}" type="datetimeFigureOut">
               <a:rPr lang="en-SG" smtClean="0"/>
-              <a:t>20/3/2023</a:t>
+              <a:t>22/3/2023</a:t>
             </a:fld>
             <a:endParaRPr lang="en-SG"/>
           </a:p>
@@ -15729,7 +15729,7 @@
           <a:p>
             <a:fld id="{AB35F6B0-D468-4997-9CE3-CF2A1AE5E3F9}" type="datetimeFigureOut">
               <a:rPr lang="en-SG" smtClean="0"/>
-              <a:t>20/3/2023</a:t>
+              <a:t>22/3/2023</a:t>
             </a:fld>
             <a:endParaRPr lang="en-SG"/>
           </a:p>
@@ -18573,8 +18573,8 @@
           </a:p>
         </p:txBody>
       </p:sp>
-      <mc:AlternateContent xmlns:mc="http://schemas.openxmlformats.org/markup-compatibility/2006">
-        <mc:Choice xmlns:a14="http://schemas.microsoft.com/office/drawing/2010/main" Requires="a14">
+      <mc:AlternateContent xmlns:mc="http://schemas.openxmlformats.org/markup-compatibility/2006" xmlns:a14="http://schemas.microsoft.com/office/drawing/2010/main">
+        <mc:Choice Requires="a14">
           <p:sp>
             <p:nvSpPr>
               <p:cNvPr id="5" name="TextBox 4">
@@ -18648,7 +18648,7 @@
             </p:txBody>
           </p:sp>
         </mc:Choice>
-        <mc:Fallback>
+        <mc:Fallback xmlns="">
           <p:sp>
             <p:nvSpPr>
               <p:cNvPr id="5" name="TextBox 4">
@@ -20545,8 +20545,8 @@
           </a:p>
         </p:txBody>
       </p:sp>
-      <mc:AlternateContent xmlns:mc="http://schemas.openxmlformats.org/markup-compatibility/2006">
-        <mc:Choice xmlns:a14="http://schemas.microsoft.com/office/drawing/2010/main" Requires="a14">
+      <mc:AlternateContent xmlns:mc="http://schemas.openxmlformats.org/markup-compatibility/2006" xmlns:a14="http://schemas.microsoft.com/office/drawing/2010/main">
+        <mc:Choice Requires="a14">
           <p:sp>
             <p:nvSpPr>
               <p:cNvPr id="10" name="TextBox 9">
@@ -20620,7 +20620,7 @@
             </p:txBody>
           </p:sp>
         </mc:Choice>
-        <mc:Fallback>
+        <mc:Fallback xmlns="">
           <p:sp>
             <p:nvSpPr>
               <p:cNvPr id="10" name="TextBox 9">
@@ -31566,1198 +31566,6 @@
           <p:cNvPr id="2" name="Title 1">
             <a:extLst>
               <a:ext uri="{FF2B5EF4-FFF2-40B4-BE49-F238E27FC236}">
-                <a16:creationId xmlns:a16="http://schemas.microsoft.com/office/drawing/2014/main" id="{7E41C351-BED5-72B4-F58B-BE667FB64318}"/>
-              </a:ext>
-            </a:extLst>
-          </p:cNvPr>
-          <p:cNvSpPr>
-            <a:spLocks noGrp="1"/>
-          </p:cNvSpPr>
-          <p:nvPr>
-            <p:ph type="title"/>
-          </p:nvPr>
-        </p:nvSpPr>
-        <p:spPr/>
-        <p:txBody>
-          <a:bodyPr/>
-          <a:lstStyle/>
-          <a:p>
-            <a:r>
-              <a:rPr lang="en-GB" dirty="0"/>
-              <a:t>Quiz Time!</a:t>
-            </a:r>
-            <a:endParaRPr lang="en-SG" dirty="0"/>
-          </a:p>
-        </p:txBody>
-      </p:sp>
-      <p:sp>
-        <p:nvSpPr>
-          <p:cNvPr id="3" name="Content Placeholder 2">
-            <a:extLst>
-              <a:ext uri="{FF2B5EF4-FFF2-40B4-BE49-F238E27FC236}">
-                <a16:creationId xmlns:a16="http://schemas.microsoft.com/office/drawing/2014/main" id="{0A9CA01A-4500-13DA-32DD-0418598356B9}"/>
-              </a:ext>
-            </a:extLst>
-          </p:cNvPr>
-          <p:cNvSpPr>
-            <a:spLocks noGrp="1"/>
-          </p:cNvSpPr>
-          <p:nvPr>
-            <p:ph idx="1"/>
-          </p:nvPr>
-        </p:nvSpPr>
-        <p:spPr/>
-        <p:txBody>
-          <a:bodyPr/>
-          <a:lstStyle/>
-          <a:p>
-            <a:pPr marL="0" indent="0">
-              <a:buNone/>
-            </a:pPr>
-            <a:r>
-              <a:rPr lang="en-GB" dirty="0"/>
-              <a:t>Which regular expression would match the two strings "cat" and "bat"?</a:t>
-            </a:r>
-          </a:p>
-          <a:p>
-            <a:pPr marL="514350" indent="-514350">
-              <a:buFont typeface="+mj-lt"/>
-              <a:buAutoNum type="alphaUcPeriod"/>
-            </a:pPr>
-            <a:r>
-              <a:rPr lang="en-GB" dirty="0"/>
-              <a:t>(</a:t>
-            </a:r>
-            <a:r>
-              <a:rPr lang="en-GB" dirty="0" err="1"/>
-              <a:t>c|b</a:t>
-            </a:r>
-            <a:r>
-              <a:rPr lang="en-GB" dirty="0"/>
-              <a:t>)at</a:t>
-            </a:r>
-          </a:p>
-          <a:p>
-            <a:pPr marL="514350" indent="-514350">
-              <a:buFont typeface="+mj-lt"/>
-              <a:buAutoNum type="alphaUcPeriod"/>
-            </a:pPr>
-            <a:r>
-              <a:rPr lang="en-GB" dirty="0"/>
-              <a:t>(</a:t>
-            </a:r>
-            <a:r>
-              <a:rPr lang="en-GB" dirty="0" err="1"/>
-              <a:t>c|b</a:t>
-            </a:r>
-            <a:r>
-              <a:rPr lang="en-GB" dirty="0"/>
-              <a:t>)?at</a:t>
-            </a:r>
-          </a:p>
-          <a:p>
-            <a:pPr marL="514350" indent="-514350">
-              <a:buFont typeface="+mj-lt"/>
-              <a:buAutoNum type="alphaUcPeriod"/>
-            </a:pPr>
-            <a:r>
-              <a:rPr lang="en-GB" dirty="0"/>
-              <a:t>(</a:t>
-            </a:r>
-            <a:r>
-              <a:rPr lang="en-GB" dirty="0" err="1"/>
-              <a:t>c+b</a:t>
-            </a:r>
-            <a:r>
-              <a:rPr lang="en-GB" dirty="0"/>
-              <a:t>)at</a:t>
-            </a:r>
-          </a:p>
-          <a:p>
-            <a:pPr marL="514350" indent="-514350">
-              <a:buFont typeface="+mj-lt"/>
-              <a:buAutoNum type="alphaUcPeriod"/>
-            </a:pPr>
-            <a:r>
-              <a:rPr lang="en-GB" dirty="0"/>
-              <a:t>(</a:t>
-            </a:r>
-            <a:r>
-              <a:rPr lang="en-GB" dirty="0" err="1"/>
-              <a:t>c|b</a:t>
-            </a:r>
-            <a:r>
-              <a:rPr lang="en-GB" dirty="0"/>
-              <a:t>)+(at)</a:t>
-            </a:r>
-          </a:p>
-          <a:p>
-            <a:pPr marL="0" indent="0">
-              <a:buNone/>
-            </a:pPr>
-            <a:endParaRPr lang="en-SG" dirty="0"/>
-          </a:p>
-        </p:txBody>
-      </p:sp>
-    </p:spTree>
-    <p:extLst>
-      <p:ext uri="{BB962C8B-B14F-4D97-AF65-F5344CB8AC3E}">
-        <p14:creationId xmlns:p14="http://schemas.microsoft.com/office/powerpoint/2010/main" val="1448790682"/>
-      </p:ext>
-    </p:extLst>
-  </p:cSld>
-  <p:clrMapOvr>
-    <a:masterClrMapping/>
-  </p:clrMapOvr>
-</p:sld>
-</file>
-
-<file path=ppt/slides/slide31.xml><?xml version="1.0" encoding="utf-8"?>
-<p:sld xmlns:a="http://schemas.openxmlformats.org/drawingml/2006/main" xmlns:r="http://schemas.openxmlformats.org/officeDocument/2006/relationships" xmlns:p="http://schemas.openxmlformats.org/presentationml/2006/main">
-  <p:cSld>
-    <p:spTree>
-      <p:nvGrpSpPr>
-        <p:cNvPr id="1" name=""/>
-        <p:cNvGrpSpPr/>
-        <p:nvPr/>
-      </p:nvGrpSpPr>
-      <p:grpSpPr>
-        <a:xfrm>
-          <a:off x="0" y="0"/>
-          <a:ext cx="0" cy="0"/>
-          <a:chOff x="0" y="0"/>
-          <a:chExt cx="0" cy="0"/>
-        </a:xfrm>
-      </p:grpSpPr>
-      <p:sp>
-        <p:nvSpPr>
-          <p:cNvPr id="2" name="Title 1">
-            <a:extLst>
-              <a:ext uri="{FF2B5EF4-FFF2-40B4-BE49-F238E27FC236}">
-                <a16:creationId xmlns:a16="http://schemas.microsoft.com/office/drawing/2014/main" id="{7E41C351-BED5-72B4-F58B-BE667FB64318}"/>
-              </a:ext>
-            </a:extLst>
-          </p:cNvPr>
-          <p:cNvSpPr>
-            <a:spLocks noGrp="1"/>
-          </p:cNvSpPr>
-          <p:nvPr>
-            <p:ph type="title"/>
-          </p:nvPr>
-        </p:nvSpPr>
-        <p:spPr/>
-        <p:txBody>
-          <a:bodyPr/>
-          <a:lstStyle/>
-          <a:p>
-            <a:r>
-              <a:rPr lang="en-GB" dirty="0"/>
-              <a:t>Quiz Time!</a:t>
-            </a:r>
-            <a:endParaRPr lang="en-SG" dirty="0"/>
-          </a:p>
-        </p:txBody>
-      </p:sp>
-      <p:sp>
-        <p:nvSpPr>
-          <p:cNvPr id="3" name="Content Placeholder 2">
-            <a:extLst>
-              <a:ext uri="{FF2B5EF4-FFF2-40B4-BE49-F238E27FC236}">
-                <a16:creationId xmlns:a16="http://schemas.microsoft.com/office/drawing/2014/main" id="{0A9CA01A-4500-13DA-32DD-0418598356B9}"/>
-              </a:ext>
-            </a:extLst>
-          </p:cNvPr>
-          <p:cNvSpPr>
-            <a:spLocks noGrp="1"/>
-          </p:cNvSpPr>
-          <p:nvPr>
-            <p:ph idx="1"/>
-          </p:nvPr>
-        </p:nvSpPr>
-        <p:spPr/>
-        <p:txBody>
-          <a:bodyPr/>
-          <a:lstStyle/>
-          <a:p>
-            <a:pPr marL="0" indent="0">
-              <a:buNone/>
-            </a:pPr>
-            <a:r>
-              <a:rPr lang="en-GB" dirty="0"/>
-              <a:t>Which regular expression would match the two strings "cat" and "bat"?</a:t>
-            </a:r>
-          </a:p>
-          <a:p>
-            <a:pPr marL="514350" indent="-514350">
-              <a:buFont typeface="+mj-lt"/>
-              <a:buAutoNum type="alphaUcPeriod"/>
-            </a:pPr>
-            <a:r>
-              <a:rPr lang="en-GB" b="1" dirty="0">
-                <a:solidFill>
-                  <a:srgbClr val="00B050"/>
-                </a:solidFill>
-              </a:rPr>
-              <a:t>(</a:t>
-            </a:r>
-            <a:r>
-              <a:rPr lang="en-GB" b="1" dirty="0" err="1">
-                <a:solidFill>
-                  <a:srgbClr val="00B050"/>
-                </a:solidFill>
-              </a:rPr>
-              <a:t>c|b</a:t>
-            </a:r>
-            <a:r>
-              <a:rPr lang="en-GB" b="1" dirty="0">
-                <a:solidFill>
-                  <a:srgbClr val="00B050"/>
-                </a:solidFill>
-              </a:rPr>
-              <a:t>)at</a:t>
-            </a:r>
-          </a:p>
-          <a:p>
-            <a:pPr marL="514350" indent="-514350">
-              <a:buFont typeface="+mj-lt"/>
-              <a:buAutoNum type="alphaUcPeriod"/>
-            </a:pPr>
-            <a:r>
-              <a:rPr lang="en-GB" dirty="0"/>
-              <a:t>(</a:t>
-            </a:r>
-            <a:r>
-              <a:rPr lang="en-GB" dirty="0" err="1"/>
-              <a:t>c|b</a:t>
-            </a:r>
-            <a:r>
-              <a:rPr lang="en-GB" dirty="0"/>
-              <a:t>)?at</a:t>
-            </a:r>
-          </a:p>
-          <a:p>
-            <a:pPr marL="514350" indent="-514350">
-              <a:buFont typeface="+mj-lt"/>
-              <a:buAutoNum type="alphaUcPeriod"/>
-            </a:pPr>
-            <a:r>
-              <a:rPr lang="en-GB" dirty="0"/>
-              <a:t>(</a:t>
-            </a:r>
-            <a:r>
-              <a:rPr lang="en-GB" dirty="0" err="1"/>
-              <a:t>c+b</a:t>
-            </a:r>
-            <a:r>
-              <a:rPr lang="en-GB" dirty="0"/>
-              <a:t>)at</a:t>
-            </a:r>
-          </a:p>
-          <a:p>
-            <a:pPr marL="514350" indent="-514350">
-              <a:buFont typeface="+mj-lt"/>
-              <a:buAutoNum type="alphaUcPeriod"/>
-            </a:pPr>
-            <a:r>
-              <a:rPr lang="en-GB" dirty="0"/>
-              <a:t>(</a:t>
-            </a:r>
-            <a:r>
-              <a:rPr lang="en-GB" dirty="0" err="1"/>
-              <a:t>c|b</a:t>
-            </a:r>
-            <a:r>
-              <a:rPr lang="en-GB" dirty="0"/>
-              <a:t>)+at</a:t>
-            </a:r>
-          </a:p>
-          <a:p>
-            <a:pPr marL="0" indent="0">
-              <a:buNone/>
-            </a:pPr>
-            <a:endParaRPr lang="en-SG" dirty="0"/>
-          </a:p>
-        </p:txBody>
-      </p:sp>
-    </p:spTree>
-    <p:extLst>
-      <p:ext uri="{BB962C8B-B14F-4D97-AF65-F5344CB8AC3E}">
-        <p14:creationId xmlns:p14="http://schemas.microsoft.com/office/powerpoint/2010/main" val="110232736"/>
-      </p:ext>
-    </p:extLst>
-  </p:cSld>
-  <p:clrMapOvr>
-    <a:masterClrMapping/>
-  </p:clrMapOvr>
-</p:sld>
-</file>
-
-<file path=ppt/slides/slide32.xml><?xml version="1.0" encoding="utf-8"?>
-<p:sld xmlns:a="http://schemas.openxmlformats.org/drawingml/2006/main" xmlns:r="http://schemas.openxmlformats.org/officeDocument/2006/relationships" xmlns:p="http://schemas.openxmlformats.org/presentationml/2006/main">
-  <p:cSld>
-    <p:spTree>
-      <p:nvGrpSpPr>
-        <p:cNvPr id="1" name=""/>
-        <p:cNvGrpSpPr/>
-        <p:nvPr/>
-      </p:nvGrpSpPr>
-      <p:grpSpPr>
-        <a:xfrm>
-          <a:off x="0" y="0"/>
-          <a:ext cx="0" cy="0"/>
-          <a:chOff x="0" y="0"/>
-          <a:chExt cx="0" cy="0"/>
-        </a:xfrm>
-      </p:grpSpPr>
-      <p:sp>
-        <p:nvSpPr>
-          <p:cNvPr id="2" name="Title 1">
-            <a:extLst>
-              <a:ext uri="{FF2B5EF4-FFF2-40B4-BE49-F238E27FC236}">
-                <a16:creationId xmlns:a16="http://schemas.microsoft.com/office/drawing/2014/main" id="{7E41C351-BED5-72B4-F58B-BE667FB64318}"/>
-              </a:ext>
-            </a:extLst>
-          </p:cNvPr>
-          <p:cNvSpPr>
-            <a:spLocks noGrp="1"/>
-          </p:cNvSpPr>
-          <p:nvPr>
-            <p:ph type="title"/>
-          </p:nvPr>
-        </p:nvSpPr>
-        <p:spPr/>
-        <p:txBody>
-          <a:bodyPr/>
-          <a:lstStyle/>
-          <a:p>
-            <a:r>
-              <a:rPr lang="en-GB" dirty="0"/>
-              <a:t>Quiz Time!</a:t>
-            </a:r>
-            <a:endParaRPr lang="en-SG" dirty="0"/>
-          </a:p>
-        </p:txBody>
-      </p:sp>
-      <p:sp>
-        <p:nvSpPr>
-          <p:cNvPr id="3" name="Content Placeholder 2">
-            <a:extLst>
-              <a:ext uri="{FF2B5EF4-FFF2-40B4-BE49-F238E27FC236}">
-                <a16:creationId xmlns:a16="http://schemas.microsoft.com/office/drawing/2014/main" id="{0A9CA01A-4500-13DA-32DD-0418598356B9}"/>
-              </a:ext>
-            </a:extLst>
-          </p:cNvPr>
-          <p:cNvSpPr>
-            <a:spLocks noGrp="1"/>
-          </p:cNvSpPr>
-          <p:nvPr>
-            <p:ph idx="1"/>
-          </p:nvPr>
-        </p:nvSpPr>
-        <p:spPr/>
-        <p:txBody>
-          <a:bodyPr/>
-          <a:lstStyle/>
-          <a:p>
-            <a:pPr marL="0" indent="0">
-              <a:buNone/>
-            </a:pPr>
-            <a:r>
-              <a:rPr lang="en-GB" dirty="0"/>
-              <a:t>What does the Kleene star (*) operator represent in regular expressions?</a:t>
-            </a:r>
-          </a:p>
-          <a:p>
-            <a:pPr marL="514350" indent="-514350">
-              <a:buFont typeface="+mj-lt"/>
-              <a:buAutoNum type="alphaUcPeriod"/>
-            </a:pPr>
-            <a:r>
-              <a:rPr lang="en-GB" dirty="0"/>
-              <a:t>Match exactly one character</a:t>
-            </a:r>
-          </a:p>
-          <a:p>
-            <a:pPr marL="514350" indent="-514350">
-              <a:buFont typeface="+mj-lt"/>
-              <a:buAutoNum type="alphaUcPeriod"/>
-            </a:pPr>
-            <a:r>
-              <a:rPr lang="en-GB" dirty="0"/>
-              <a:t>Match zero or more repetitions of a character</a:t>
-            </a:r>
-          </a:p>
-          <a:p>
-            <a:pPr marL="514350" indent="-514350">
-              <a:buFont typeface="+mj-lt"/>
-              <a:buAutoNum type="alphaUcPeriod"/>
-            </a:pPr>
-            <a:r>
-              <a:rPr lang="en-GB" dirty="0"/>
-              <a:t>Match one or more repetitions of a character</a:t>
-            </a:r>
-          </a:p>
-          <a:p>
-            <a:pPr marL="514350" indent="-514350">
-              <a:buFont typeface="+mj-lt"/>
-              <a:buAutoNum type="alphaUcPeriod"/>
-            </a:pPr>
-            <a:r>
-              <a:rPr lang="en-GB" dirty="0"/>
-              <a:t>Match any single character</a:t>
-            </a:r>
-          </a:p>
-          <a:p>
-            <a:pPr marL="0" indent="0">
-              <a:buNone/>
-            </a:pPr>
-            <a:endParaRPr lang="en-SG" dirty="0"/>
-          </a:p>
-        </p:txBody>
-      </p:sp>
-    </p:spTree>
-    <p:extLst>
-      <p:ext uri="{BB962C8B-B14F-4D97-AF65-F5344CB8AC3E}">
-        <p14:creationId xmlns:p14="http://schemas.microsoft.com/office/powerpoint/2010/main" val="1237963508"/>
-      </p:ext>
-    </p:extLst>
-  </p:cSld>
-  <p:clrMapOvr>
-    <a:masterClrMapping/>
-  </p:clrMapOvr>
-</p:sld>
-</file>
-
-<file path=ppt/slides/slide33.xml><?xml version="1.0" encoding="utf-8"?>
-<p:sld xmlns:a="http://schemas.openxmlformats.org/drawingml/2006/main" xmlns:r="http://schemas.openxmlformats.org/officeDocument/2006/relationships" xmlns:p="http://schemas.openxmlformats.org/presentationml/2006/main">
-  <p:cSld>
-    <p:spTree>
-      <p:nvGrpSpPr>
-        <p:cNvPr id="1" name=""/>
-        <p:cNvGrpSpPr/>
-        <p:nvPr/>
-      </p:nvGrpSpPr>
-      <p:grpSpPr>
-        <a:xfrm>
-          <a:off x="0" y="0"/>
-          <a:ext cx="0" cy="0"/>
-          <a:chOff x="0" y="0"/>
-          <a:chExt cx="0" cy="0"/>
-        </a:xfrm>
-      </p:grpSpPr>
-      <p:sp>
-        <p:nvSpPr>
-          <p:cNvPr id="2" name="Title 1">
-            <a:extLst>
-              <a:ext uri="{FF2B5EF4-FFF2-40B4-BE49-F238E27FC236}">
-                <a16:creationId xmlns:a16="http://schemas.microsoft.com/office/drawing/2014/main" id="{7E41C351-BED5-72B4-F58B-BE667FB64318}"/>
-              </a:ext>
-            </a:extLst>
-          </p:cNvPr>
-          <p:cNvSpPr>
-            <a:spLocks noGrp="1"/>
-          </p:cNvSpPr>
-          <p:nvPr>
-            <p:ph type="title"/>
-          </p:nvPr>
-        </p:nvSpPr>
-        <p:spPr/>
-        <p:txBody>
-          <a:bodyPr/>
-          <a:lstStyle/>
-          <a:p>
-            <a:r>
-              <a:rPr lang="en-GB" dirty="0"/>
-              <a:t>Quiz Time!</a:t>
-            </a:r>
-            <a:endParaRPr lang="en-SG" dirty="0"/>
-          </a:p>
-        </p:txBody>
-      </p:sp>
-      <p:sp>
-        <p:nvSpPr>
-          <p:cNvPr id="3" name="Content Placeholder 2">
-            <a:extLst>
-              <a:ext uri="{FF2B5EF4-FFF2-40B4-BE49-F238E27FC236}">
-                <a16:creationId xmlns:a16="http://schemas.microsoft.com/office/drawing/2014/main" id="{0A9CA01A-4500-13DA-32DD-0418598356B9}"/>
-              </a:ext>
-            </a:extLst>
-          </p:cNvPr>
-          <p:cNvSpPr>
-            <a:spLocks noGrp="1"/>
-          </p:cNvSpPr>
-          <p:nvPr>
-            <p:ph idx="1"/>
-          </p:nvPr>
-        </p:nvSpPr>
-        <p:spPr/>
-        <p:txBody>
-          <a:bodyPr/>
-          <a:lstStyle/>
-          <a:p>
-            <a:pPr marL="0" indent="0">
-              <a:buNone/>
-            </a:pPr>
-            <a:r>
-              <a:rPr lang="en-GB" dirty="0"/>
-              <a:t>What does the Kleene star (*) operator represent in regular expressions?</a:t>
-            </a:r>
-          </a:p>
-          <a:p>
-            <a:pPr marL="514350" indent="-514350">
-              <a:buFont typeface="+mj-lt"/>
-              <a:buAutoNum type="alphaUcPeriod"/>
-            </a:pPr>
-            <a:r>
-              <a:rPr lang="en-GB" dirty="0"/>
-              <a:t>Match exactly one character</a:t>
-            </a:r>
-          </a:p>
-          <a:p>
-            <a:pPr marL="514350" indent="-514350">
-              <a:buFont typeface="+mj-lt"/>
-              <a:buAutoNum type="alphaUcPeriod"/>
-            </a:pPr>
-            <a:r>
-              <a:rPr lang="en-GB" b="1" dirty="0">
-                <a:solidFill>
-                  <a:srgbClr val="00B050"/>
-                </a:solidFill>
-              </a:rPr>
-              <a:t>Match zero or more repetitions of a character</a:t>
-            </a:r>
-          </a:p>
-          <a:p>
-            <a:pPr marL="514350" indent="-514350">
-              <a:buFont typeface="+mj-lt"/>
-              <a:buAutoNum type="alphaUcPeriod"/>
-            </a:pPr>
-            <a:r>
-              <a:rPr lang="en-GB" dirty="0"/>
-              <a:t>Match one or more repetitions of a character</a:t>
-            </a:r>
-          </a:p>
-          <a:p>
-            <a:pPr marL="514350" indent="-514350">
-              <a:buFont typeface="+mj-lt"/>
-              <a:buAutoNum type="alphaUcPeriod"/>
-            </a:pPr>
-            <a:r>
-              <a:rPr lang="en-GB" dirty="0"/>
-              <a:t>Match any single character</a:t>
-            </a:r>
-          </a:p>
-          <a:p>
-            <a:pPr marL="0" indent="0">
-              <a:buNone/>
-            </a:pPr>
-            <a:endParaRPr lang="en-SG" dirty="0"/>
-          </a:p>
-        </p:txBody>
-      </p:sp>
-    </p:spTree>
-    <p:extLst>
-      <p:ext uri="{BB962C8B-B14F-4D97-AF65-F5344CB8AC3E}">
-        <p14:creationId xmlns:p14="http://schemas.microsoft.com/office/powerpoint/2010/main" val="1417587332"/>
-      </p:ext>
-    </p:extLst>
-  </p:cSld>
-  <p:clrMapOvr>
-    <a:masterClrMapping/>
-  </p:clrMapOvr>
-</p:sld>
-</file>
-
-<file path=ppt/slides/slide34.xml><?xml version="1.0" encoding="utf-8"?>
-<p:sld xmlns:a="http://schemas.openxmlformats.org/drawingml/2006/main" xmlns:r="http://schemas.openxmlformats.org/officeDocument/2006/relationships" xmlns:p="http://schemas.openxmlformats.org/presentationml/2006/main">
-  <p:cSld>
-    <p:spTree>
-      <p:nvGrpSpPr>
-        <p:cNvPr id="1" name=""/>
-        <p:cNvGrpSpPr/>
-        <p:nvPr/>
-      </p:nvGrpSpPr>
-      <p:grpSpPr>
-        <a:xfrm>
-          <a:off x="0" y="0"/>
-          <a:ext cx="0" cy="0"/>
-          <a:chOff x="0" y="0"/>
-          <a:chExt cx="0" cy="0"/>
-        </a:xfrm>
-      </p:grpSpPr>
-      <p:sp>
-        <p:nvSpPr>
-          <p:cNvPr id="2" name="Title 1">
-            <a:extLst>
-              <a:ext uri="{FF2B5EF4-FFF2-40B4-BE49-F238E27FC236}">
-                <a16:creationId xmlns:a16="http://schemas.microsoft.com/office/drawing/2014/main" id="{0D6A019A-BE67-C453-0E3A-8BA10DE1B846}"/>
-              </a:ext>
-            </a:extLst>
-          </p:cNvPr>
-          <p:cNvSpPr>
-            <a:spLocks noGrp="1"/>
-          </p:cNvSpPr>
-          <p:nvPr>
-            <p:ph type="title"/>
-          </p:nvPr>
-        </p:nvSpPr>
-        <p:spPr/>
-        <p:txBody>
-          <a:bodyPr/>
-          <a:lstStyle/>
-          <a:p>
-            <a:r>
-              <a:rPr lang="en-GB" dirty="0"/>
-              <a:t>Quiz Time!</a:t>
-            </a:r>
-            <a:endParaRPr lang="en-SG" dirty="0"/>
-          </a:p>
-        </p:txBody>
-      </p:sp>
-      <p:sp>
-        <p:nvSpPr>
-          <p:cNvPr id="3" name="Content Placeholder 2">
-            <a:extLst>
-              <a:ext uri="{FF2B5EF4-FFF2-40B4-BE49-F238E27FC236}">
-                <a16:creationId xmlns:a16="http://schemas.microsoft.com/office/drawing/2014/main" id="{98C8E745-17FA-0972-8665-9C637236AA5B}"/>
-              </a:ext>
-            </a:extLst>
-          </p:cNvPr>
-          <p:cNvSpPr>
-            <a:spLocks noGrp="1"/>
-          </p:cNvSpPr>
-          <p:nvPr>
-            <p:ph idx="1"/>
-          </p:nvPr>
-        </p:nvSpPr>
-        <p:spPr/>
-        <p:txBody>
-          <a:bodyPr/>
-          <a:lstStyle/>
-          <a:p>
-            <a:pPr marL="0" indent="0">
-              <a:buNone/>
-            </a:pPr>
-            <a:r>
-              <a:rPr lang="en-GB" dirty="0"/>
-              <a:t>Which regular expression would match the strings "ab", "abb", "</a:t>
-            </a:r>
-            <a:r>
-              <a:rPr lang="en-GB" dirty="0" err="1"/>
-              <a:t>abbb</a:t>
-            </a:r>
-            <a:r>
-              <a:rPr lang="en-GB" dirty="0"/>
-              <a:t>", and so on, but no other strings?</a:t>
-            </a:r>
-          </a:p>
-          <a:p>
-            <a:pPr marL="514350" indent="-514350">
-              <a:buFont typeface="+mj-lt"/>
-              <a:buAutoNum type="alphaUcPeriod"/>
-            </a:pPr>
-            <a:r>
-              <a:rPr lang="en-GB" dirty="0"/>
-              <a:t>abb*</a:t>
-            </a:r>
-          </a:p>
-          <a:p>
-            <a:pPr marL="514350" indent="-514350">
-              <a:buFont typeface="+mj-lt"/>
-              <a:buAutoNum type="alphaUcPeriod"/>
-            </a:pPr>
-            <a:r>
-              <a:rPr lang="en-GB" dirty="0"/>
-              <a:t>ab</a:t>
-            </a:r>
-          </a:p>
-          <a:p>
-            <a:pPr marL="514350" indent="-514350">
-              <a:buFont typeface="+mj-lt"/>
-              <a:buAutoNum type="alphaUcPeriod"/>
-            </a:pPr>
-            <a:r>
-              <a:rPr lang="en-GB" dirty="0"/>
-              <a:t>ab+</a:t>
-            </a:r>
-          </a:p>
-          <a:p>
-            <a:pPr marL="514350" indent="-514350">
-              <a:buFont typeface="+mj-lt"/>
-              <a:buAutoNum type="alphaUcPeriod"/>
-            </a:pPr>
-            <a:r>
-              <a:rPr lang="en-GB" dirty="0" err="1"/>
-              <a:t>a+ab</a:t>
-            </a:r>
-            <a:endParaRPr lang="en-GB" dirty="0"/>
-          </a:p>
-          <a:p>
-            <a:endParaRPr lang="en-SG" dirty="0"/>
-          </a:p>
-        </p:txBody>
-      </p:sp>
-    </p:spTree>
-    <p:extLst>
-      <p:ext uri="{BB962C8B-B14F-4D97-AF65-F5344CB8AC3E}">
-        <p14:creationId xmlns:p14="http://schemas.microsoft.com/office/powerpoint/2010/main" val="512281156"/>
-      </p:ext>
-    </p:extLst>
-  </p:cSld>
-  <p:clrMapOvr>
-    <a:masterClrMapping/>
-  </p:clrMapOvr>
-</p:sld>
-</file>
-
-<file path=ppt/slides/slide35.xml><?xml version="1.0" encoding="utf-8"?>
-<p:sld xmlns:a="http://schemas.openxmlformats.org/drawingml/2006/main" xmlns:r="http://schemas.openxmlformats.org/officeDocument/2006/relationships" xmlns:p="http://schemas.openxmlformats.org/presentationml/2006/main">
-  <p:cSld>
-    <p:spTree>
-      <p:nvGrpSpPr>
-        <p:cNvPr id="1" name=""/>
-        <p:cNvGrpSpPr/>
-        <p:nvPr/>
-      </p:nvGrpSpPr>
-      <p:grpSpPr>
-        <a:xfrm>
-          <a:off x="0" y="0"/>
-          <a:ext cx="0" cy="0"/>
-          <a:chOff x="0" y="0"/>
-          <a:chExt cx="0" cy="0"/>
-        </a:xfrm>
-      </p:grpSpPr>
-      <p:sp>
-        <p:nvSpPr>
-          <p:cNvPr id="2" name="Title 1">
-            <a:extLst>
-              <a:ext uri="{FF2B5EF4-FFF2-40B4-BE49-F238E27FC236}">
-                <a16:creationId xmlns:a16="http://schemas.microsoft.com/office/drawing/2014/main" id="{0D6A019A-BE67-C453-0E3A-8BA10DE1B846}"/>
-              </a:ext>
-            </a:extLst>
-          </p:cNvPr>
-          <p:cNvSpPr>
-            <a:spLocks noGrp="1"/>
-          </p:cNvSpPr>
-          <p:nvPr>
-            <p:ph type="title"/>
-          </p:nvPr>
-        </p:nvSpPr>
-        <p:spPr/>
-        <p:txBody>
-          <a:bodyPr/>
-          <a:lstStyle/>
-          <a:p>
-            <a:r>
-              <a:rPr lang="en-GB" dirty="0"/>
-              <a:t>Quiz Time!</a:t>
-            </a:r>
-            <a:endParaRPr lang="en-SG" dirty="0"/>
-          </a:p>
-        </p:txBody>
-      </p:sp>
-      <p:sp>
-        <p:nvSpPr>
-          <p:cNvPr id="3" name="Content Placeholder 2">
-            <a:extLst>
-              <a:ext uri="{FF2B5EF4-FFF2-40B4-BE49-F238E27FC236}">
-                <a16:creationId xmlns:a16="http://schemas.microsoft.com/office/drawing/2014/main" id="{98C8E745-17FA-0972-8665-9C637236AA5B}"/>
-              </a:ext>
-            </a:extLst>
-          </p:cNvPr>
-          <p:cNvSpPr>
-            <a:spLocks noGrp="1"/>
-          </p:cNvSpPr>
-          <p:nvPr>
-            <p:ph idx="1"/>
-          </p:nvPr>
-        </p:nvSpPr>
-        <p:spPr/>
-        <p:txBody>
-          <a:bodyPr/>
-          <a:lstStyle/>
-          <a:p>
-            <a:pPr marL="0" indent="0">
-              <a:buNone/>
-            </a:pPr>
-            <a:r>
-              <a:rPr lang="en-GB" dirty="0"/>
-              <a:t>Which regular expression would match the strings "ab", "abb", "</a:t>
-            </a:r>
-            <a:r>
-              <a:rPr lang="en-GB" dirty="0" err="1"/>
-              <a:t>abbb</a:t>
-            </a:r>
-            <a:r>
-              <a:rPr lang="en-GB" dirty="0"/>
-              <a:t>", and so on, but no other strings?</a:t>
-            </a:r>
-          </a:p>
-          <a:p>
-            <a:pPr marL="514350" indent="-514350">
-              <a:buFont typeface="+mj-lt"/>
-              <a:buAutoNum type="alphaUcPeriod"/>
-            </a:pPr>
-            <a:r>
-              <a:rPr lang="en-GB" b="1" dirty="0">
-                <a:solidFill>
-                  <a:srgbClr val="00B050"/>
-                </a:solidFill>
-              </a:rPr>
-              <a:t>abb* (but is considered malpractice)</a:t>
-            </a:r>
-          </a:p>
-          <a:p>
-            <a:pPr marL="514350" indent="-514350">
-              <a:buFont typeface="+mj-lt"/>
-              <a:buAutoNum type="alphaUcPeriod"/>
-            </a:pPr>
-            <a:r>
-              <a:rPr lang="en-GB" dirty="0"/>
-              <a:t>ab</a:t>
-            </a:r>
-          </a:p>
-          <a:p>
-            <a:pPr marL="514350" indent="-514350">
-              <a:buFont typeface="+mj-lt"/>
-              <a:buAutoNum type="alphaUcPeriod"/>
-            </a:pPr>
-            <a:r>
-              <a:rPr lang="en-GB" b="1" dirty="0">
-                <a:solidFill>
-                  <a:srgbClr val="00B050"/>
-                </a:solidFill>
-              </a:rPr>
-              <a:t>ab+</a:t>
-            </a:r>
-          </a:p>
-          <a:p>
-            <a:pPr marL="514350" indent="-514350">
-              <a:buFont typeface="+mj-lt"/>
-              <a:buAutoNum type="alphaUcPeriod"/>
-            </a:pPr>
-            <a:r>
-              <a:rPr lang="en-GB" dirty="0" err="1"/>
-              <a:t>a+ab</a:t>
-            </a:r>
-            <a:endParaRPr lang="en-GB" dirty="0"/>
-          </a:p>
-          <a:p>
-            <a:endParaRPr lang="en-SG" dirty="0"/>
-          </a:p>
-        </p:txBody>
-      </p:sp>
-    </p:spTree>
-    <p:extLst>
-      <p:ext uri="{BB962C8B-B14F-4D97-AF65-F5344CB8AC3E}">
-        <p14:creationId xmlns:p14="http://schemas.microsoft.com/office/powerpoint/2010/main" val="4016554108"/>
-      </p:ext>
-    </p:extLst>
-  </p:cSld>
-  <p:clrMapOvr>
-    <a:masterClrMapping/>
-  </p:clrMapOvr>
-</p:sld>
-</file>
-
-<file path=ppt/slides/slide36.xml><?xml version="1.0" encoding="utf-8"?>
-<p:sld xmlns:a="http://schemas.openxmlformats.org/drawingml/2006/main" xmlns:r="http://schemas.openxmlformats.org/officeDocument/2006/relationships" xmlns:p="http://schemas.openxmlformats.org/presentationml/2006/main">
-  <p:cSld>
-    <p:spTree>
-      <p:nvGrpSpPr>
-        <p:cNvPr id="1" name=""/>
-        <p:cNvGrpSpPr/>
-        <p:nvPr/>
-      </p:nvGrpSpPr>
-      <p:grpSpPr>
-        <a:xfrm>
-          <a:off x="0" y="0"/>
-          <a:ext cx="0" cy="0"/>
-          <a:chOff x="0" y="0"/>
-          <a:chExt cx="0" cy="0"/>
-        </a:xfrm>
-      </p:grpSpPr>
-      <p:sp>
-        <p:nvSpPr>
-          <p:cNvPr id="2" name="Title 1">
-            <a:extLst>
-              <a:ext uri="{FF2B5EF4-FFF2-40B4-BE49-F238E27FC236}">
-                <a16:creationId xmlns:a16="http://schemas.microsoft.com/office/drawing/2014/main" id="{0D6A019A-BE67-C453-0E3A-8BA10DE1B846}"/>
-              </a:ext>
-            </a:extLst>
-          </p:cNvPr>
-          <p:cNvSpPr>
-            <a:spLocks noGrp="1"/>
-          </p:cNvSpPr>
-          <p:nvPr>
-            <p:ph type="title"/>
-          </p:nvPr>
-        </p:nvSpPr>
-        <p:spPr/>
-        <p:txBody>
-          <a:bodyPr/>
-          <a:lstStyle/>
-          <a:p>
-            <a:r>
-              <a:rPr lang="en-GB" dirty="0"/>
-              <a:t>Quiz Time!</a:t>
-            </a:r>
-            <a:endParaRPr lang="en-SG" dirty="0"/>
-          </a:p>
-        </p:txBody>
-      </p:sp>
-      <p:sp>
-        <p:nvSpPr>
-          <p:cNvPr id="3" name="Content Placeholder 2">
-            <a:extLst>
-              <a:ext uri="{FF2B5EF4-FFF2-40B4-BE49-F238E27FC236}">
-                <a16:creationId xmlns:a16="http://schemas.microsoft.com/office/drawing/2014/main" id="{98C8E745-17FA-0972-8665-9C637236AA5B}"/>
-              </a:ext>
-            </a:extLst>
-          </p:cNvPr>
-          <p:cNvSpPr>
-            <a:spLocks noGrp="1"/>
-          </p:cNvSpPr>
-          <p:nvPr>
-            <p:ph idx="1"/>
-          </p:nvPr>
-        </p:nvSpPr>
-        <p:spPr/>
-        <p:txBody>
-          <a:bodyPr/>
-          <a:lstStyle/>
-          <a:p>
-            <a:pPr marL="0" indent="0">
-              <a:buNone/>
-            </a:pPr>
-            <a:r>
-              <a:rPr lang="en-GB" dirty="0"/>
-              <a:t>Which of the strings below is considered regular language for the regular expression “a\?b” ? </a:t>
-            </a:r>
-          </a:p>
-          <a:p>
-            <a:pPr marL="514350" indent="-514350">
-              <a:buFont typeface="+mj-lt"/>
-              <a:buAutoNum type="alphaUcPeriod"/>
-            </a:pPr>
-            <a:r>
-              <a:rPr lang="en-GB" dirty="0"/>
-              <a:t>a</a:t>
-            </a:r>
-          </a:p>
-          <a:p>
-            <a:pPr marL="514350" indent="-514350">
-              <a:buFont typeface="+mj-lt"/>
-              <a:buAutoNum type="alphaUcPeriod"/>
-            </a:pPr>
-            <a:r>
-              <a:rPr lang="en-GB" dirty="0"/>
-              <a:t>ab</a:t>
-            </a:r>
-          </a:p>
-          <a:p>
-            <a:pPr marL="514350" indent="-514350">
-              <a:buFont typeface="+mj-lt"/>
-              <a:buAutoNum type="alphaUcPeriod"/>
-            </a:pPr>
-            <a:r>
-              <a:rPr lang="en-GB" dirty="0" err="1"/>
-              <a:t>a?b</a:t>
-            </a:r>
-            <a:endParaRPr lang="en-GB" dirty="0"/>
-          </a:p>
-          <a:p>
-            <a:pPr marL="514350" indent="-514350">
-              <a:buFont typeface="+mj-lt"/>
-              <a:buAutoNum type="alphaUcPeriod"/>
-            </a:pPr>
-            <a:r>
-              <a:rPr lang="en-GB" dirty="0"/>
-              <a:t>a\b</a:t>
-            </a:r>
-          </a:p>
-          <a:p>
-            <a:endParaRPr lang="en-SG" dirty="0"/>
-          </a:p>
-        </p:txBody>
-      </p:sp>
-    </p:spTree>
-    <p:extLst>
-      <p:ext uri="{BB962C8B-B14F-4D97-AF65-F5344CB8AC3E}">
-        <p14:creationId xmlns:p14="http://schemas.microsoft.com/office/powerpoint/2010/main" val="3938870733"/>
-      </p:ext>
-    </p:extLst>
-  </p:cSld>
-  <p:clrMapOvr>
-    <a:masterClrMapping/>
-  </p:clrMapOvr>
-</p:sld>
-</file>
-
-<file path=ppt/slides/slide37.xml><?xml version="1.0" encoding="utf-8"?>
-<p:sld xmlns:a="http://schemas.openxmlformats.org/drawingml/2006/main" xmlns:r="http://schemas.openxmlformats.org/officeDocument/2006/relationships" xmlns:p="http://schemas.openxmlformats.org/presentationml/2006/main">
-  <p:cSld>
-    <p:spTree>
-      <p:nvGrpSpPr>
-        <p:cNvPr id="1" name=""/>
-        <p:cNvGrpSpPr/>
-        <p:nvPr/>
-      </p:nvGrpSpPr>
-      <p:grpSpPr>
-        <a:xfrm>
-          <a:off x="0" y="0"/>
-          <a:ext cx="0" cy="0"/>
-          <a:chOff x="0" y="0"/>
-          <a:chExt cx="0" cy="0"/>
-        </a:xfrm>
-      </p:grpSpPr>
-      <p:sp>
-        <p:nvSpPr>
-          <p:cNvPr id="2" name="Title 1">
-            <a:extLst>
-              <a:ext uri="{FF2B5EF4-FFF2-40B4-BE49-F238E27FC236}">
-                <a16:creationId xmlns:a16="http://schemas.microsoft.com/office/drawing/2014/main" id="{0D6A019A-BE67-C453-0E3A-8BA10DE1B846}"/>
-              </a:ext>
-            </a:extLst>
-          </p:cNvPr>
-          <p:cNvSpPr>
-            <a:spLocks noGrp="1"/>
-          </p:cNvSpPr>
-          <p:nvPr>
-            <p:ph type="title"/>
-          </p:nvPr>
-        </p:nvSpPr>
-        <p:spPr/>
-        <p:txBody>
-          <a:bodyPr/>
-          <a:lstStyle/>
-          <a:p>
-            <a:r>
-              <a:rPr lang="en-GB" dirty="0"/>
-              <a:t>Quiz Time!</a:t>
-            </a:r>
-            <a:endParaRPr lang="en-SG" dirty="0"/>
-          </a:p>
-        </p:txBody>
-      </p:sp>
-      <p:sp>
-        <p:nvSpPr>
-          <p:cNvPr id="3" name="Content Placeholder 2">
-            <a:extLst>
-              <a:ext uri="{FF2B5EF4-FFF2-40B4-BE49-F238E27FC236}">
-                <a16:creationId xmlns:a16="http://schemas.microsoft.com/office/drawing/2014/main" id="{98C8E745-17FA-0972-8665-9C637236AA5B}"/>
-              </a:ext>
-            </a:extLst>
-          </p:cNvPr>
-          <p:cNvSpPr>
-            <a:spLocks noGrp="1"/>
-          </p:cNvSpPr>
-          <p:nvPr>
-            <p:ph idx="1"/>
-          </p:nvPr>
-        </p:nvSpPr>
-        <p:spPr/>
-        <p:txBody>
-          <a:bodyPr/>
-          <a:lstStyle/>
-          <a:p>
-            <a:pPr marL="0" indent="0">
-              <a:buNone/>
-            </a:pPr>
-            <a:r>
-              <a:rPr lang="en-GB" dirty="0"/>
-              <a:t>Which of the strings below is considered regular language for the regular expression “a\?b” ? </a:t>
-            </a:r>
-          </a:p>
-          <a:p>
-            <a:pPr marL="514350" indent="-514350">
-              <a:buFont typeface="+mj-lt"/>
-              <a:buAutoNum type="alphaUcPeriod"/>
-            </a:pPr>
-            <a:r>
-              <a:rPr lang="en-GB" dirty="0"/>
-              <a:t>a</a:t>
-            </a:r>
-          </a:p>
-          <a:p>
-            <a:pPr marL="514350" indent="-514350">
-              <a:buFont typeface="+mj-lt"/>
-              <a:buAutoNum type="alphaUcPeriod"/>
-            </a:pPr>
-            <a:r>
-              <a:rPr lang="en-GB" dirty="0"/>
-              <a:t>ab</a:t>
-            </a:r>
-          </a:p>
-          <a:p>
-            <a:pPr marL="514350" indent="-514350">
-              <a:buFont typeface="+mj-lt"/>
-              <a:buAutoNum type="alphaUcPeriod"/>
-            </a:pPr>
-            <a:r>
-              <a:rPr lang="en-GB" b="1" dirty="0" err="1">
-                <a:solidFill>
-                  <a:srgbClr val="00B050"/>
-                </a:solidFill>
-              </a:rPr>
-              <a:t>a?b</a:t>
-            </a:r>
-            <a:endParaRPr lang="en-GB" b="1" dirty="0">
-              <a:solidFill>
-                <a:srgbClr val="00B050"/>
-              </a:solidFill>
-            </a:endParaRPr>
-          </a:p>
-          <a:p>
-            <a:pPr marL="514350" indent="-514350">
-              <a:buFont typeface="+mj-lt"/>
-              <a:buAutoNum type="alphaUcPeriod"/>
-            </a:pPr>
-            <a:r>
-              <a:rPr lang="en-GB" dirty="0"/>
-              <a:t>a\</a:t>
-            </a:r>
-          </a:p>
-          <a:p>
-            <a:endParaRPr lang="en-SG" dirty="0"/>
-          </a:p>
-        </p:txBody>
-      </p:sp>
-    </p:spTree>
-    <p:extLst>
-      <p:ext uri="{BB962C8B-B14F-4D97-AF65-F5344CB8AC3E}">
-        <p14:creationId xmlns:p14="http://schemas.microsoft.com/office/powerpoint/2010/main" val="3522887232"/>
-      </p:ext>
-    </p:extLst>
-  </p:cSld>
-  <p:clrMapOvr>
-    <a:masterClrMapping/>
-  </p:clrMapOvr>
-</p:sld>
-</file>
-
-<file path=ppt/slides/slide38.xml><?xml version="1.0" encoding="utf-8"?>
-<p:sld xmlns:a="http://schemas.openxmlformats.org/drawingml/2006/main" xmlns:r="http://schemas.openxmlformats.org/officeDocument/2006/relationships" xmlns:p="http://schemas.openxmlformats.org/presentationml/2006/main">
-  <p:cSld>
-    <p:spTree>
-      <p:nvGrpSpPr>
-        <p:cNvPr id="1" name=""/>
-        <p:cNvGrpSpPr/>
-        <p:nvPr/>
-      </p:nvGrpSpPr>
-      <p:grpSpPr>
-        <a:xfrm>
-          <a:off x="0" y="0"/>
-          <a:ext cx="0" cy="0"/>
-          <a:chOff x="0" y="0"/>
-          <a:chExt cx="0" cy="0"/>
-        </a:xfrm>
-      </p:grpSpPr>
-      <p:sp>
-        <p:nvSpPr>
-          <p:cNvPr id="2" name="Title 1">
-            <a:extLst>
-              <a:ext uri="{FF2B5EF4-FFF2-40B4-BE49-F238E27FC236}">
                 <a16:creationId xmlns:a16="http://schemas.microsoft.com/office/drawing/2014/main" id="{2265D66C-8D16-43A8-75E9-89C93BE4152E}"/>
               </a:ext>
             </a:extLst>
@@ -32878,8 +31686,8 @@
           </a:p>
         </p:txBody>
       </p:sp>
-      <mc:AlternateContent xmlns:mc="http://schemas.openxmlformats.org/markup-compatibility/2006">
-        <mc:Choice xmlns:a14="http://schemas.microsoft.com/office/drawing/2010/main" Requires="a14">
+      <mc:AlternateContent xmlns:mc="http://schemas.openxmlformats.org/markup-compatibility/2006" xmlns:a14="http://schemas.microsoft.com/office/drawing/2010/main">
+        <mc:Choice Requires="a14">
           <p:sp>
             <p:nvSpPr>
               <p:cNvPr id="4" name="Content Placeholder 3">
@@ -33158,7 +31966,7 @@
             </p:txBody>
           </p:sp>
         </mc:Choice>
-        <mc:Fallback>
+        <mc:Fallback xmlns="">
           <p:sp>
             <p:nvSpPr>
               <p:cNvPr id="4" name="Content Placeholder 3">
@@ -33211,6 +32019,1207 @@
 </p:sld>
 </file>
 
+<file path=ppt/slides/slide31.xml><?xml version="1.0" encoding="utf-8"?>
+<p:sld xmlns:a="http://schemas.openxmlformats.org/drawingml/2006/main" xmlns:r="http://schemas.openxmlformats.org/officeDocument/2006/relationships" xmlns:p="http://schemas.openxmlformats.org/presentationml/2006/main">
+  <p:cSld>
+    <p:spTree>
+      <p:nvGrpSpPr>
+        <p:cNvPr id="1" name=""/>
+        <p:cNvGrpSpPr/>
+        <p:nvPr/>
+      </p:nvGrpSpPr>
+      <p:grpSpPr>
+        <a:xfrm>
+          <a:off x="0" y="0"/>
+          <a:ext cx="0" cy="0"/>
+          <a:chOff x="0" y="0"/>
+          <a:chExt cx="0" cy="0"/>
+        </a:xfrm>
+      </p:grpSpPr>
+      <p:sp>
+        <p:nvSpPr>
+          <p:cNvPr id="2" name="Title 1">
+            <a:extLst>
+              <a:ext uri="{FF2B5EF4-FFF2-40B4-BE49-F238E27FC236}">
+                <a16:creationId xmlns:a16="http://schemas.microsoft.com/office/drawing/2014/main" id="{7E41C351-BED5-72B4-F58B-BE667FB64318}"/>
+              </a:ext>
+            </a:extLst>
+          </p:cNvPr>
+          <p:cNvSpPr>
+            <a:spLocks noGrp="1"/>
+          </p:cNvSpPr>
+          <p:nvPr>
+            <p:ph type="title"/>
+          </p:nvPr>
+        </p:nvSpPr>
+        <p:spPr/>
+        <p:txBody>
+          <a:bodyPr/>
+          <a:lstStyle/>
+          <a:p>
+            <a:r>
+              <a:rPr lang="en-GB" dirty="0"/>
+              <a:t>Quiz Time!</a:t>
+            </a:r>
+            <a:endParaRPr lang="en-SG" dirty="0"/>
+          </a:p>
+        </p:txBody>
+      </p:sp>
+      <p:sp>
+        <p:nvSpPr>
+          <p:cNvPr id="3" name="Content Placeholder 2">
+            <a:extLst>
+              <a:ext uri="{FF2B5EF4-FFF2-40B4-BE49-F238E27FC236}">
+                <a16:creationId xmlns:a16="http://schemas.microsoft.com/office/drawing/2014/main" id="{0A9CA01A-4500-13DA-32DD-0418598356B9}"/>
+              </a:ext>
+            </a:extLst>
+          </p:cNvPr>
+          <p:cNvSpPr>
+            <a:spLocks noGrp="1"/>
+          </p:cNvSpPr>
+          <p:nvPr>
+            <p:ph idx="1"/>
+          </p:nvPr>
+        </p:nvSpPr>
+        <p:spPr/>
+        <p:txBody>
+          <a:bodyPr/>
+          <a:lstStyle/>
+          <a:p>
+            <a:pPr marL="0" indent="0">
+              <a:buNone/>
+            </a:pPr>
+            <a:r>
+              <a:rPr lang="en-GB" dirty="0"/>
+              <a:t>Which regular expression would match the two strings "cat" and "bat"?</a:t>
+            </a:r>
+          </a:p>
+          <a:p>
+            <a:pPr marL="514350" indent="-514350">
+              <a:buFont typeface="+mj-lt"/>
+              <a:buAutoNum type="alphaUcPeriod"/>
+            </a:pPr>
+            <a:r>
+              <a:rPr lang="en-GB" dirty="0"/>
+              <a:t>(</a:t>
+            </a:r>
+            <a:r>
+              <a:rPr lang="en-GB" dirty="0" err="1"/>
+              <a:t>c|b</a:t>
+            </a:r>
+            <a:r>
+              <a:rPr lang="en-GB" dirty="0"/>
+              <a:t>)at</a:t>
+            </a:r>
+          </a:p>
+          <a:p>
+            <a:pPr marL="514350" indent="-514350">
+              <a:buFont typeface="+mj-lt"/>
+              <a:buAutoNum type="alphaUcPeriod"/>
+            </a:pPr>
+            <a:r>
+              <a:rPr lang="en-GB" dirty="0"/>
+              <a:t>(</a:t>
+            </a:r>
+            <a:r>
+              <a:rPr lang="en-GB" dirty="0" err="1"/>
+              <a:t>c|b</a:t>
+            </a:r>
+            <a:r>
+              <a:rPr lang="en-GB" dirty="0"/>
+              <a:t>)?at</a:t>
+            </a:r>
+          </a:p>
+          <a:p>
+            <a:pPr marL="514350" indent="-514350">
+              <a:buFont typeface="+mj-lt"/>
+              <a:buAutoNum type="alphaUcPeriod"/>
+            </a:pPr>
+            <a:r>
+              <a:rPr lang="en-GB" dirty="0"/>
+              <a:t>(</a:t>
+            </a:r>
+            <a:r>
+              <a:rPr lang="en-GB" dirty="0" err="1"/>
+              <a:t>c+b</a:t>
+            </a:r>
+            <a:r>
+              <a:rPr lang="en-GB" dirty="0"/>
+              <a:t>)at</a:t>
+            </a:r>
+          </a:p>
+          <a:p>
+            <a:pPr marL="514350" indent="-514350">
+              <a:buFont typeface="+mj-lt"/>
+              <a:buAutoNum type="alphaUcPeriod"/>
+            </a:pPr>
+            <a:r>
+              <a:rPr lang="en-GB" dirty="0"/>
+              <a:t>(</a:t>
+            </a:r>
+            <a:r>
+              <a:rPr lang="en-GB" dirty="0" err="1"/>
+              <a:t>c|b</a:t>
+            </a:r>
+            <a:r>
+              <a:rPr lang="en-GB" dirty="0"/>
+              <a:t>)+(at)</a:t>
+            </a:r>
+          </a:p>
+          <a:p>
+            <a:pPr marL="0" indent="0">
+              <a:buNone/>
+            </a:pPr>
+            <a:endParaRPr lang="en-SG" dirty="0"/>
+          </a:p>
+        </p:txBody>
+      </p:sp>
+    </p:spTree>
+    <p:extLst>
+      <p:ext uri="{BB962C8B-B14F-4D97-AF65-F5344CB8AC3E}">
+        <p14:creationId xmlns:p14="http://schemas.microsoft.com/office/powerpoint/2010/main" val="1448790682"/>
+      </p:ext>
+    </p:extLst>
+  </p:cSld>
+  <p:clrMapOvr>
+    <a:masterClrMapping/>
+  </p:clrMapOvr>
+</p:sld>
+</file>
+
+<file path=ppt/slides/slide32.xml><?xml version="1.0" encoding="utf-8"?>
+<p:sld xmlns:a="http://schemas.openxmlformats.org/drawingml/2006/main" xmlns:r="http://schemas.openxmlformats.org/officeDocument/2006/relationships" xmlns:p="http://schemas.openxmlformats.org/presentationml/2006/main">
+  <p:cSld>
+    <p:spTree>
+      <p:nvGrpSpPr>
+        <p:cNvPr id="1" name=""/>
+        <p:cNvGrpSpPr/>
+        <p:nvPr/>
+      </p:nvGrpSpPr>
+      <p:grpSpPr>
+        <a:xfrm>
+          <a:off x="0" y="0"/>
+          <a:ext cx="0" cy="0"/>
+          <a:chOff x="0" y="0"/>
+          <a:chExt cx="0" cy="0"/>
+        </a:xfrm>
+      </p:grpSpPr>
+      <p:sp>
+        <p:nvSpPr>
+          <p:cNvPr id="2" name="Title 1">
+            <a:extLst>
+              <a:ext uri="{FF2B5EF4-FFF2-40B4-BE49-F238E27FC236}">
+                <a16:creationId xmlns:a16="http://schemas.microsoft.com/office/drawing/2014/main" id="{7E41C351-BED5-72B4-F58B-BE667FB64318}"/>
+              </a:ext>
+            </a:extLst>
+          </p:cNvPr>
+          <p:cNvSpPr>
+            <a:spLocks noGrp="1"/>
+          </p:cNvSpPr>
+          <p:nvPr>
+            <p:ph type="title"/>
+          </p:nvPr>
+        </p:nvSpPr>
+        <p:spPr/>
+        <p:txBody>
+          <a:bodyPr/>
+          <a:lstStyle/>
+          <a:p>
+            <a:r>
+              <a:rPr lang="en-GB" dirty="0"/>
+              <a:t>Quiz Time!</a:t>
+            </a:r>
+            <a:endParaRPr lang="en-SG" dirty="0"/>
+          </a:p>
+        </p:txBody>
+      </p:sp>
+      <p:sp>
+        <p:nvSpPr>
+          <p:cNvPr id="3" name="Content Placeholder 2">
+            <a:extLst>
+              <a:ext uri="{FF2B5EF4-FFF2-40B4-BE49-F238E27FC236}">
+                <a16:creationId xmlns:a16="http://schemas.microsoft.com/office/drawing/2014/main" id="{0A9CA01A-4500-13DA-32DD-0418598356B9}"/>
+              </a:ext>
+            </a:extLst>
+          </p:cNvPr>
+          <p:cNvSpPr>
+            <a:spLocks noGrp="1"/>
+          </p:cNvSpPr>
+          <p:nvPr>
+            <p:ph idx="1"/>
+          </p:nvPr>
+        </p:nvSpPr>
+        <p:spPr/>
+        <p:txBody>
+          <a:bodyPr/>
+          <a:lstStyle/>
+          <a:p>
+            <a:pPr marL="0" indent="0">
+              <a:buNone/>
+            </a:pPr>
+            <a:r>
+              <a:rPr lang="en-GB" dirty="0"/>
+              <a:t>Which regular expression would match the two strings "cat" and "bat"?</a:t>
+            </a:r>
+          </a:p>
+          <a:p>
+            <a:pPr marL="514350" indent="-514350">
+              <a:buFont typeface="+mj-lt"/>
+              <a:buAutoNum type="alphaUcPeriod"/>
+            </a:pPr>
+            <a:r>
+              <a:rPr lang="en-GB" b="1" dirty="0">
+                <a:solidFill>
+                  <a:srgbClr val="00B050"/>
+                </a:solidFill>
+              </a:rPr>
+              <a:t>(</a:t>
+            </a:r>
+            <a:r>
+              <a:rPr lang="en-GB" b="1" dirty="0" err="1">
+                <a:solidFill>
+                  <a:srgbClr val="00B050"/>
+                </a:solidFill>
+              </a:rPr>
+              <a:t>c|b</a:t>
+            </a:r>
+            <a:r>
+              <a:rPr lang="en-GB" b="1" dirty="0">
+                <a:solidFill>
+                  <a:srgbClr val="00B050"/>
+                </a:solidFill>
+              </a:rPr>
+              <a:t>)at</a:t>
+            </a:r>
+          </a:p>
+          <a:p>
+            <a:pPr marL="514350" indent="-514350">
+              <a:buFont typeface="+mj-lt"/>
+              <a:buAutoNum type="alphaUcPeriod"/>
+            </a:pPr>
+            <a:r>
+              <a:rPr lang="en-GB" dirty="0"/>
+              <a:t>(</a:t>
+            </a:r>
+            <a:r>
+              <a:rPr lang="en-GB" dirty="0" err="1"/>
+              <a:t>c|b</a:t>
+            </a:r>
+            <a:r>
+              <a:rPr lang="en-GB" dirty="0"/>
+              <a:t>)?at</a:t>
+            </a:r>
+          </a:p>
+          <a:p>
+            <a:pPr marL="514350" indent="-514350">
+              <a:buFont typeface="+mj-lt"/>
+              <a:buAutoNum type="alphaUcPeriod"/>
+            </a:pPr>
+            <a:r>
+              <a:rPr lang="en-GB" dirty="0"/>
+              <a:t>(</a:t>
+            </a:r>
+            <a:r>
+              <a:rPr lang="en-GB" dirty="0" err="1"/>
+              <a:t>c+b</a:t>
+            </a:r>
+            <a:r>
+              <a:rPr lang="en-GB" dirty="0"/>
+              <a:t>)at</a:t>
+            </a:r>
+          </a:p>
+          <a:p>
+            <a:pPr marL="514350" indent="-514350">
+              <a:buFont typeface="+mj-lt"/>
+              <a:buAutoNum type="alphaUcPeriod"/>
+            </a:pPr>
+            <a:r>
+              <a:rPr lang="en-GB" dirty="0"/>
+              <a:t>(</a:t>
+            </a:r>
+            <a:r>
+              <a:rPr lang="en-GB" dirty="0" err="1"/>
+              <a:t>c|b</a:t>
+            </a:r>
+            <a:r>
+              <a:rPr lang="en-GB" dirty="0"/>
+              <a:t>)+at</a:t>
+            </a:r>
+          </a:p>
+          <a:p>
+            <a:pPr marL="0" indent="0">
+              <a:buNone/>
+            </a:pPr>
+            <a:r>
+              <a:rPr lang="en-GB" i="1" dirty="0"/>
+              <a:t>(Some others could work but they are terrible malpractice, so not going to accept them)</a:t>
+            </a:r>
+          </a:p>
+          <a:p>
+            <a:pPr marL="0" indent="0">
+              <a:buNone/>
+            </a:pPr>
+            <a:endParaRPr lang="en-SG" dirty="0"/>
+          </a:p>
+        </p:txBody>
+      </p:sp>
+    </p:spTree>
+    <p:extLst>
+      <p:ext uri="{BB962C8B-B14F-4D97-AF65-F5344CB8AC3E}">
+        <p14:creationId xmlns:p14="http://schemas.microsoft.com/office/powerpoint/2010/main" val="110232736"/>
+      </p:ext>
+    </p:extLst>
+  </p:cSld>
+  <p:clrMapOvr>
+    <a:masterClrMapping/>
+  </p:clrMapOvr>
+</p:sld>
+</file>
+
+<file path=ppt/slides/slide33.xml><?xml version="1.0" encoding="utf-8"?>
+<p:sld xmlns:a="http://schemas.openxmlformats.org/drawingml/2006/main" xmlns:r="http://schemas.openxmlformats.org/officeDocument/2006/relationships" xmlns:p="http://schemas.openxmlformats.org/presentationml/2006/main">
+  <p:cSld>
+    <p:spTree>
+      <p:nvGrpSpPr>
+        <p:cNvPr id="1" name=""/>
+        <p:cNvGrpSpPr/>
+        <p:nvPr/>
+      </p:nvGrpSpPr>
+      <p:grpSpPr>
+        <a:xfrm>
+          <a:off x="0" y="0"/>
+          <a:ext cx="0" cy="0"/>
+          <a:chOff x="0" y="0"/>
+          <a:chExt cx="0" cy="0"/>
+        </a:xfrm>
+      </p:grpSpPr>
+      <p:sp>
+        <p:nvSpPr>
+          <p:cNvPr id="2" name="Title 1">
+            <a:extLst>
+              <a:ext uri="{FF2B5EF4-FFF2-40B4-BE49-F238E27FC236}">
+                <a16:creationId xmlns:a16="http://schemas.microsoft.com/office/drawing/2014/main" id="{7E41C351-BED5-72B4-F58B-BE667FB64318}"/>
+              </a:ext>
+            </a:extLst>
+          </p:cNvPr>
+          <p:cNvSpPr>
+            <a:spLocks noGrp="1"/>
+          </p:cNvSpPr>
+          <p:nvPr>
+            <p:ph type="title"/>
+          </p:nvPr>
+        </p:nvSpPr>
+        <p:spPr/>
+        <p:txBody>
+          <a:bodyPr/>
+          <a:lstStyle/>
+          <a:p>
+            <a:r>
+              <a:rPr lang="en-GB" dirty="0"/>
+              <a:t>Quiz Time!</a:t>
+            </a:r>
+            <a:endParaRPr lang="en-SG" dirty="0"/>
+          </a:p>
+        </p:txBody>
+      </p:sp>
+      <p:sp>
+        <p:nvSpPr>
+          <p:cNvPr id="3" name="Content Placeholder 2">
+            <a:extLst>
+              <a:ext uri="{FF2B5EF4-FFF2-40B4-BE49-F238E27FC236}">
+                <a16:creationId xmlns:a16="http://schemas.microsoft.com/office/drawing/2014/main" id="{0A9CA01A-4500-13DA-32DD-0418598356B9}"/>
+              </a:ext>
+            </a:extLst>
+          </p:cNvPr>
+          <p:cNvSpPr>
+            <a:spLocks noGrp="1"/>
+          </p:cNvSpPr>
+          <p:nvPr>
+            <p:ph idx="1"/>
+          </p:nvPr>
+        </p:nvSpPr>
+        <p:spPr/>
+        <p:txBody>
+          <a:bodyPr/>
+          <a:lstStyle/>
+          <a:p>
+            <a:pPr marL="0" indent="0">
+              <a:buNone/>
+            </a:pPr>
+            <a:r>
+              <a:rPr lang="en-GB" dirty="0"/>
+              <a:t>What does the Kleene star (*) operator represent in regular expressions?</a:t>
+            </a:r>
+          </a:p>
+          <a:p>
+            <a:pPr marL="514350" indent="-514350">
+              <a:buFont typeface="+mj-lt"/>
+              <a:buAutoNum type="alphaUcPeriod"/>
+            </a:pPr>
+            <a:r>
+              <a:rPr lang="en-GB" dirty="0"/>
+              <a:t>Match exactly one character</a:t>
+            </a:r>
+          </a:p>
+          <a:p>
+            <a:pPr marL="514350" indent="-514350">
+              <a:buFont typeface="+mj-lt"/>
+              <a:buAutoNum type="alphaUcPeriod"/>
+            </a:pPr>
+            <a:r>
+              <a:rPr lang="en-GB" dirty="0"/>
+              <a:t>Match zero or more repetitions of a character</a:t>
+            </a:r>
+          </a:p>
+          <a:p>
+            <a:pPr marL="514350" indent="-514350">
+              <a:buFont typeface="+mj-lt"/>
+              <a:buAutoNum type="alphaUcPeriod"/>
+            </a:pPr>
+            <a:r>
+              <a:rPr lang="en-GB" dirty="0"/>
+              <a:t>Match one or more repetitions of a character</a:t>
+            </a:r>
+          </a:p>
+          <a:p>
+            <a:pPr marL="514350" indent="-514350">
+              <a:buFont typeface="+mj-lt"/>
+              <a:buAutoNum type="alphaUcPeriod"/>
+            </a:pPr>
+            <a:r>
+              <a:rPr lang="en-GB" dirty="0"/>
+              <a:t>Match any single character</a:t>
+            </a:r>
+          </a:p>
+          <a:p>
+            <a:pPr marL="0" indent="0">
+              <a:buNone/>
+            </a:pPr>
+            <a:endParaRPr lang="en-SG" dirty="0"/>
+          </a:p>
+        </p:txBody>
+      </p:sp>
+    </p:spTree>
+    <p:extLst>
+      <p:ext uri="{BB962C8B-B14F-4D97-AF65-F5344CB8AC3E}">
+        <p14:creationId xmlns:p14="http://schemas.microsoft.com/office/powerpoint/2010/main" val="1237963508"/>
+      </p:ext>
+    </p:extLst>
+  </p:cSld>
+  <p:clrMapOvr>
+    <a:masterClrMapping/>
+  </p:clrMapOvr>
+</p:sld>
+</file>
+
+<file path=ppt/slides/slide34.xml><?xml version="1.0" encoding="utf-8"?>
+<p:sld xmlns:a="http://schemas.openxmlformats.org/drawingml/2006/main" xmlns:r="http://schemas.openxmlformats.org/officeDocument/2006/relationships" xmlns:p="http://schemas.openxmlformats.org/presentationml/2006/main">
+  <p:cSld>
+    <p:spTree>
+      <p:nvGrpSpPr>
+        <p:cNvPr id="1" name=""/>
+        <p:cNvGrpSpPr/>
+        <p:nvPr/>
+      </p:nvGrpSpPr>
+      <p:grpSpPr>
+        <a:xfrm>
+          <a:off x="0" y="0"/>
+          <a:ext cx="0" cy="0"/>
+          <a:chOff x="0" y="0"/>
+          <a:chExt cx="0" cy="0"/>
+        </a:xfrm>
+      </p:grpSpPr>
+      <p:sp>
+        <p:nvSpPr>
+          <p:cNvPr id="2" name="Title 1">
+            <a:extLst>
+              <a:ext uri="{FF2B5EF4-FFF2-40B4-BE49-F238E27FC236}">
+                <a16:creationId xmlns:a16="http://schemas.microsoft.com/office/drawing/2014/main" id="{7E41C351-BED5-72B4-F58B-BE667FB64318}"/>
+              </a:ext>
+            </a:extLst>
+          </p:cNvPr>
+          <p:cNvSpPr>
+            <a:spLocks noGrp="1"/>
+          </p:cNvSpPr>
+          <p:nvPr>
+            <p:ph type="title"/>
+          </p:nvPr>
+        </p:nvSpPr>
+        <p:spPr/>
+        <p:txBody>
+          <a:bodyPr/>
+          <a:lstStyle/>
+          <a:p>
+            <a:r>
+              <a:rPr lang="en-GB" dirty="0"/>
+              <a:t>Quiz Time!</a:t>
+            </a:r>
+            <a:endParaRPr lang="en-SG" dirty="0"/>
+          </a:p>
+        </p:txBody>
+      </p:sp>
+      <p:sp>
+        <p:nvSpPr>
+          <p:cNvPr id="3" name="Content Placeholder 2">
+            <a:extLst>
+              <a:ext uri="{FF2B5EF4-FFF2-40B4-BE49-F238E27FC236}">
+                <a16:creationId xmlns:a16="http://schemas.microsoft.com/office/drawing/2014/main" id="{0A9CA01A-4500-13DA-32DD-0418598356B9}"/>
+              </a:ext>
+            </a:extLst>
+          </p:cNvPr>
+          <p:cNvSpPr>
+            <a:spLocks noGrp="1"/>
+          </p:cNvSpPr>
+          <p:nvPr>
+            <p:ph idx="1"/>
+          </p:nvPr>
+        </p:nvSpPr>
+        <p:spPr/>
+        <p:txBody>
+          <a:bodyPr/>
+          <a:lstStyle/>
+          <a:p>
+            <a:pPr marL="0" indent="0">
+              <a:buNone/>
+            </a:pPr>
+            <a:r>
+              <a:rPr lang="en-GB" dirty="0"/>
+              <a:t>What does the Kleene star (*) operator represent in regular expressions?</a:t>
+            </a:r>
+          </a:p>
+          <a:p>
+            <a:pPr marL="514350" indent="-514350">
+              <a:buFont typeface="+mj-lt"/>
+              <a:buAutoNum type="alphaUcPeriod"/>
+            </a:pPr>
+            <a:r>
+              <a:rPr lang="en-GB" dirty="0"/>
+              <a:t>Match exactly one character</a:t>
+            </a:r>
+          </a:p>
+          <a:p>
+            <a:pPr marL="514350" indent="-514350">
+              <a:buFont typeface="+mj-lt"/>
+              <a:buAutoNum type="alphaUcPeriod"/>
+            </a:pPr>
+            <a:r>
+              <a:rPr lang="en-GB" b="1" dirty="0">
+                <a:solidFill>
+                  <a:srgbClr val="00B050"/>
+                </a:solidFill>
+              </a:rPr>
+              <a:t>Match zero or more repetitions of a character</a:t>
+            </a:r>
+          </a:p>
+          <a:p>
+            <a:pPr marL="514350" indent="-514350">
+              <a:buFont typeface="+mj-lt"/>
+              <a:buAutoNum type="alphaUcPeriod"/>
+            </a:pPr>
+            <a:r>
+              <a:rPr lang="en-GB" dirty="0"/>
+              <a:t>Match one or more repetitions of a character</a:t>
+            </a:r>
+          </a:p>
+          <a:p>
+            <a:pPr marL="514350" indent="-514350">
+              <a:buFont typeface="+mj-lt"/>
+              <a:buAutoNum type="alphaUcPeriod"/>
+            </a:pPr>
+            <a:r>
+              <a:rPr lang="en-GB" dirty="0"/>
+              <a:t>Match any single character</a:t>
+            </a:r>
+          </a:p>
+          <a:p>
+            <a:pPr marL="0" indent="0">
+              <a:buNone/>
+            </a:pPr>
+            <a:endParaRPr lang="en-SG" dirty="0"/>
+          </a:p>
+        </p:txBody>
+      </p:sp>
+    </p:spTree>
+    <p:extLst>
+      <p:ext uri="{BB962C8B-B14F-4D97-AF65-F5344CB8AC3E}">
+        <p14:creationId xmlns:p14="http://schemas.microsoft.com/office/powerpoint/2010/main" val="1417587332"/>
+      </p:ext>
+    </p:extLst>
+  </p:cSld>
+  <p:clrMapOvr>
+    <a:masterClrMapping/>
+  </p:clrMapOvr>
+</p:sld>
+</file>
+
+<file path=ppt/slides/slide35.xml><?xml version="1.0" encoding="utf-8"?>
+<p:sld xmlns:a="http://schemas.openxmlformats.org/drawingml/2006/main" xmlns:r="http://schemas.openxmlformats.org/officeDocument/2006/relationships" xmlns:p="http://schemas.openxmlformats.org/presentationml/2006/main">
+  <p:cSld>
+    <p:spTree>
+      <p:nvGrpSpPr>
+        <p:cNvPr id="1" name=""/>
+        <p:cNvGrpSpPr/>
+        <p:nvPr/>
+      </p:nvGrpSpPr>
+      <p:grpSpPr>
+        <a:xfrm>
+          <a:off x="0" y="0"/>
+          <a:ext cx="0" cy="0"/>
+          <a:chOff x="0" y="0"/>
+          <a:chExt cx="0" cy="0"/>
+        </a:xfrm>
+      </p:grpSpPr>
+      <p:sp>
+        <p:nvSpPr>
+          <p:cNvPr id="2" name="Title 1">
+            <a:extLst>
+              <a:ext uri="{FF2B5EF4-FFF2-40B4-BE49-F238E27FC236}">
+                <a16:creationId xmlns:a16="http://schemas.microsoft.com/office/drawing/2014/main" id="{0D6A019A-BE67-C453-0E3A-8BA10DE1B846}"/>
+              </a:ext>
+            </a:extLst>
+          </p:cNvPr>
+          <p:cNvSpPr>
+            <a:spLocks noGrp="1"/>
+          </p:cNvSpPr>
+          <p:nvPr>
+            <p:ph type="title"/>
+          </p:nvPr>
+        </p:nvSpPr>
+        <p:spPr/>
+        <p:txBody>
+          <a:bodyPr/>
+          <a:lstStyle/>
+          <a:p>
+            <a:r>
+              <a:rPr lang="en-GB" dirty="0"/>
+              <a:t>Quiz Time!</a:t>
+            </a:r>
+            <a:endParaRPr lang="en-SG" dirty="0"/>
+          </a:p>
+        </p:txBody>
+      </p:sp>
+      <p:sp>
+        <p:nvSpPr>
+          <p:cNvPr id="3" name="Content Placeholder 2">
+            <a:extLst>
+              <a:ext uri="{FF2B5EF4-FFF2-40B4-BE49-F238E27FC236}">
+                <a16:creationId xmlns:a16="http://schemas.microsoft.com/office/drawing/2014/main" id="{98C8E745-17FA-0972-8665-9C637236AA5B}"/>
+              </a:ext>
+            </a:extLst>
+          </p:cNvPr>
+          <p:cNvSpPr>
+            <a:spLocks noGrp="1"/>
+          </p:cNvSpPr>
+          <p:nvPr>
+            <p:ph idx="1"/>
+          </p:nvPr>
+        </p:nvSpPr>
+        <p:spPr/>
+        <p:txBody>
+          <a:bodyPr/>
+          <a:lstStyle/>
+          <a:p>
+            <a:pPr marL="0" indent="0">
+              <a:buNone/>
+            </a:pPr>
+            <a:r>
+              <a:rPr lang="en-GB" dirty="0"/>
+              <a:t>Which regular expression would match the strings "ab", "abb", "</a:t>
+            </a:r>
+            <a:r>
+              <a:rPr lang="en-GB" dirty="0" err="1"/>
+              <a:t>abbb</a:t>
+            </a:r>
+            <a:r>
+              <a:rPr lang="en-GB" dirty="0"/>
+              <a:t>", and so on, but no other strings?</a:t>
+            </a:r>
+          </a:p>
+          <a:p>
+            <a:pPr marL="514350" indent="-514350">
+              <a:buFont typeface="+mj-lt"/>
+              <a:buAutoNum type="alphaUcPeriod"/>
+            </a:pPr>
+            <a:r>
+              <a:rPr lang="en-GB" dirty="0"/>
+              <a:t>abb*</a:t>
+            </a:r>
+          </a:p>
+          <a:p>
+            <a:pPr marL="514350" indent="-514350">
+              <a:buFont typeface="+mj-lt"/>
+              <a:buAutoNum type="alphaUcPeriod"/>
+            </a:pPr>
+            <a:r>
+              <a:rPr lang="en-GB" dirty="0"/>
+              <a:t>ab</a:t>
+            </a:r>
+          </a:p>
+          <a:p>
+            <a:pPr marL="514350" indent="-514350">
+              <a:buFont typeface="+mj-lt"/>
+              <a:buAutoNum type="alphaUcPeriod"/>
+            </a:pPr>
+            <a:r>
+              <a:rPr lang="en-GB" dirty="0"/>
+              <a:t>ab+</a:t>
+            </a:r>
+          </a:p>
+          <a:p>
+            <a:pPr marL="514350" indent="-514350">
+              <a:buFont typeface="+mj-lt"/>
+              <a:buAutoNum type="alphaUcPeriod"/>
+            </a:pPr>
+            <a:r>
+              <a:rPr lang="en-GB" dirty="0" err="1"/>
+              <a:t>a+ab</a:t>
+            </a:r>
+            <a:endParaRPr lang="en-GB" dirty="0"/>
+          </a:p>
+          <a:p>
+            <a:endParaRPr lang="en-SG" dirty="0"/>
+          </a:p>
+        </p:txBody>
+      </p:sp>
+    </p:spTree>
+    <p:extLst>
+      <p:ext uri="{BB962C8B-B14F-4D97-AF65-F5344CB8AC3E}">
+        <p14:creationId xmlns:p14="http://schemas.microsoft.com/office/powerpoint/2010/main" val="512281156"/>
+      </p:ext>
+    </p:extLst>
+  </p:cSld>
+  <p:clrMapOvr>
+    <a:masterClrMapping/>
+  </p:clrMapOvr>
+</p:sld>
+</file>
+
+<file path=ppt/slides/slide36.xml><?xml version="1.0" encoding="utf-8"?>
+<p:sld xmlns:a="http://schemas.openxmlformats.org/drawingml/2006/main" xmlns:r="http://schemas.openxmlformats.org/officeDocument/2006/relationships" xmlns:p="http://schemas.openxmlformats.org/presentationml/2006/main">
+  <p:cSld>
+    <p:spTree>
+      <p:nvGrpSpPr>
+        <p:cNvPr id="1" name=""/>
+        <p:cNvGrpSpPr/>
+        <p:nvPr/>
+      </p:nvGrpSpPr>
+      <p:grpSpPr>
+        <a:xfrm>
+          <a:off x="0" y="0"/>
+          <a:ext cx="0" cy="0"/>
+          <a:chOff x="0" y="0"/>
+          <a:chExt cx="0" cy="0"/>
+        </a:xfrm>
+      </p:grpSpPr>
+      <p:sp>
+        <p:nvSpPr>
+          <p:cNvPr id="2" name="Title 1">
+            <a:extLst>
+              <a:ext uri="{FF2B5EF4-FFF2-40B4-BE49-F238E27FC236}">
+                <a16:creationId xmlns:a16="http://schemas.microsoft.com/office/drawing/2014/main" id="{0D6A019A-BE67-C453-0E3A-8BA10DE1B846}"/>
+              </a:ext>
+            </a:extLst>
+          </p:cNvPr>
+          <p:cNvSpPr>
+            <a:spLocks noGrp="1"/>
+          </p:cNvSpPr>
+          <p:nvPr>
+            <p:ph type="title"/>
+          </p:nvPr>
+        </p:nvSpPr>
+        <p:spPr/>
+        <p:txBody>
+          <a:bodyPr/>
+          <a:lstStyle/>
+          <a:p>
+            <a:r>
+              <a:rPr lang="en-GB" dirty="0"/>
+              <a:t>Quiz Time!</a:t>
+            </a:r>
+            <a:endParaRPr lang="en-SG" dirty="0"/>
+          </a:p>
+        </p:txBody>
+      </p:sp>
+      <p:sp>
+        <p:nvSpPr>
+          <p:cNvPr id="3" name="Content Placeholder 2">
+            <a:extLst>
+              <a:ext uri="{FF2B5EF4-FFF2-40B4-BE49-F238E27FC236}">
+                <a16:creationId xmlns:a16="http://schemas.microsoft.com/office/drawing/2014/main" id="{98C8E745-17FA-0972-8665-9C637236AA5B}"/>
+              </a:ext>
+            </a:extLst>
+          </p:cNvPr>
+          <p:cNvSpPr>
+            <a:spLocks noGrp="1"/>
+          </p:cNvSpPr>
+          <p:nvPr>
+            <p:ph idx="1"/>
+          </p:nvPr>
+        </p:nvSpPr>
+        <p:spPr/>
+        <p:txBody>
+          <a:bodyPr/>
+          <a:lstStyle/>
+          <a:p>
+            <a:pPr marL="0" indent="0">
+              <a:buNone/>
+            </a:pPr>
+            <a:r>
+              <a:rPr lang="en-GB" dirty="0"/>
+              <a:t>Which regular expression would match the strings "ab", "abb", "</a:t>
+            </a:r>
+            <a:r>
+              <a:rPr lang="en-GB" dirty="0" err="1"/>
+              <a:t>abbb</a:t>
+            </a:r>
+            <a:r>
+              <a:rPr lang="en-GB" dirty="0"/>
+              <a:t>", and so on, but no other strings?</a:t>
+            </a:r>
+          </a:p>
+          <a:p>
+            <a:pPr marL="514350" indent="-514350">
+              <a:buFont typeface="+mj-lt"/>
+              <a:buAutoNum type="alphaUcPeriod"/>
+            </a:pPr>
+            <a:r>
+              <a:rPr lang="en-GB" b="1" dirty="0">
+                <a:solidFill>
+                  <a:srgbClr val="00B050"/>
+                </a:solidFill>
+              </a:rPr>
+              <a:t>abb* (but is considered malpractice)</a:t>
+            </a:r>
+          </a:p>
+          <a:p>
+            <a:pPr marL="514350" indent="-514350">
+              <a:buFont typeface="+mj-lt"/>
+              <a:buAutoNum type="alphaUcPeriod"/>
+            </a:pPr>
+            <a:r>
+              <a:rPr lang="en-GB" dirty="0"/>
+              <a:t>ab</a:t>
+            </a:r>
+          </a:p>
+          <a:p>
+            <a:pPr marL="514350" indent="-514350">
+              <a:buFont typeface="+mj-lt"/>
+              <a:buAutoNum type="alphaUcPeriod"/>
+            </a:pPr>
+            <a:r>
+              <a:rPr lang="en-GB" b="1" dirty="0">
+                <a:solidFill>
+                  <a:srgbClr val="00B050"/>
+                </a:solidFill>
+              </a:rPr>
+              <a:t>ab+</a:t>
+            </a:r>
+          </a:p>
+          <a:p>
+            <a:pPr marL="514350" indent="-514350">
+              <a:buFont typeface="+mj-lt"/>
+              <a:buAutoNum type="alphaUcPeriod"/>
+            </a:pPr>
+            <a:r>
+              <a:rPr lang="en-GB" dirty="0" err="1"/>
+              <a:t>a+ab</a:t>
+            </a:r>
+            <a:endParaRPr lang="en-GB" dirty="0"/>
+          </a:p>
+          <a:p>
+            <a:endParaRPr lang="en-SG" dirty="0"/>
+          </a:p>
+        </p:txBody>
+      </p:sp>
+    </p:spTree>
+    <p:extLst>
+      <p:ext uri="{BB962C8B-B14F-4D97-AF65-F5344CB8AC3E}">
+        <p14:creationId xmlns:p14="http://schemas.microsoft.com/office/powerpoint/2010/main" val="4016554108"/>
+      </p:ext>
+    </p:extLst>
+  </p:cSld>
+  <p:clrMapOvr>
+    <a:masterClrMapping/>
+  </p:clrMapOvr>
+</p:sld>
+</file>
+
+<file path=ppt/slides/slide37.xml><?xml version="1.0" encoding="utf-8"?>
+<p:sld xmlns:a="http://schemas.openxmlformats.org/drawingml/2006/main" xmlns:r="http://schemas.openxmlformats.org/officeDocument/2006/relationships" xmlns:p="http://schemas.openxmlformats.org/presentationml/2006/main">
+  <p:cSld>
+    <p:spTree>
+      <p:nvGrpSpPr>
+        <p:cNvPr id="1" name=""/>
+        <p:cNvGrpSpPr/>
+        <p:nvPr/>
+      </p:nvGrpSpPr>
+      <p:grpSpPr>
+        <a:xfrm>
+          <a:off x="0" y="0"/>
+          <a:ext cx="0" cy="0"/>
+          <a:chOff x="0" y="0"/>
+          <a:chExt cx="0" cy="0"/>
+        </a:xfrm>
+      </p:grpSpPr>
+      <p:sp>
+        <p:nvSpPr>
+          <p:cNvPr id="2" name="Title 1">
+            <a:extLst>
+              <a:ext uri="{FF2B5EF4-FFF2-40B4-BE49-F238E27FC236}">
+                <a16:creationId xmlns:a16="http://schemas.microsoft.com/office/drawing/2014/main" id="{0D6A019A-BE67-C453-0E3A-8BA10DE1B846}"/>
+              </a:ext>
+            </a:extLst>
+          </p:cNvPr>
+          <p:cNvSpPr>
+            <a:spLocks noGrp="1"/>
+          </p:cNvSpPr>
+          <p:nvPr>
+            <p:ph type="title"/>
+          </p:nvPr>
+        </p:nvSpPr>
+        <p:spPr/>
+        <p:txBody>
+          <a:bodyPr/>
+          <a:lstStyle/>
+          <a:p>
+            <a:r>
+              <a:rPr lang="en-GB" dirty="0"/>
+              <a:t>Quiz Time!</a:t>
+            </a:r>
+            <a:endParaRPr lang="en-SG" dirty="0"/>
+          </a:p>
+        </p:txBody>
+      </p:sp>
+      <p:sp>
+        <p:nvSpPr>
+          <p:cNvPr id="3" name="Content Placeholder 2">
+            <a:extLst>
+              <a:ext uri="{FF2B5EF4-FFF2-40B4-BE49-F238E27FC236}">
+                <a16:creationId xmlns:a16="http://schemas.microsoft.com/office/drawing/2014/main" id="{98C8E745-17FA-0972-8665-9C637236AA5B}"/>
+              </a:ext>
+            </a:extLst>
+          </p:cNvPr>
+          <p:cNvSpPr>
+            <a:spLocks noGrp="1"/>
+          </p:cNvSpPr>
+          <p:nvPr>
+            <p:ph idx="1"/>
+          </p:nvPr>
+        </p:nvSpPr>
+        <p:spPr/>
+        <p:txBody>
+          <a:bodyPr/>
+          <a:lstStyle/>
+          <a:p>
+            <a:pPr marL="0" indent="0">
+              <a:buNone/>
+            </a:pPr>
+            <a:r>
+              <a:rPr lang="en-GB" dirty="0"/>
+              <a:t>Which of the strings below is considered regular language for the regular expression “a\?b” ? </a:t>
+            </a:r>
+          </a:p>
+          <a:p>
+            <a:pPr marL="514350" indent="-514350">
+              <a:buFont typeface="+mj-lt"/>
+              <a:buAutoNum type="alphaUcPeriod"/>
+            </a:pPr>
+            <a:r>
+              <a:rPr lang="en-GB" dirty="0"/>
+              <a:t>a</a:t>
+            </a:r>
+          </a:p>
+          <a:p>
+            <a:pPr marL="514350" indent="-514350">
+              <a:buFont typeface="+mj-lt"/>
+              <a:buAutoNum type="alphaUcPeriod"/>
+            </a:pPr>
+            <a:r>
+              <a:rPr lang="en-GB" dirty="0"/>
+              <a:t>ab</a:t>
+            </a:r>
+          </a:p>
+          <a:p>
+            <a:pPr marL="514350" indent="-514350">
+              <a:buFont typeface="+mj-lt"/>
+              <a:buAutoNum type="alphaUcPeriod"/>
+            </a:pPr>
+            <a:r>
+              <a:rPr lang="en-GB" dirty="0" err="1"/>
+              <a:t>a?b</a:t>
+            </a:r>
+            <a:endParaRPr lang="en-GB" dirty="0"/>
+          </a:p>
+          <a:p>
+            <a:pPr marL="514350" indent="-514350">
+              <a:buFont typeface="+mj-lt"/>
+              <a:buAutoNum type="alphaUcPeriod"/>
+            </a:pPr>
+            <a:r>
+              <a:rPr lang="en-GB" dirty="0"/>
+              <a:t>a\b</a:t>
+            </a:r>
+          </a:p>
+          <a:p>
+            <a:endParaRPr lang="en-SG" dirty="0"/>
+          </a:p>
+        </p:txBody>
+      </p:sp>
+    </p:spTree>
+    <p:extLst>
+      <p:ext uri="{BB962C8B-B14F-4D97-AF65-F5344CB8AC3E}">
+        <p14:creationId xmlns:p14="http://schemas.microsoft.com/office/powerpoint/2010/main" val="3938870733"/>
+      </p:ext>
+    </p:extLst>
+  </p:cSld>
+  <p:clrMapOvr>
+    <a:masterClrMapping/>
+  </p:clrMapOvr>
+</p:sld>
+</file>
+
+<file path=ppt/slides/slide38.xml><?xml version="1.0" encoding="utf-8"?>
+<p:sld xmlns:a="http://schemas.openxmlformats.org/drawingml/2006/main" xmlns:r="http://schemas.openxmlformats.org/officeDocument/2006/relationships" xmlns:p="http://schemas.openxmlformats.org/presentationml/2006/main">
+  <p:cSld>
+    <p:spTree>
+      <p:nvGrpSpPr>
+        <p:cNvPr id="1" name=""/>
+        <p:cNvGrpSpPr/>
+        <p:nvPr/>
+      </p:nvGrpSpPr>
+      <p:grpSpPr>
+        <a:xfrm>
+          <a:off x="0" y="0"/>
+          <a:ext cx="0" cy="0"/>
+          <a:chOff x="0" y="0"/>
+          <a:chExt cx="0" cy="0"/>
+        </a:xfrm>
+      </p:grpSpPr>
+      <p:sp>
+        <p:nvSpPr>
+          <p:cNvPr id="2" name="Title 1">
+            <a:extLst>
+              <a:ext uri="{FF2B5EF4-FFF2-40B4-BE49-F238E27FC236}">
+                <a16:creationId xmlns:a16="http://schemas.microsoft.com/office/drawing/2014/main" id="{0D6A019A-BE67-C453-0E3A-8BA10DE1B846}"/>
+              </a:ext>
+            </a:extLst>
+          </p:cNvPr>
+          <p:cNvSpPr>
+            <a:spLocks noGrp="1"/>
+          </p:cNvSpPr>
+          <p:nvPr>
+            <p:ph type="title"/>
+          </p:nvPr>
+        </p:nvSpPr>
+        <p:spPr/>
+        <p:txBody>
+          <a:bodyPr/>
+          <a:lstStyle/>
+          <a:p>
+            <a:r>
+              <a:rPr lang="en-GB" dirty="0"/>
+              <a:t>Quiz Time!</a:t>
+            </a:r>
+            <a:endParaRPr lang="en-SG" dirty="0"/>
+          </a:p>
+        </p:txBody>
+      </p:sp>
+      <p:sp>
+        <p:nvSpPr>
+          <p:cNvPr id="3" name="Content Placeholder 2">
+            <a:extLst>
+              <a:ext uri="{FF2B5EF4-FFF2-40B4-BE49-F238E27FC236}">
+                <a16:creationId xmlns:a16="http://schemas.microsoft.com/office/drawing/2014/main" id="{98C8E745-17FA-0972-8665-9C637236AA5B}"/>
+              </a:ext>
+            </a:extLst>
+          </p:cNvPr>
+          <p:cNvSpPr>
+            <a:spLocks noGrp="1"/>
+          </p:cNvSpPr>
+          <p:nvPr>
+            <p:ph idx="1"/>
+          </p:nvPr>
+        </p:nvSpPr>
+        <p:spPr/>
+        <p:txBody>
+          <a:bodyPr/>
+          <a:lstStyle/>
+          <a:p>
+            <a:pPr marL="0" indent="0">
+              <a:buNone/>
+            </a:pPr>
+            <a:r>
+              <a:rPr lang="en-GB" dirty="0"/>
+              <a:t>Which of the strings below is considered regular language for the regular expression “a\?b” ? </a:t>
+            </a:r>
+          </a:p>
+          <a:p>
+            <a:pPr marL="514350" indent="-514350">
+              <a:buFont typeface="+mj-lt"/>
+              <a:buAutoNum type="alphaUcPeriod"/>
+            </a:pPr>
+            <a:r>
+              <a:rPr lang="en-GB" dirty="0"/>
+              <a:t>a</a:t>
+            </a:r>
+          </a:p>
+          <a:p>
+            <a:pPr marL="514350" indent="-514350">
+              <a:buFont typeface="+mj-lt"/>
+              <a:buAutoNum type="alphaUcPeriod"/>
+            </a:pPr>
+            <a:r>
+              <a:rPr lang="en-GB" dirty="0"/>
+              <a:t>ab</a:t>
+            </a:r>
+          </a:p>
+          <a:p>
+            <a:pPr marL="514350" indent="-514350">
+              <a:buFont typeface="+mj-lt"/>
+              <a:buAutoNum type="alphaUcPeriod"/>
+            </a:pPr>
+            <a:r>
+              <a:rPr lang="en-GB" b="1" dirty="0" err="1">
+                <a:solidFill>
+                  <a:srgbClr val="00B050"/>
+                </a:solidFill>
+              </a:rPr>
+              <a:t>a?b</a:t>
+            </a:r>
+            <a:endParaRPr lang="en-GB" b="1" dirty="0">
+              <a:solidFill>
+                <a:srgbClr val="00B050"/>
+              </a:solidFill>
+            </a:endParaRPr>
+          </a:p>
+          <a:p>
+            <a:pPr marL="514350" indent="-514350">
+              <a:buFont typeface="+mj-lt"/>
+              <a:buAutoNum type="alphaUcPeriod"/>
+            </a:pPr>
+            <a:r>
+              <a:rPr lang="en-GB" dirty="0"/>
+              <a:t>a\b</a:t>
+            </a:r>
+          </a:p>
+          <a:p>
+            <a:endParaRPr lang="en-SG" dirty="0"/>
+          </a:p>
+        </p:txBody>
+      </p:sp>
+    </p:spTree>
+    <p:extLst>
+      <p:ext uri="{BB962C8B-B14F-4D97-AF65-F5344CB8AC3E}">
+        <p14:creationId xmlns:p14="http://schemas.microsoft.com/office/powerpoint/2010/main" val="3522887232"/>
+      </p:ext>
+    </p:extLst>
+  </p:cSld>
+  <p:clrMapOvr>
+    <a:masterClrMapping/>
+  </p:clrMapOvr>
+</p:sld>
+</file>
+
 <file path=ppt/slides/slide39.xml><?xml version="1.0" encoding="utf-8"?>
 <p:sld xmlns:a="http://schemas.openxmlformats.org/drawingml/2006/main" xmlns:r="http://schemas.openxmlformats.org/officeDocument/2006/relationships" xmlns:p="http://schemas.openxmlformats.org/presentationml/2006/main">
   <p:cSld>
@@ -34083,11 +34092,11 @@
             </a:r>
             <a:r>
               <a:rPr lang="en-GB" dirty="0"/>
-              <a:t>", or "</a:t>
+              <a:t>", or “</a:t>
             </a:r>
             <a:r>
               <a:rPr lang="en-GB" dirty="0" err="1"/>
-              <a:t>dabc</a:t>
+              <a:t>abcabc</a:t>
             </a:r>
             <a:r>
               <a:rPr lang="en-GB" dirty="0"/>
@@ -34125,14 +34134,6 @@
             </a:r>
             <a:r>
               <a:rPr lang="en-GB" dirty="0"/>
-              <a:t>" or "</a:t>
-            </a:r>
-            <a:r>
-              <a:rPr lang="en-GB" dirty="0" err="1"/>
-              <a:t>abcc</a:t>
-            </a:r>
-            <a:r>
-              <a:rPr lang="en-GB" dirty="0"/>
               <a:t>".</a:t>
             </a:r>
           </a:p>
@@ -34159,26 +34160,38 @@
             </a:r>
             <a:r>
               <a:rPr lang="en-GB" dirty="0"/>
-              <a:t>" at the end of a string, but not "</a:t>
+              <a:t>" at the end of a string.</a:t>
+            </a:r>
+          </a:p>
+          <a:p>
+            <a:pPr>
+              <a:buFont typeface="Arial" panose="020B0604020202020204" pitchFamily="34" charset="0"/>
+              <a:buChar char="•"/>
+            </a:pPr>
+            <a:r>
+              <a:rPr lang="en-GB" b="1" dirty="0"/>
+              <a:t>Note: </a:t>
+            </a:r>
+            <a:r>
+              <a:rPr lang="en-GB" dirty="0"/>
+              <a:t>Do not confuse the two regex “^a$” and “^</a:t>
             </a:r>
             <a:r>
               <a:rPr lang="en-GB" dirty="0" err="1"/>
-              <a:t>abcc</a:t>
-            </a:r>
-            <a:r>
-              <a:rPr lang="en-GB" dirty="0"/>
-              <a:t>" or "</a:t>
+              <a:t>abc</a:t>
+            </a:r>
+            <a:r>
+              <a:rPr lang="en-GB" dirty="0"/>
+              <a:t>(.)*</a:t>
             </a:r>
             <a:r>
               <a:rPr lang="en-GB" dirty="0" err="1"/>
-              <a:t>dabc</a:t>
-            </a:r>
-            <a:r>
-              <a:rPr lang="en-GB" dirty="0"/>
-              <a:t>".</a:t>
-            </a:r>
-          </a:p>
-          <a:p>
+              <a:t>abc</a:t>
+            </a:r>
+            <a:r>
+              <a:rPr lang="en-GB" dirty="0"/>
+              <a:t>$.</a:t>
+            </a:r>
             <a:endParaRPr lang="en-SG" dirty="0"/>
           </a:p>
         </p:txBody>
@@ -34664,11 +34677,7 @@
               <a:buAutoNum type="alphaUcPeriod"/>
             </a:pPr>
             <a:r>
-              <a:rPr lang="en-GB" b="1" dirty="0">
-                <a:solidFill>
-                  <a:srgbClr val="00B050"/>
-                </a:solidFill>
-              </a:rPr>
+              <a:rPr lang="en-GB" dirty="0"/>
               <a:t>“A1B2C3”</a:t>
             </a:r>
           </a:p>

--- a/W9/W9S2/W9S2.pptx
+++ b/W9/W9S2/W9S2.pptx
@@ -6596,7 +6596,7 @@
   <pc:docChgLst>
     <pc:chgData name="Matthieu De Mari" userId="dfb708c9-d8dc-439f-9a3b-c772bf4a311c" providerId="ADAL" clId="{A7A059E7-93C7-4781-9870-5EC88FF7F596}"/>
     <pc:docChg chg="undo redo custSel addSld delSld modSld sldOrd addSection delSection modSection">
-      <pc:chgData name="Matthieu De Mari" userId="dfb708c9-d8dc-439f-9a3b-c772bf4a311c" providerId="ADAL" clId="{A7A059E7-93C7-4781-9870-5EC88FF7F596}" dt="2023-03-22T05:41:14.664" v="12055" actId="27636"/>
+      <pc:chgData name="Matthieu De Mari" userId="dfb708c9-d8dc-439f-9a3b-c772bf4a311c" providerId="ADAL" clId="{A7A059E7-93C7-4781-9870-5EC88FF7F596}" dt="2023-04-20T05:54:18.615" v="12056" actId="20577"/>
       <pc:docMkLst>
         <pc:docMk/>
       </pc:docMkLst>
@@ -10088,7 +10088,7 @@
         </pc:sldMkLst>
       </pc:sldChg>
       <pc:sldChg chg="addSp delSp modSp new mod modClrScheme chgLayout">
-        <pc:chgData name="Matthieu De Mari" userId="dfb708c9-d8dc-439f-9a3b-c772bf4a311c" providerId="ADAL" clId="{A7A059E7-93C7-4781-9870-5EC88FF7F596}" dt="2023-03-20T06:44:55.055" v="11771" actId="207"/>
+        <pc:chgData name="Matthieu De Mari" userId="dfb708c9-d8dc-439f-9a3b-c772bf4a311c" providerId="ADAL" clId="{A7A059E7-93C7-4781-9870-5EC88FF7F596}" dt="2023-04-20T05:54:18.615" v="12056" actId="20577"/>
         <pc:sldMkLst>
           <pc:docMk/>
           <pc:sldMk cId="2491784038" sldId="460"/>
@@ -10126,7 +10126,7 @@
           </ac:spMkLst>
         </pc:spChg>
         <pc:spChg chg="add mod ord">
-          <ac:chgData name="Matthieu De Mari" userId="dfb708c9-d8dc-439f-9a3b-c772bf4a311c" providerId="ADAL" clId="{A7A059E7-93C7-4781-9870-5EC88FF7F596}" dt="2023-03-20T06:44:55.055" v="11771" actId="207"/>
+          <ac:chgData name="Matthieu De Mari" userId="dfb708c9-d8dc-439f-9a3b-c772bf4a311c" providerId="ADAL" clId="{A7A059E7-93C7-4781-9870-5EC88FF7F596}" dt="2023-04-20T05:54:18.615" v="12056" actId="20577"/>
           <ac:spMkLst>
             <pc:docMk/>
             <pc:sldMk cId="2491784038" sldId="460"/>
@@ -12643,7 +12643,7 @@
           <a:p>
             <a:fld id="{98CFC6A4-B085-437B-8084-693BEB2A32DE}" type="datetimeFigureOut">
               <a:rPr lang="en-SG" smtClean="0"/>
-              <a:t>22/3/2023</a:t>
+              <a:t>20/4/2023</a:t>
             </a:fld>
             <a:endParaRPr lang="en-SG"/>
           </a:p>
@@ -13060,7 +13060,7 @@
           <a:p>
             <a:fld id="{AB35F6B0-D468-4997-9CE3-CF2A1AE5E3F9}" type="datetimeFigureOut">
               <a:rPr lang="en-SG" smtClean="0"/>
-              <a:t>22/3/2023</a:t>
+              <a:t>20/4/2023</a:t>
             </a:fld>
             <a:endParaRPr lang="en-SG"/>
           </a:p>
@@ -13260,7 +13260,7 @@
           <a:p>
             <a:fld id="{AB35F6B0-D468-4997-9CE3-CF2A1AE5E3F9}" type="datetimeFigureOut">
               <a:rPr lang="en-SG" smtClean="0"/>
-              <a:t>22/3/2023</a:t>
+              <a:t>20/4/2023</a:t>
             </a:fld>
             <a:endParaRPr lang="en-SG"/>
           </a:p>
@@ -13470,7 +13470,7 @@
           <a:p>
             <a:fld id="{AB35F6B0-D468-4997-9CE3-CF2A1AE5E3F9}" type="datetimeFigureOut">
               <a:rPr lang="en-SG" smtClean="0"/>
-              <a:t>22/3/2023</a:t>
+              <a:t>20/4/2023</a:t>
             </a:fld>
             <a:endParaRPr lang="en-SG"/>
           </a:p>
@@ -13670,7 +13670,7 @@
           <a:p>
             <a:fld id="{AB35F6B0-D468-4997-9CE3-CF2A1AE5E3F9}" type="datetimeFigureOut">
               <a:rPr lang="en-SG" smtClean="0"/>
-              <a:t>22/3/2023</a:t>
+              <a:t>20/4/2023</a:t>
             </a:fld>
             <a:endParaRPr lang="en-SG"/>
           </a:p>
@@ -13946,7 +13946,7 @@
           <a:p>
             <a:fld id="{AB35F6B0-D468-4997-9CE3-CF2A1AE5E3F9}" type="datetimeFigureOut">
               <a:rPr lang="en-SG" smtClean="0"/>
-              <a:t>22/3/2023</a:t>
+              <a:t>20/4/2023</a:t>
             </a:fld>
             <a:endParaRPr lang="en-SG"/>
           </a:p>
@@ -14214,7 +14214,7 @@
           <a:p>
             <a:fld id="{AB35F6B0-D468-4997-9CE3-CF2A1AE5E3F9}" type="datetimeFigureOut">
               <a:rPr lang="en-SG" smtClean="0"/>
-              <a:t>22/3/2023</a:t>
+              <a:t>20/4/2023</a:t>
             </a:fld>
             <a:endParaRPr lang="en-SG"/>
           </a:p>
@@ -14629,7 +14629,7 @@
           <a:p>
             <a:fld id="{AB35F6B0-D468-4997-9CE3-CF2A1AE5E3F9}" type="datetimeFigureOut">
               <a:rPr lang="en-SG" smtClean="0"/>
-              <a:t>22/3/2023</a:t>
+              <a:t>20/4/2023</a:t>
             </a:fld>
             <a:endParaRPr lang="en-SG"/>
           </a:p>
@@ -14771,7 +14771,7 @@
           <a:p>
             <a:fld id="{AB35F6B0-D468-4997-9CE3-CF2A1AE5E3F9}" type="datetimeFigureOut">
               <a:rPr lang="en-SG" smtClean="0"/>
-              <a:t>22/3/2023</a:t>
+              <a:t>20/4/2023</a:t>
             </a:fld>
             <a:endParaRPr lang="en-SG"/>
           </a:p>
@@ -14884,7 +14884,7 @@
           <a:p>
             <a:fld id="{AB35F6B0-D468-4997-9CE3-CF2A1AE5E3F9}" type="datetimeFigureOut">
               <a:rPr lang="en-SG" smtClean="0"/>
-              <a:t>22/3/2023</a:t>
+              <a:t>20/4/2023</a:t>
             </a:fld>
             <a:endParaRPr lang="en-SG"/>
           </a:p>
@@ -15197,7 +15197,7 @@
           <a:p>
             <a:fld id="{AB35F6B0-D468-4997-9CE3-CF2A1AE5E3F9}" type="datetimeFigureOut">
               <a:rPr lang="en-SG" smtClean="0"/>
-              <a:t>22/3/2023</a:t>
+              <a:t>20/4/2023</a:t>
             </a:fld>
             <a:endParaRPr lang="en-SG"/>
           </a:p>
@@ -15486,7 +15486,7 @@
           <a:p>
             <a:fld id="{AB35F6B0-D468-4997-9CE3-CF2A1AE5E3F9}" type="datetimeFigureOut">
               <a:rPr lang="en-SG" smtClean="0"/>
-              <a:t>22/3/2023</a:t>
+              <a:t>20/4/2023</a:t>
             </a:fld>
             <a:endParaRPr lang="en-SG"/>
           </a:p>
@@ -15729,7 +15729,7 @@
           <a:p>
             <a:fld id="{AB35F6B0-D468-4997-9CE3-CF2A1AE5E3F9}" type="datetimeFigureOut">
               <a:rPr lang="en-SG" smtClean="0"/>
-              <a:t>22/3/2023</a:t>
+              <a:t>20/4/2023</a:t>
             </a:fld>
             <a:endParaRPr lang="en-SG"/>
           </a:p>
@@ -34290,15 +34290,7 @@
             </a:pPr>
             <a:r>
               <a:rPr lang="en-GB" dirty="0"/>
-              <a:t>When used inside a character class (i.e., between square brackets), the caret </a:t>
-            </a:r>
-            <a:r>
-              <a:rPr lang="en-GB" dirty="0" err="1"/>
-              <a:t>symol</a:t>
-            </a:r>
-            <a:r>
-              <a:rPr lang="en-GB" dirty="0"/>
-              <a:t> </a:t>
+              <a:t>When used inside a character class (i.e., between square brackets), the caret symbol </a:t>
             </a:r>
             <a:r>
               <a:rPr lang="en-GB" b="1" dirty="0">
